--- a/PT-SNE Gated Mixture of Sparse Experts (PT-MoE).pptx
+++ b/PT-SNE Gated Mixture of Sparse Experts (PT-MoE).pptx
@@ -5397,7 +5397,7 @@
       <dgm:spPr/>
     </dgm:pt>
     <dgm:pt modelId="{19C19775-BC6F-4B55-A37B-96B4906DB53A}" type="pres">
-      <dgm:prSet presAssocID="{DEBF5677-D744-475D-B5E9-3C59B283AF81}" presName="bgRect" presStyleLbl="bgShp" presStyleIdx="4" presStyleCnt="5" custLinFactNeighborX="-803" custLinFactNeighborY="9192"/>
+      <dgm:prSet presAssocID="{DEBF5677-D744-475D-B5E9-3C59B283AF81}" presName="bgRect" presStyleLbl="bgShp" presStyleIdx="4" presStyleCnt="5" custLinFactNeighborY="1396"/>
       <dgm:spPr/>
     </dgm:pt>
     <dgm:pt modelId="{E112C692-537A-4F25-BF3C-A3C2CFD6679A}" type="pres">
@@ -36189,8 +36189,8 @@
         </p:nvSpPr>
         <p:spPr>
           <a:xfrm>
-            <a:off x="639098" y="2418735"/>
-            <a:ext cx="5132439" cy="3811742"/>
+            <a:off x="639098" y="2091193"/>
+            <a:ext cx="5132439" cy="4139284"/>
           </a:xfrm>
         </p:spPr>
         <p:txBody>
@@ -36205,8 +36205,57 @@
                   <a:srgbClr val="FFFFFF"/>
                 </a:solidFill>
               </a:rPr>
-              <a:t>The difficulty in training deep neural networks begins and ends with the fact that the design principle on which many are founded, full connectivity, contributes to a quadratic increase in calculable parameters as the number of input dimensions and parameters increases.</a:t>
+              <a:t>The difficulty in training deep neural networks begins and ends with the principle on which they are founded</a:t>
             </a:r>
+          </a:p>
+          <a:p>
+            <a:r>
+              <a:rPr lang="en-US" dirty="0">
+                <a:solidFill>
+                  <a:srgbClr val="FFFFFF"/>
+                </a:solidFill>
+              </a:rPr>
+              <a:t>FCL adds a quadratic increase in calculable parameters with increased nodes.</a:t>
+            </a:r>
+          </a:p>
+          <a:p>
+            <a:r>
+              <a:rPr lang="en-US" dirty="0">
+                <a:solidFill>
+                  <a:srgbClr val="FFFFFF"/>
+                </a:solidFill>
+              </a:rPr>
+              <a:t>Problem</a:t>
+            </a:r>
+          </a:p>
+          <a:p>
+            <a:pPr lvl="1"/>
+            <a:r>
+              <a:rPr lang="en-US" dirty="0">
+                <a:solidFill>
+                  <a:srgbClr val="FFFFFF"/>
+                </a:solidFill>
+              </a:rPr>
+              <a:t>Models are too large. </a:t>
+            </a:r>
+          </a:p>
+          <a:p>
+            <a:pPr lvl="1"/>
+            <a:r>
+              <a:rPr lang="en-US" dirty="0">
+                <a:solidFill>
+                  <a:srgbClr val="FFFFFF"/>
+                </a:solidFill>
+              </a:rPr>
+              <a:t>Pt-SNE aims to fix this while improving accuracy.</a:t>
+            </a:r>
+          </a:p>
+          <a:p>
+            <a:endParaRPr lang="en-US" dirty="0">
+              <a:solidFill>
+                <a:srgbClr val="FFFFFF"/>
+              </a:solidFill>
+            </a:endParaRPr>
           </a:p>
         </p:txBody>
       </p:sp>
@@ -37094,7 +37143,7 @@
             <p:ph idx="1"/>
             <p:extLst>
               <p:ext uri="{D42A27DB-BD31-4B8C-83A1-F6EECF244321}">
-                <p14:modId xmlns:p14="http://schemas.microsoft.com/office/powerpoint/2010/main" val="817929463"/>
+                <p14:modId xmlns:p14="http://schemas.microsoft.com/office/powerpoint/2010/main" val="3039592868"/>
               </p:ext>
             </p:extLst>
           </p:nvPr>
@@ -40963,7 +41012,7 @@
           <a:p>
             <a:r>
               <a:rPr lang="en-US" dirty="0"/>
-              <a:t>Typical Mixture of Experts</a:t>
+              <a:t>Gated Mixture of Experts</a:t>
             </a:r>
           </a:p>
         </p:txBody>
@@ -40990,7 +41039,7 @@
         </p:blipFill>
         <p:spPr>
           <a:xfrm>
-            <a:off x="430581" y="3999937"/>
+            <a:off x="2129908" y="3915162"/>
             <a:ext cx="1158212" cy="868665"/>
           </a:xfrm>
           <a:prstGeom prst="rect">
@@ -41016,7 +41065,7 @@
         </p:nvCxnSpPr>
         <p:spPr>
           <a:xfrm flipV="1">
-            <a:off x="1588793" y="3413617"/>
+            <a:off x="3288120" y="3328842"/>
             <a:ext cx="1383007" cy="1020653"/>
           </a:xfrm>
           <a:prstGeom prst="line">
@@ -41056,7 +41105,7 @@
         </p:nvCxnSpPr>
         <p:spPr>
           <a:xfrm>
-            <a:off x="1588793" y="4434270"/>
+            <a:off x="3288120" y="4349495"/>
             <a:ext cx="1383007" cy="1049708"/>
           </a:xfrm>
           <a:prstGeom prst="line">
@@ -41092,7 +41141,7 @@
         </p:nvGrpSpPr>
         <p:grpSpPr>
           <a:xfrm>
-            <a:off x="4029471" y="3098119"/>
+            <a:off x="5728798" y="3013344"/>
             <a:ext cx="4394890" cy="3287678"/>
             <a:chOff x="1972071" y="3031221"/>
             <a:chExt cx="4394890" cy="3287678"/>
@@ -43356,7 +43405,7 @@
         </p:nvCxnSpPr>
         <p:spPr>
           <a:xfrm flipV="1">
-            <a:off x="6360402" y="4739459"/>
+            <a:off x="8059729" y="4654684"/>
             <a:ext cx="662190" cy="989085"/>
           </a:xfrm>
           <a:prstGeom prst="line">
@@ -43395,7 +43444,7 @@
         </p:nvCxnSpPr>
         <p:spPr>
           <a:xfrm>
-            <a:off x="6336792" y="3823968"/>
+            <a:off x="8036119" y="3739193"/>
             <a:ext cx="685800" cy="915491"/>
           </a:xfrm>
           <a:prstGeom prst="line">
@@ -43431,7 +43480,7 @@
         </p:nvSpPr>
         <p:spPr>
           <a:xfrm>
-            <a:off x="2971800" y="3239316"/>
+            <a:off x="4671127" y="3154541"/>
             <a:ext cx="320040" cy="348602"/>
           </a:xfrm>
           <a:prstGeom prst="rect">
@@ -43477,7 +43526,7 @@
         </p:nvSpPr>
         <p:spPr>
           <a:xfrm>
-            <a:off x="2971800" y="5309677"/>
+            <a:off x="4671127" y="5224902"/>
             <a:ext cx="320040" cy="348602"/>
           </a:xfrm>
           <a:prstGeom prst="rect">
@@ -43527,7 +43576,7 @@
         </p:nvCxnSpPr>
         <p:spPr>
           <a:xfrm>
-            <a:off x="3291840" y="3413617"/>
+            <a:off x="4991167" y="3328842"/>
             <a:ext cx="779342" cy="10341"/>
           </a:xfrm>
           <a:prstGeom prst="line">
@@ -43566,7 +43615,7 @@
         </p:nvCxnSpPr>
         <p:spPr>
           <a:xfrm flipV="1">
-            <a:off x="3263366" y="5325723"/>
+            <a:off x="4962693" y="5240948"/>
             <a:ext cx="766105" cy="161726"/>
           </a:xfrm>
           <a:prstGeom prst="line">
@@ -43606,7 +43655,7 @@
         </p:nvCxnSpPr>
         <p:spPr>
           <a:xfrm>
-            <a:off x="3291840" y="3413617"/>
+            <a:off x="4991167" y="3328842"/>
             <a:ext cx="779342" cy="624958"/>
           </a:xfrm>
           <a:prstGeom prst="line">
@@ -43646,7 +43695,7 @@
         </p:nvCxnSpPr>
         <p:spPr>
           <a:xfrm>
-            <a:off x="3291840" y="5483978"/>
+            <a:off x="4991167" y="5399203"/>
             <a:ext cx="737631" cy="456362"/>
           </a:xfrm>
           <a:prstGeom prst="line">
@@ -43682,7 +43731,7 @@
         </p:nvSpPr>
         <p:spPr>
           <a:xfrm>
-            <a:off x="2971800" y="5234001"/>
+            <a:off x="4671127" y="5149226"/>
             <a:ext cx="82296" cy="75676"/>
           </a:xfrm>
           <a:prstGeom prst="triangle">
@@ -43728,7 +43777,7 @@
         </p:nvSpPr>
         <p:spPr>
           <a:xfrm>
-            <a:off x="2971800" y="3158235"/>
+            <a:off x="4671127" y="3073460"/>
             <a:ext cx="82296" cy="75676"/>
           </a:xfrm>
           <a:prstGeom prst="triangle">
@@ -43760,6 +43809,36 @@
           </a:p>
         </p:txBody>
       </p:sp>
+      <p:pic>
+        <p:nvPicPr>
+          <p:cNvPr id="125" name="Picture 124">
+            <a:extLst>
+              <a:ext uri="{FF2B5EF4-FFF2-40B4-BE49-F238E27FC236}">
+                <a16:creationId xmlns:a16="http://schemas.microsoft.com/office/drawing/2014/main" id="{1B4F1CE9-4207-E64A-9276-6714110823B6}"/>
+              </a:ext>
+            </a:extLst>
+          </p:cNvPr>
+          <p:cNvPicPr>
+            <a:picLocks noChangeAspect="1"/>
+          </p:cNvPicPr>
+          <p:nvPr/>
+        </p:nvPicPr>
+        <p:blipFill>
+          <a:blip r:embed="rId3"/>
+          <a:stretch>
+            <a:fillRect/>
+          </a:stretch>
+        </p:blipFill>
+        <p:spPr>
+          <a:xfrm>
+            <a:off x="1575093" y="3726094"/>
+            <a:ext cx="867304" cy="1246799"/>
+          </a:xfrm>
+          <a:prstGeom prst="rect">
+            <a:avLst/>
+          </a:prstGeom>
+        </p:spPr>
+      </p:pic>
     </p:spTree>
     <p:extLst>
       <p:ext uri="{BB962C8B-B14F-4D97-AF65-F5344CB8AC3E}">

--- a/PT-SNE Gated Mixture of Sparse Experts (PT-MoE).pptx
+++ b/PT-SNE Gated Mixture of Sparse Experts (PT-MoE).pptx
@@ -8,18 +8,17 @@
     <p:sldId id="256" r:id="rId2"/>
     <p:sldId id="257" r:id="rId3"/>
     <p:sldId id="258" r:id="rId4"/>
-    <p:sldId id="259" r:id="rId5"/>
+    <p:sldId id="273" r:id="rId5"/>
     <p:sldId id="260" r:id="rId6"/>
-    <p:sldId id="271" r:id="rId7"/>
-    <p:sldId id="265" r:id="rId8"/>
+    <p:sldId id="265" r:id="rId7"/>
+    <p:sldId id="266" r:id="rId8"/>
     <p:sldId id="267" r:id="rId9"/>
     <p:sldId id="269" r:id="rId10"/>
-    <p:sldId id="266" r:id="rId11"/>
-    <p:sldId id="261" r:id="rId12"/>
-    <p:sldId id="270" r:id="rId13"/>
-    <p:sldId id="272" r:id="rId14"/>
-    <p:sldId id="262" r:id="rId15"/>
-    <p:sldId id="263" r:id="rId16"/>
+    <p:sldId id="261" r:id="rId11"/>
+    <p:sldId id="270" r:id="rId12"/>
+    <p:sldId id="272" r:id="rId13"/>
+    <p:sldId id="262" r:id="rId14"/>
+    <p:sldId id="263" r:id="rId15"/>
   </p:sldIdLst>
   <p:sldSz cx="12192000" cy="6858000"/>
   <p:notesSz cx="6858000" cy="9144000"/>
@@ -127,7 +126,7 @@
 </file>
 
 <file path=ppt/diagrams/colors1.xml><?xml version="1.0" encoding="utf-8"?>
-<dgm:colorsDef xmlns:dgm="http://schemas.openxmlformats.org/drawingml/2006/diagram" xmlns:a="http://schemas.openxmlformats.org/drawingml/2006/main" uniqueId="urn:microsoft.com/office/officeart/2005/8/colors/colorful1">
+<dgm:colorsDef xmlns:dgm="http://schemas.openxmlformats.org/drawingml/2006/diagram" xmlns:a="http://schemas.openxmlformats.org/drawingml/2006/main" uniqueId="urn:microsoft.com/office/officeart/2018/5/colors/Iconchunking_neutralicontext_colorful1">
   <dgm:title val=""/>
   <dgm:desc val=""/>
   <dgm:catLst>
@@ -147,18 +146,18 @@
   </dgm:styleLbl>
   <dgm:styleLbl name="node1">
     <dgm:fillClrLst meth="repeat">
-      <a:schemeClr val="accent2"/>
-      <a:schemeClr val="accent3"/>
-      <a:schemeClr val="accent4"/>
-      <a:schemeClr val="accent5"/>
-      <a:schemeClr val="accent6"/>
+      <a:schemeClr val="bg1"/>
     </dgm:fillClrLst>
     <dgm:linClrLst meth="repeat">
-      <a:schemeClr val="lt1"/>
+      <a:schemeClr val="lt1">
+        <a:alpha val="0"/>
+      </a:schemeClr>
     </dgm:linClrLst>
     <dgm:effectClrLst/>
     <dgm:txLinClrLst/>
-    <dgm:txFillClrLst/>
+    <dgm:txFillClrLst meth="repeat">
+      <a:schemeClr val="dk1"/>
+    </dgm:txFillClrLst>
     <dgm:txEffectClrLst/>
   </dgm:styleLbl>
   <dgm:styleLbl name="alignNode1">
@@ -961,18 +960,20 @@
   </dgm:styleLbl>
   <dgm:styleLbl name="bgShp">
     <dgm:fillClrLst meth="repeat">
-      <a:schemeClr val="accent2">
-        <a:tint val="40000"/>
-      </a:schemeClr>
+      <a:schemeClr val="accent2"/>
+      <a:schemeClr val="accent3"/>
+      <a:schemeClr val="accent4"/>
+      <a:schemeClr val="accent5"/>
+      <a:schemeClr val="accent6"/>
     </dgm:fillClrLst>
     <dgm:linClrLst meth="repeat">
-      <a:schemeClr val="dk1"/>
+      <a:schemeClr val="lt1">
+        <a:alpha val="0"/>
+      </a:schemeClr>
     </dgm:linClrLst>
     <dgm:effectClrLst/>
     <dgm:txLinClrLst/>
-    <dgm:txFillClrLst meth="repeat">
-      <a:schemeClr val="dk1"/>
-    </dgm:txFillClrLst>
+    <dgm:txFillClrLst/>
     <dgm:txEffectClrLst/>
   </dgm:styleLbl>
   <dgm:styleLbl name="dkBgShp">
@@ -1038,7 +1039,7 @@
     <dgm:effectClrLst/>
     <dgm:txLinClrLst/>
     <dgm:txFillClrLst meth="repeat">
-      <a:schemeClr val="tx1"/>
+      <a:schemeClr val="bg1"/>
     </dgm:txFillClrLst>
     <dgm:txEffectClrLst/>
   </dgm:styleLbl>
@@ -4732,8 +4733,8 @@
 <file path=ppt/diagrams/data1.xml><?xml version="1.0" encoding="utf-8"?>
 <dgm:dataModel xmlns:dgm="http://schemas.openxmlformats.org/drawingml/2006/diagram" xmlns:a="http://schemas.openxmlformats.org/drawingml/2006/main">
   <dgm:ptLst>
-    <dgm:pt modelId="{34BAAC0D-E488-40FD-838D-A1329D6845D9}" type="doc">
-      <dgm:prSet loTypeId="urn:microsoft.com/office/officeart/2005/8/layout/hierarchy1" loCatId="hierarchy" qsTypeId="urn:microsoft.com/office/officeart/2005/8/quickstyle/simple1" qsCatId="simple" csTypeId="urn:microsoft.com/office/officeart/2005/8/colors/colorful1" csCatId="colorful" phldr="1"/>
+    <dgm:pt modelId="{6E3C471B-1F9A-46AE-9555-D66053515B6B}" type="doc">
+      <dgm:prSet loTypeId="urn:microsoft.com/office/officeart/2018/2/layout/IconVerticalSolidList" loCatId="icon" qsTypeId="urn:microsoft.com/office/officeart/2005/8/quickstyle/simple1" qsCatId="simple" csTypeId="urn:microsoft.com/office/officeart/2018/5/colors/Iconchunking_neutralicontext_colorful1" csCatId="colorful" phldr="1"/>
       <dgm:spPr/>
       <dgm:t>
         <a:bodyPr/>
@@ -4743,7 +4744,7 @@
         </a:p>
       </dgm:t>
     </dgm:pt>
-    <dgm:pt modelId="{C7CD2B5B-69F5-4753-BB73-6C1B186C583B}">
+    <dgm:pt modelId="{80306A60-F340-4BF6-AD2D-DF397F84C270}">
       <dgm:prSet/>
       <dgm:spPr/>
       <dgm:t>
@@ -4751,14 +4752,13 @@
         <a:lstStyle/>
         <a:p>
           <a:r>
-            <a:rPr lang="en-US" b="0" i="0" dirty="0"/>
-            <a:t>Increasing Layers and Data &gt;&gt; Prediction Accuracy</a:t>
+            <a:rPr lang="en-US"/>
+            <a:t>Deep Neural Networks are Over Parameterized</a:t>
           </a:r>
-          <a:endParaRPr lang="en-US" dirty="0"/>
         </a:p>
       </dgm:t>
     </dgm:pt>
-    <dgm:pt modelId="{C9513554-4E50-4747-ACB1-E68D75129844}" type="parTrans" cxnId="{3659FDD7-A1D6-48A0-A5AF-FCDAE2D6154D}">
+    <dgm:pt modelId="{0C3B4C13-BE3C-4B7B-A69A-0F3AA35E414C}" type="parTrans" cxnId="{E8F1DD59-A53E-4E1D-998A-25FC6B7A2950}">
       <dgm:prSet/>
       <dgm:spPr/>
       <dgm:t>
@@ -4769,7 +4769,7 @@
         </a:p>
       </dgm:t>
     </dgm:pt>
-    <dgm:pt modelId="{4B2FEE92-3E37-49AA-A5DF-E105AD415540}" type="sibTrans" cxnId="{3659FDD7-A1D6-48A0-A5AF-FCDAE2D6154D}">
+    <dgm:pt modelId="{BC118779-36DE-4760-ADDE-9E0580C9B414}" type="sibTrans" cxnId="{E8F1DD59-A53E-4E1D-998A-25FC6B7A2950}">
       <dgm:prSet/>
       <dgm:spPr/>
       <dgm:t>
@@ -4780,7 +4780,7 @@
         </a:p>
       </dgm:t>
     </dgm:pt>
-    <dgm:pt modelId="{49717B0A-2D66-4F81-A509-E94ED0545A4C}">
+    <dgm:pt modelId="{22BBDD50-CC47-447D-9AB0-90CC1C305B7B}">
       <dgm:prSet/>
       <dgm:spPr/>
       <dgm:t>
@@ -4788,14 +4788,13 @@
         <a:lstStyle/>
         <a:p>
           <a:r>
-            <a:rPr lang="en-US" b="0" i="0" dirty="0"/>
-            <a:t>FCLs add noise complicates Training</a:t>
+            <a:rPr lang="en-US"/>
+            <a:t>They can be pruned significantly without any loss of accuracy</a:t>
           </a:r>
-          <a:endParaRPr lang="en-US" dirty="0"/>
         </a:p>
       </dgm:t>
     </dgm:pt>
-    <dgm:pt modelId="{B8D98BF7-6638-4B23-A70C-CC98147ED470}" type="parTrans" cxnId="{B9B914BB-79C9-4711-96E0-554D1349A826}">
+    <dgm:pt modelId="{05A196FB-9FE0-42E7-AADE-C13796328702}" type="parTrans" cxnId="{1F15EE84-6618-483B-9798-C2B672A5FEF7}">
       <dgm:prSet/>
       <dgm:spPr/>
       <dgm:t>
@@ -4806,7 +4805,7 @@
         </a:p>
       </dgm:t>
     </dgm:pt>
-    <dgm:pt modelId="{3519BE2F-6453-443D-8390-E2B360F99087}" type="sibTrans" cxnId="{B9B914BB-79C9-4711-96E0-554D1349A826}">
+    <dgm:pt modelId="{DDB8B28E-1575-4CBC-B19F-A5808585192C}" type="sibTrans" cxnId="{1F15EE84-6618-483B-9798-C2B672A5FEF7}">
       <dgm:prSet/>
       <dgm:spPr/>
       <dgm:t>
@@ -4817,7 +4816,7 @@
         </a:p>
       </dgm:t>
     </dgm:pt>
-    <dgm:pt modelId="{0EA1EB22-52BD-4460-9126-FD84182015F8}">
+    <dgm:pt modelId="{2CA79164-7B4E-4EBF-B1FA-09C84084D474}">
       <dgm:prSet/>
       <dgm:spPr/>
       <dgm:t>
@@ -4825,14 +4824,13 @@
         <a:lstStyle/>
         <a:p>
           <a:r>
-            <a:rPr lang="en-US" b="0" i="0" dirty="0"/>
-            <a:t>With Increased Accuracy comes Increased Perplexity</a:t>
+            <a:rPr lang="en-US" dirty="0"/>
+            <a:t>They overfit patterns in the data if not properly regularized</a:t>
           </a:r>
-          <a:endParaRPr lang="en-US" dirty="0"/>
         </a:p>
       </dgm:t>
     </dgm:pt>
-    <dgm:pt modelId="{731E75EC-BDC2-44AD-A136-0F1F36761630}" type="parTrans" cxnId="{02FE1F21-5A5B-4C3C-AAAA-0EEBEAC16A8F}">
+    <dgm:pt modelId="{E1108E52-52DA-4DE5-BE30-E8D604FA8557}" type="parTrans" cxnId="{C60A86D5-7C4C-4BE7-8F75-919CAE14DAD7}">
       <dgm:prSet/>
       <dgm:spPr/>
       <dgm:t>
@@ -4843,7 +4841,7 @@
         </a:p>
       </dgm:t>
     </dgm:pt>
-    <dgm:pt modelId="{02F2E1A6-0314-4D26-B6CB-2326ECC62F1B}" type="sibTrans" cxnId="{02FE1F21-5A5B-4C3C-AAAA-0EEBEAC16A8F}">
+    <dgm:pt modelId="{E8FA2D8C-1BC5-4BA0-A10F-D353E0202B2D}" type="sibTrans" cxnId="{C60A86D5-7C4C-4BE7-8F75-919CAE14DAD7}">
       <dgm:prSet/>
       <dgm:spPr/>
       <dgm:t>
@@ -4854,120 +4852,285 @@
         </a:p>
       </dgm:t>
     </dgm:pt>
-    <dgm:pt modelId="{2D0E0D2C-2EF9-014B-A102-931AEC2BC14F}" type="pres">
-      <dgm:prSet presAssocID="{34BAAC0D-E488-40FD-838D-A1329D6845D9}" presName="hierChild1" presStyleCnt="0">
+    <dgm:pt modelId="{4F0208EA-DF6A-43E7-BE02-FE74F5C02ED6}">
+      <dgm:prSet/>
+      <dgm:spPr/>
+      <dgm:t>
+        <a:bodyPr/>
+        <a:lstStyle/>
+        <a:p>
+          <a:r>
+            <a:rPr lang="en-US" dirty="0"/>
+            <a:t>Training is slow, costs more, and requires special hardware</a:t>
+          </a:r>
+        </a:p>
+      </dgm:t>
+    </dgm:pt>
+    <dgm:pt modelId="{3F941A39-291B-4716-A3DC-C91D06EECD3D}" type="parTrans" cxnId="{FF7588E0-226B-4F8F-8F64-99BC5C67A667}">
+      <dgm:prSet/>
+      <dgm:spPr/>
+      <dgm:t>
+        <a:bodyPr/>
+        <a:lstStyle/>
+        <a:p>
+          <a:endParaRPr lang="en-US"/>
+        </a:p>
+      </dgm:t>
+    </dgm:pt>
+    <dgm:pt modelId="{F4D3F32F-A1EB-4025-BA85-0EA896A5D703}" type="sibTrans" cxnId="{FF7588E0-226B-4F8F-8F64-99BC5C67A667}">
+      <dgm:prSet/>
+      <dgm:spPr/>
+      <dgm:t>
+        <a:bodyPr/>
+        <a:lstStyle/>
+        <a:p>
+          <a:endParaRPr lang="en-US"/>
+        </a:p>
+      </dgm:t>
+    </dgm:pt>
+    <dgm:pt modelId="{79753000-7C4B-46EA-878C-2939F873C834}">
+      <dgm:prSet/>
+      <dgm:spPr/>
+      <dgm:t>
+        <a:bodyPr/>
+        <a:lstStyle/>
+        <a:p>
+          <a:r>
+            <a:rPr lang="en-US" dirty="0"/>
+            <a:t>The storage and processing requirements are large even for deployed models</a:t>
+          </a:r>
+        </a:p>
+      </dgm:t>
+    </dgm:pt>
+    <dgm:pt modelId="{35152DE7-F981-4CFC-A543-5B86C7513FD3}" type="parTrans" cxnId="{DEEED284-5945-4EB8-AA1F-7D9274BDE0E8}">
+      <dgm:prSet/>
+      <dgm:spPr/>
+      <dgm:t>
+        <a:bodyPr/>
+        <a:lstStyle/>
+        <a:p>
+          <a:endParaRPr lang="en-US"/>
+        </a:p>
+      </dgm:t>
+    </dgm:pt>
+    <dgm:pt modelId="{9686CA25-A86C-4307-B98C-82C685E222F8}" type="sibTrans" cxnId="{DEEED284-5945-4EB8-AA1F-7D9274BDE0E8}">
+      <dgm:prSet/>
+      <dgm:spPr/>
+      <dgm:t>
+        <a:bodyPr/>
+        <a:lstStyle/>
+        <a:p>
+          <a:endParaRPr lang="en-US"/>
+        </a:p>
+      </dgm:t>
+    </dgm:pt>
+    <dgm:pt modelId="{3E58FBAB-2DB0-4B85-9491-427A5804F006}" type="pres">
+      <dgm:prSet presAssocID="{6E3C471B-1F9A-46AE-9555-D66053515B6B}" presName="root" presStyleCnt="0">
         <dgm:presLayoutVars>
-          <dgm:chPref val="1"/>
           <dgm:dir/>
-          <dgm:animOne val="branch"/>
-          <dgm:animLvl val="lvl"/>
-          <dgm:resizeHandles/>
+          <dgm:resizeHandles val="exact"/>
         </dgm:presLayoutVars>
       </dgm:prSet>
       <dgm:spPr/>
     </dgm:pt>
-    <dgm:pt modelId="{93ABA6F4-3C4C-254B-89E5-B627D6EF663B}" type="pres">
-      <dgm:prSet presAssocID="{C7CD2B5B-69F5-4753-BB73-6C1B186C583B}" presName="hierRoot1" presStyleCnt="0"/>
+    <dgm:pt modelId="{23B7289A-E6A3-4E66-A2A9-85047AFCBD8F}" type="pres">
+      <dgm:prSet presAssocID="{80306A60-F340-4BF6-AD2D-DF397F84C270}" presName="compNode" presStyleCnt="0"/>
       <dgm:spPr/>
     </dgm:pt>
-    <dgm:pt modelId="{B6E358AC-DD45-6648-A532-DFD00943B214}" type="pres">
-      <dgm:prSet presAssocID="{C7CD2B5B-69F5-4753-BB73-6C1B186C583B}" presName="composite" presStyleCnt="0"/>
+    <dgm:pt modelId="{C36B47E9-B3C9-417B-9E9F-94B270092559}" type="pres">
+      <dgm:prSet presAssocID="{80306A60-F340-4BF6-AD2D-DF397F84C270}" presName="bgRect" presStyleLbl="bgShp" presStyleIdx="0" presStyleCnt="3"/>
       <dgm:spPr/>
     </dgm:pt>
-    <dgm:pt modelId="{360604EB-0C53-624A-80E9-053130773AE5}" type="pres">
-      <dgm:prSet presAssocID="{C7CD2B5B-69F5-4753-BB73-6C1B186C583B}" presName="background" presStyleLbl="node0" presStyleIdx="0" presStyleCnt="3"/>
+    <dgm:pt modelId="{695FFD1D-6337-4792-9EDD-13E0F01B9B22}" type="pres">
+      <dgm:prSet presAssocID="{80306A60-F340-4BF6-AD2D-DF397F84C270}" presName="iconRect" presStyleLbl="node1" presStyleIdx="0" presStyleCnt="3"/>
+      <dgm:spPr>
+        <a:blipFill>
+          <a:blip xmlns:r="http://schemas.openxmlformats.org/officeDocument/2006/relationships" r:embed="rId1">
+            <a:extLst>
+              <a:ext uri="{28A0092B-C50C-407E-A947-70E740481C1C}">
+                <a14:useLocalDpi xmlns:a14="http://schemas.microsoft.com/office/drawing/2010/main" val="0"/>
+              </a:ext>
+              <a:ext uri="{96DAC541-7B7A-43D3-8B79-37D633B846F1}">
+                <asvg:svgBlip xmlns:asvg="http://schemas.microsoft.com/office/drawing/2016/SVG/main" r:embed="rId2"/>
+              </a:ext>
+            </a:extLst>
+          </a:blip>
+          <a:stretch>
+            <a:fillRect/>
+          </a:stretch>
+        </a:blipFill>
+        <a:ln>
+          <a:noFill/>
+        </a:ln>
+      </dgm:spPr>
+      <dgm:extLst>
+        <a:ext uri="{E40237B7-FDA0-4F09-8148-C483321AD2D9}">
+          <dgm14:cNvPr xmlns:dgm14="http://schemas.microsoft.com/office/drawing/2010/diagram" id="0" name="" descr="Playbook"/>
+        </a:ext>
+      </dgm:extLst>
+    </dgm:pt>
+    <dgm:pt modelId="{95BA0E73-7E1C-41E0-BC76-3A88A985EEB3}" type="pres">
+      <dgm:prSet presAssocID="{80306A60-F340-4BF6-AD2D-DF397F84C270}" presName="spaceRect" presStyleCnt="0"/>
       <dgm:spPr/>
     </dgm:pt>
-    <dgm:pt modelId="{5EF043FD-C7F0-1740-8535-2580C8B9EA5C}" type="pres">
-      <dgm:prSet presAssocID="{C7CD2B5B-69F5-4753-BB73-6C1B186C583B}" presName="text" presStyleLbl="fgAcc0" presStyleIdx="0" presStyleCnt="3">
+    <dgm:pt modelId="{2488C787-C6E5-404B-A263-2F797574513B}" type="pres">
+      <dgm:prSet presAssocID="{80306A60-F340-4BF6-AD2D-DF397F84C270}" presName="parTx" presStyleLbl="revTx" presStyleIdx="0" presStyleCnt="4">
         <dgm:presLayoutVars>
-          <dgm:chPref val="3"/>
+          <dgm:chMax val="0"/>
+          <dgm:chPref val="0"/>
         </dgm:presLayoutVars>
       </dgm:prSet>
       <dgm:spPr/>
     </dgm:pt>
-    <dgm:pt modelId="{2434E160-398D-8A48-8E40-D305942C41B0}" type="pres">
-      <dgm:prSet presAssocID="{C7CD2B5B-69F5-4753-BB73-6C1B186C583B}" presName="hierChild2" presStyleCnt="0"/>
+    <dgm:pt modelId="{07AB71B2-C42C-4D4F-A39E-A43CE08D69BB}" type="pres">
+      <dgm:prSet presAssocID="{80306A60-F340-4BF6-AD2D-DF397F84C270}" presName="desTx" presStyleLbl="revTx" presStyleIdx="1" presStyleCnt="4">
+        <dgm:presLayoutVars/>
+      </dgm:prSet>
       <dgm:spPr/>
     </dgm:pt>
-    <dgm:pt modelId="{5EE4C6B4-33A9-6342-95B0-8F5033F4AD32}" type="pres">
-      <dgm:prSet presAssocID="{49717B0A-2D66-4F81-A509-E94ED0545A4C}" presName="hierRoot1" presStyleCnt="0"/>
+    <dgm:pt modelId="{1F749CF8-3BE0-4E03-9FE4-224C17A5DE15}" type="pres">
+      <dgm:prSet presAssocID="{BC118779-36DE-4760-ADDE-9E0580C9B414}" presName="sibTrans" presStyleCnt="0"/>
       <dgm:spPr/>
     </dgm:pt>
-    <dgm:pt modelId="{111A5B5A-9367-7246-AEC3-9B6D14AB0920}" type="pres">
-      <dgm:prSet presAssocID="{49717B0A-2D66-4F81-A509-E94ED0545A4C}" presName="composite" presStyleCnt="0"/>
+    <dgm:pt modelId="{B81F6F9B-FA22-4E8C-9460-56AFBECBD860}" type="pres">
+      <dgm:prSet presAssocID="{4F0208EA-DF6A-43E7-BE02-FE74F5C02ED6}" presName="compNode" presStyleCnt="0"/>
       <dgm:spPr/>
     </dgm:pt>
-    <dgm:pt modelId="{DF370334-9B88-014B-A8C3-CD540D71FA1A}" type="pres">
-      <dgm:prSet presAssocID="{49717B0A-2D66-4F81-A509-E94ED0545A4C}" presName="background" presStyleLbl="node0" presStyleIdx="1" presStyleCnt="3"/>
+    <dgm:pt modelId="{0FBAC3B7-B2FD-4494-A023-AEF2CE7C298A}" type="pres">
+      <dgm:prSet presAssocID="{4F0208EA-DF6A-43E7-BE02-FE74F5C02ED6}" presName="bgRect" presStyleLbl="bgShp" presStyleIdx="1" presStyleCnt="3"/>
       <dgm:spPr/>
     </dgm:pt>
-    <dgm:pt modelId="{ECA77649-576C-A944-9C3F-D702EBCAE0BE}" type="pres">
-      <dgm:prSet presAssocID="{49717B0A-2D66-4F81-A509-E94ED0545A4C}" presName="text" presStyleLbl="fgAcc0" presStyleIdx="1" presStyleCnt="3">
+    <dgm:pt modelId="{CBB0EAD3-D7F5-4B6E-8584-097DC1A90F68}" type="pres">
+      <dgm:prSet presAssocID="{4F0208EA-DF6A-43E7-BE02-FE74F5C02ED6}" presName="iconRect" presStyleLbl="node1" presStyleIdx="1" presStyleCnt="3"/>
+      <dgm:spPr>
+        <a:blipFill>
+          <a:blip xmlns:r="http://schemas.openxmlformats.org/officeDocument/2006/relationships" r:embed="rId3">
+            <a:extLst>
+              <a:ext uri="{28A0092B-C50C-407E-A947-70E740481C1C}">
+                <a14:useLocalDpi xmlns:a14="http://schemas.microsoft.com/office/drawing/2010/main" val="0"/>
+              </a:ext>
+              <a:ext uri="{96DAC541-7B7A-43D3-8B79-37D633B846F1}">
+                <asvg:svgBlip xmlns:asvg="http://schemas.microsoft.com/office/drawing/2016/SVG/main" r:embed="rId4"/>
+              </a:ext>
+            </a:extLst>
+          </a:blip>
+          <a:stretch>
+            <a:fillRect/>
+          </a:stretch>
+        </a:blipFill>
+        <a:ln>
+          <a:noFill/>
+        </a:ln>
+      </dgm:spPr>
+      <dgm:extLst>
+        <a:ext uri="{E40237B7-FDA0-4F09-8148-C483321AD2D9}">
+          <dgm14:cNvPr xmlns:dgm14="http://schemas.microsoft.com/office/drawing/2010/diagram" id="0" name="" descr="Clock"/>
+        </a:ext>
+      </dgm:extLst>
+    </dgm:pt>
+    <dgm:pt modelId="{3F1652C3-FB96-462C-9BC1-2D61B9F2F1B6}" type="pres">
+      <dgm:prSet presAssocID="{4F0208EA-DF6A-43E7-BE02-FE74F5C02ED6}" presName="spaceRect" presStyleCnt="0"/>
+      <dgm:spPr/>
+    </dgm:pt>
+    <dgm:pt modelId="{19A8DAF8-4ED2-4469-BF55-588FDD415970}" type="pres">
+      <dgm:prSet presAssocID="{4F0208EA-DF6A-43E7-BE02-FE74F5C02ED6}" presName="parTx" presStyleLbl="revTx" presStyleIdx="2" presStyleCnt="4">
         <dgm:presLayoutVars>
-          <dgm:chPref val="3"/>
+          <dgm:chMax val="0"/>
+          <dgm:chPref val="0"/>
         </dgm:presLayoutVars>
       </dgm:prSet>
       <dgm:spPr/>
     </dgm:pt>
-    <dgm:pt modelId="{57E10BA4-E983-584F-B428-BCFFFD3E99E5}" type="pres">
-      <dgm:prSet presAssocID="{49717B0A-2D66-4F81-A509-E94ED0545A4C}" presName="hierChild2" presStyleCnt="0"/>
+    <dgm:pt modelId="{D24DC747-E0DC-4133-A6A4-1DE3907481CA}" type="pres">
+      <dgm:prSet presAssocID="{F4D3F32F-A1EB-4025-BA85-0EA896A5D703}" presName="sibTrans" presStyleCnt="0"/>
       <dgm:spPr/>
     </dgm:pt>
-    <dgm:pt modelId="{2A479FE7-97D5-374E-9B3D-44EA7A6573AE}" type="pres">
-      <dgm:prSet presAssocID="{0EA1EB22-52BD-4460-9126-FD84182015F8}" presName="hierRoot1" presStyleCnt="0"/>
+    <dgm:pt modelId="{B776B14A-58DC-47B8-A7D0-E8898039919F}" type="pres">
+      <dgm:prSet presAssocID="{79753000-7C4B-46EA-878C-2939F873C834}" presName="compNode" presStyleCnt="0"/>
       <dgm:spPr/>
     </dgm:pt>
-    <dgm:pt modelId="{22A85ACD-C732-7340-85B3-DD2AD8C9EFC6}" type="pres">
-      <dgm:prSet presAssocID="{0EA1EB22-52BD-4460-9126-FD84182015F8}" presName="composite" presStyleCnt="0"/>
+    <dgm:pt modelId="{60DA50CC-2D22-4D19-9BB0-922F5CEC29A6}" type="pres">
+      <dgm:prSet presAssocID="{79753000-7C4B-46EA-878C-2939F873C834}" presName="bgRect" presStyleLbl="bgShp" presStyleIdx="2" presStyleCnt="3"/>
       <dgm:spPr/>
     </dgm:pt>
-    <dgm:pt modelId="{86044FCD-9389-8B4D-AF54-CEC9ADF8218D}" type="pres">
-      <dgm:prSet presAssocID="{0EA1EB22-52BD-4460-9126-FD84182015F8}" presName="background" presStyleLbl="node0" presStyleIdx="2" presStyleCnt="3"/>
+    <dgm:pt modelId="{826F05E7-9938-43CE-B6FC-47D52F563484}" type="pres">
+      <dgm:prSet presAssocID="{79753000-7C4B-46EA-878C-2939F873C834}" presName="iconRect" presStyleLbl="node1" presStyleIdx="2" presStyleCnt="3"/>
+      <dgm:spPr>
+        <a:blipFill>
+          <a:blip xmlns:r="http://schemas.openxmlformats.org/officeDocument/2006/relationships" r:embed="rId5">
+            <a:extLst>
+              <a:ext uri="{28A0092B-C50C-407E-A947-70E740481C1C}">
+                <a14:useLocalDpi xmlns:a14="http://schemas.microsoft.com/office/drawing/2010/main" val="0"/>
+              </a:ext>
+              <a:ext uri="{96DAC541-7B7A-43D3-8B79-37D633B846F1}">
+                <asvg:svgBlip xmlns:asvg="http://schemas.microsoft.com/office/drawing/2016/SVG/main" r:embed="rId6"/>
+              </a:ext>
+            </a:extLst>
+          </a:blip>
+          <a:stretch>
+            <a:fillRect/>
+          </a:stretch>
+        </a:blipFill>
+        <a:ln>
+          <a:noFill/>
+        </a:ln>
+      </dgm:spPr>
+      <dgm:extLst>
+        <a:ext uri="{E40237B7-FDA0-4F09-8148-C483321AD2D9}">
+          <dgm14:cNvPr xmlns:dgm14="http://schemas.microsoft.com/office/drawing/2010/diagram" id="0" name="" descr="Processor"/>
+        </a:ext>
+      </dgm:extLst>
+    </dgm:pt>
+    <dgm:pt modelId="{3A32EAB3-E3B2-4A81-ABBB-D7B88B40B498}" type="pres">
+      <dgm:prSet presAssocID="{79753000-7C4B-46EA-878C-2939F873C834}" presName="spaceRect" presStyleCnt="0"/>
       <dgm:spPr/>
     </dgm:pt>
-    <dgm:pt modelId="{2D1421E1-5326-B249-836A-79A80DF87323}" type="pres">
-      <dgm:prSet presAssocID="{0EA1EB22-52BD-4460-9126-FD84182015F8}" presName="text" presStyleLbl="fgAcc0" presStyleIdx="2" presStyleCnt="3">
+    <dgm:pt modelId="{E1F93C96-87E6-48BF-81C2-0C1739D6F3D7}" type="pres">
+      <dgm:prSet presAssocID="{79753000-7C4B-46EA-878C-2939F873C834}" presName="parTx" presStyleLbl="revTx" presStyleIdx="3" presStyleCnt="4">
         <dgm:presLayoutVars>
-          <dgm:chPref val="3"/>
+          <dgm:chMax val="0"/>
+          <dgm:chPref val="0"/>
         </dgm:presLayoutVars>
       </dgm:prSet>
       <dgm:spPr/>
     </dgm:pt>
-    <dgm:pt modelId="{19EE02C2-E0CD-EE49-8E34-4F27D5008219}" type="pres">
-      <dgm:prSet presAssocID="{0EA1EB22-52BD-4460-9126-FD84182015F8}" presName="hierChild2" presStyleCnt="0"/>
-      <dgm:spPr/>
-    </dgm:pt>
   </dgm:ptLst>
   <dgm:cxnLst>
-    <dgm:cxn modelId="{B2D8771D-A035-AA43-8E50-74AE7BD90A0B}" type="presOf" srcId="{49717B0A-2D66-4F81-A509-E94ED0545A4C}" destId="{ECA77649-576C-A944-9C3F-D702EBCAE0BE}" srcOrd="0" destOrd="0" presId="urn:microsoft.com/office/officeart/2005/8/layout/hierarchy1"/>
-    <dgm:cxn modelId="{02FE1F21-5A5B-4C3C-AAAA-0EEBEAC16A8F}" srcId="{34BAAC0D-E488-40FD-838D-A1329D6845D9}" destId="{0EA1EB22-52BD-4460-9126-FD84182015F8}" srcOrd="2" destOrd="0" parTransId="{731E75EC-BDC2-44AD-A136-0F1F36761630}" sibTransId="{02F2E1A6-0314-4D26-B6CB-2326ECC62F1B}"/>
-    <dgm:cxn modelId="{52AB1A6C-1531-0842-B3C0-7F6BAB6857C9}" type="presOf" srcId="{0EA1EB22-52BD-4460-9126-FD84182015F8}" destId="{2D1421E1-5326-B249-836A-79A80DF87323}" srcOrd="0" destOrd="0" presId="urn:microsoft.com/office/officeart/2005/8/layout/hierarchy1"/>
-    <dgm:cxn modelId="{B9B914BB-79C9-4711-96E0-554D1349A826}" srcId="{34BAAC0D-E488-40FD-838D-A1329D6845D9}" destId="{49717B0A-2D66-4F81-A509-E94ED0545A4C}" srcOrd="1" destOrd="0" parTransId="{B8D98BF7-6638-4B23-A70C-CC98147ED470}" sibTransId="{3519BE2F-6453-443D-8390-E2B360F99087}"/>
-    <dgm:cxn modelId="{A5EF14D1-07BA-F341-9F05-E95E1F712B13}" type="presOf" srcId="{34BAAC0D-E488-40FD-838D-A1329D6845D9}" destId="{2D0E0D2C-2EF9-014B-A102-931AEC2BC14F}" srcOrd="0" destOrd="0" presId="urn:microsoft.com/office/officeart/2005/8/layout/hierarchy1"/>
-    <dgm:cxn modelId="{3659FDD7-A1D6-48A0-A5AF-FCDAE2D6154D}" srcId="{34BAAC0D-E488-40FD-838D-A1329D6845D9}" destId="{C7CD2B5B-69F5-4753-BB73-6C1B186C583B}" srcOrd="0" destOrd="0" parTransId="{C9513554-4E50-4747-ACB1-E68D75129844}" sibTransId="{4B2FEE92-3E37-49AA-A5DF-E105AD415540}"/>
-    <dgm:cxn modelId="{36BB0FFB-F4A2-BF44-875C-02F8878572C5}" type="presOf" srcId="{C7CD2B5B-69F5-4753-BB73-6C1B186C583B}" destId="{5EF043FD-C7F0-1740-8535-2580C8B9EA5C}" srcOrd="0" destOrd="0" presId="urn:microsoft.com/office/officeart/2005/8/layout/hierarchy1"/>
-    <dgm:cxn modelId="{15DA0459-8CDB-1646-8F56-E84F2E7CE3BD}" type="presParOf" srcId="{2D0E0D2C-2EF9-014B-A102-931AEC2BC14F}" destId="{93ABA6F4-3C4C-254B-89E5-B627D6EF663B}" srcOrd="0" destOrd="0" presId="urn:microsoft.com/office/officeart/2005/8/layout/hierarchy1"/>
-    <dgm:cxn modelId="{D9958B87-C236-D04E-94FD-50B2E68E7EA9}" type="presParOf" srcId="{93ABA6F4-3C4C-254B-89E5-B627D6EF663B}" destId="{B6E358AC-DD45-6648-A532-DFD00943B214}" srcOrd="0" destOrd="0" presId="urn:microsoft.com/office/officeart/2005/8/layout/hierarchy1"/>
-    <dgm:cxn modelId="{21C381D4-9338-5E49-9298-0F93AC5BE053}" type="presParOf" srcId="{B6E358AC-DD45-6648-A532-DFD00943B214}" destId="{360604EB-0C53-624A-80E9-053130773AE5}" srcOrd="0" destOrd="0" presId="urn:microsoft.com/office/officeart/2005/8/layout/hierarchy1"/>
-    <dgm:cxn modelId="{F6E84F23-C921-3348-AB4A-622118AC45B1}" type="presParOf" srcId="{B6E358AC-DD45-6648-A532-DFD00943B214}" destId="{5EF043FD-C7F0-1740-8535-2580C8B9EA5C}" srcOrd="1" destOrd="0" presId="urn:microsoft.com/office/officeart/2005/8/layout/hierarchy1"/>
-    <dgm:cxn modelId="{57697109-7953-1E49-9734-A9EC6CF81D8C}" type="presParOf" srcId="{93ABA6F4-3C4C-254B-89E5-B627D6EF663B}" destId="{2434E160-398D-8A48-8E40-D305942C41B0}" srcOrd="1" destOrd="0" presId="urn:microsoft.com/office/officeart/2005/8/layout/hierarchy1"/>
-    <dgm:cxn modelId="{0CB59E93-B123-2C4C-885D-27422F1CD57A}" type="presParOf" srcId="{2D0E0D2C-2EF9-014B-A102-931AEC2BC14F}" destId="{5EE4C6B4-33A9-6342-95B0-8F5033F4AD32}" srcOrd="1" destOrd="0" presId="urn:microsoft.com/office/officeart/2005/8/layout/hierarchy1"/>
-    <dgm:cxn modelId="{EA56E2CE-8582-E84F-B219-4212FD0F48A9}" type="presParOf" srcId="{5EE4C6B4-33A9-6342-95B0-8F5033F4AD32}" destId="{111A5B5A-9367-7246-AEC3-9B6D14AB0920}" srcOrd="0" destOrd="0" presId="urn:microsoft.com/office/officeart/2005/8/layout/hierarchy1"/>
-    <dgm:cxn modelId="{A9918430-7014-F542-B52C-65C7BD1B3EEF}" type="presParOf" srcId="{111A5B5A-9367-7246-AEC3-9B6D14AB0920}" destId="{DF370334-9B88-014B-A8C3-CD540D71FA1A}" srcOrd="0" destOrd="0" presId="urn:microsoft.com/office/officeart/2005/8/layout/hierarchy1"/>
-    <dgm:cxn modelId="{E22D5708-3FB7-3146-AB0A-6AF09AAA3374}" type="presParOf" srcId="{111A5B5A-9367-7246-AEC3-9B6D14AB0920}" destId="{ECA77649-576C-A944-9C3F-D702EBCAE0BE}" srcOrd="1" destOrd="0" presId="urn:microsoft.com/office/officeart/2005/8/layout/hierarchy1"/>
-    <dgm:cxn modelId="{3856547C-173F-404B-B86B-9E0DA832C174}" type="presParOf" srcId="{5EE4C6B4-33A9-6342-95B0-8F5033F4AD32}" destId="{57E10BA4-E983-584F-B428-BCFFFD3E99E5}" srcOrd="1" destOrd="0" presId="urn:microsoft.com/office/officeart/2005/8/layout/hierarchy1"/>
-    <dgm:cxn modelId="{7279666F-DE28-DC4C-AE8A-DE3F4A000E4E}" type="presParOf" srcId="{2D0E0D2C-2EF9-014B-A102-931AEC2BC14F}" destId="{2A479FE7-97D5-374E-9B3D-44EA7A6573AE}" srcOrd="2" destOrd="0" presId="urn:microsoft.com/office/officeart/2005/8/layout/hierarchy1"/>
-    <dgm:cxn modelId="{AD8A1428-5ECA-C442-89F1-23DEF4A1F3B2}" type="presParOf" srcId="{2A479FE7-97D5-374E-9B3D-44EA7A6573AE}" destId="{22A85ACD-C732-7340-85B3-DD2AD8C9EFC6}" srcOrd="0" destOrd="0" presId="urn:microsoft.com/office/officeart/2005/8/layout/hierarchy1"/>
-    <dgm:cxn modelId="{1CBECA65-2C97-624B-B386-1DA2CF0D51A0}" type="presParOf" srcId="{22A85ACD-C732-7340-85B3-DD2AD8C9EFC6}" destId="{86044FCD-9389-8B4D-AF54-CEC9ADF8218D}" srcOrd="0" destOrd="0" presId="urn:microsoft.com/office/officeart/2005/8/layout/hierarchy1"/>
-    <dgm:cxn modelId="{1EFD298C-E371-C348-9413-93E2FF7CB767}" type="presParOf" srcId="{22A85ACD-C732-7340-85B3-DD2AD8C9EFC6}" destId="{2D1421E1-5326-B249-836A-79A80DF87323}" srcOrd="1" destOrd="0" presId="urn:microsoft.com/office/officeart/2005/8/layout/hierarchy1"/>
-    <dgm:cxn modelId="{B867F696-A02B-5A45-8DC4-3217724B1332}" type="presParOf" srcId="{2A479FE7-97D5-374E-9B3D-44EA7A6573AE}" destId="{19EE02C2-E0CD-EE49-8E34-4F27D5008219}" srcOrd="1" destOrd="0" presId="urn:microsoft.com/office/officeart/2005/8/layout/hierarchy1"/>
+    <dgm:cxn modelId="{5A0EB130-23BB-40EC-8736-2E70FBEB9C59}" type="presOf" srcId="{22BBDD50-CC47-447D-9AB0-90CC1C305B7B}" destId="{07AB71B2-C42C-4D4F-A39E-A43CE08D69BB}" srcOrd="0" destOrd="0" presId="urn:microsoft.com/office/officeart/2018/2/layout/IconVerticalSolidList"/>
+    <dgm:cxn modelId="{E8F1DD59-A53E-4E1D-998A-25FC6B7A2950}" srcId="{6E3C471B-1F9A-46AE-9555-D66053515B6B}" destId="{80306A60-F340-4BF6-AD2D-DF397F84C270}" srcOrd="0" destOrd="0" parTransId="{0C3B4C13-BE3C-4B7B-A69A-0F3AA35E414C}" sibTransId="{BC118779-36DE-4760-ADDE-9E0580C9B414}"/>
+    <dgm:cxn modelId="{1EAC815A-5D02-46C7-A1B0-C1E56A838C03}" type="presOf" srcId="{6E3C471B-1F9A-46AE-9555-D66053515B6B}" destId="{3E58FBAB-2DB0-4B85-9491-427A5804F006}" srcOrd="0" destOrd="0" presId="urn:microsoft.com/office/officeart/2018/2/layout/IconVerticalSolidList"/>
+    <dgm:cxn modelId="{4DD75A64-714E-4701-8B6E-1C62AD32FCF6}" type="presOf" srcId="{80306A60-F340-4BF6-AD2D-DF397F84C270}" destId="{2488C787-C6E5-404B-A263-2F797574513B}" srcOrd="0" destOrd="0" presId="urn:microsoft.com/office/officeart/2018/2/layout/IconVerticalSolidList"/>
+    <dgm:cxn modelId="{DEEED284-5945-4EB8-AA1F-7D9274BDE0E8}" srcId="{6E3C471B-1F9A-46AE-9555-D66053515B6B}" destId="{79753000-7C4B-46EA-878C-2939F873C834}" srcOrd="2" destOrd="0" parTransId="{35152DE7-F981-4CFC-A543-5B86C7513FD3}" sibTransId="{9686CA25-A86C-4307-B98C-82C685E222F8}"/>
+    <dgm:cxn modelId="{1F15EE84-6618-483B-9798-C2B672A5FEF7}" srcId="{80306A60-F340-4BF6-AD2D-DF397F84C270}" destId="{22BBDD50-CC47-447D-9AB0-90CC1C305B7B}" srcOrd="0" destOrd="0" parTransId="{05A196FB-9FE0-42E7-AADE-C13796328702}" sibTransId="{DDB8B28E-1575-4CBC-B19F-A5808585192C}"/>
+    <dgm:cxn modelId="{9844868C-F084-43E5-9EE5-3088D98A0D03}" type="presOf" srcId="{2CA79164-7B4E-4EBF-B1FA-09C84084D474}" destId="{07AB71B2-C42C-4D4F-A39E-A43CE08D69BB}" srcOrd="0" destOrd="1" presId="urn:microsoft.com/office/officeart/2018/2/layout/IconVerticalSolidList"/>
+    <dgm:cxn modelId="{81319ECC-B3B5-4EC0-84C8-4F90A8ABB800}" type="presOf" srcId="{79753000-7C4B-46EA-878C-2939F873C834}" destId="{E1F93C96-87E6-48BF-81C2-0C1739D6F3D7}" srcOrd="0" destOrd="0" presId="urn:microsoft.com/office/officeart/2018/2/layout/IconVerticalSolidList"/>
+    <dgm:cxn modelId="{C60A86D5-7C4C-4BE7-8F75-919CAE14DAD7}" srcId="{80306A60-F340-4BF6-AD2D-DF397F84C270}" destId="{2CA79164-7B4E-4EBF-B1FA-09C84084D474}" srcOrd="1" destOrd="0" parTransId="{E1108E52-52DA-4DE5-BE30-E8D604FA8557}" sibTransId="{E8FA2D8C-1BC5-4BA0-A10F-D353E0202B2D}"/>
+    <dgm:cxn modelId="{FF7588E0-226B-4F8F-8F64-99BC5C67A667}" srcId="{6E3C471B-1F9A-46AE-9555-D66053515B6B}" destId="{4F0208EA-DF6A-43E7-BE02-FE74F5C02ED6}" srcOrd="1" destOrd="0" parTransId="{3F941A39-291B-4716-A3DC-C91D06EECD3D}" sibTransId="{F4D3F32F-A1EB-4025-BA85-0EA896A5D703}"/>
+    <dgm:cxn modelId="{4409C5FB-1625-43B8-8846-1C9FC0DB07B9}" type="presOf" srcId="{4F0208EA-DF6A-43E7-BE02-FE74F5C02ED6}" destId="{19A8DAF8-4ED2-4469-BF55-588FDD415970}" srcOrd="0" destOrd="0" presId="urn:microsoft.com/office/officeart/2018/2/layout/IconVerticalSolidList"/>
+    <dgm:cxn modelId="{3F8F7547-C70F-4A99-912B-445E74E0DA88}" type="presParOf" srcId="{3E58FBAB-2DB0-4B85-9491-427A5804F006}" destId="{23B7289A-E6A3-4E66-A2A9-85047AFCBD8F}" srcOrd="0" destOrd="0" presId="urn:microsoft.com/office/officeart/2018/2/layout/IconVerticalSolidList"/>
+    <dgm:cxn modelId="{EF8EF8A2-A72F-4EB6-B3D5-7D5551B8FE77}" type="presParOf" srcId="{23B7289A-E6A3-4E66-A2A9-85047AFCBD8F}" destId="{C36B47E9-B3C9-417B-9E9F-94B270092559}" srcOrd="0" destOrd="0" presId="urn:microsoft.com/office/officeart/2018/2/layout/IconVerticalSolidList"/>
+    <dgm:cxn modelId="{21207D86-7233-4F11-B5F5-8F951C37D9CD}" type="presParOf" srcId="{23B7289A-E6A3-4E66-A2A9-85047AFCBD8F}" destId="{695FFD1D-6337-4792-9EDD-13E0F01B9B22}" srcOrd="1" destOrd="0" presId="urn:microsoft.com/office/officeart/2018/2/layout/IconVerticalSolidList"/>
+    <dgm:cxn modelId="{C7684859-2D92-4F67-A607-DE5BF16D8908}" type="presParOf" srcId="{23B7289A-E6A3-4E66-A2A9-85047AFCBD8F}" destId="{95BA0E73-7E1C-41E0-BC76-3A88A985EEB3}" srcOrd="2" destOrd="0" presId="urn:microsoft.com/office/officeart/2018/2/layout/IconVerticalSolidList"/>
+    <dgm:cxn modelId="{1522D47C-EF74-47A7-A217-A9BB5CBB183F}" type="presParOf" srcId="{23B7289A-E6A3-4E66-A2A9-85047AFCBD8F}" destId="{2488C787-C6E5-404B-A263-2F797574513B}" srcOrd="3" destOrd="0" presId="urn:microsoft.com/office/officeart/2018/2/layout/IconVerticalSolidList"/>
+    <dgm:cxn modelId="{BE027FE7-9EAF-4BA7-BA83-1FFB280F3249}" type="presParOf" srcId="{23B7289A-E6A3-4E66-A2A9-85047AFCBD8F}" destId="{07AB71B2-C42C-4D4F-A39E-A43CE08D69BB}" srcOrd="4" destOrd="0" presId="urn:microsoft.com/office/officeart/2018/2/layout/IconVerticalSolidList"/>
+    <dgm:cxn modelId="{6ADDAF6C-5AA0-423D-827B-835F02462D4B}" type="presParOf" srcId="{3E58FBAB-2DB0-4B85-9491-427A5804F006}" destId="{1F749CF8-3BE0-4E03-9FE4-224C17A5DE15}" srcOrd="1" destOrd="0" presId="urn:microsoft.com/office/officeart/2018/2/layout/IconVerticalSolidList"/>
+    <dgm:cxn modelId="{EFF35E81-F4E8-4EBB-B103-0204F5045872}" type="presParOf" srcId="{3E58FBAB-2DB0-4B85-9491-427A5804F006}" destId="{B81F6F9B-FA22-4E8C-9460-56AFBECBD860}" srcOrd="2" destOrd="0" presId="urn:microsoft.com/office/officeart/2018/2/layout/IconVerticalSolidList"/>
+    <dgm:cxn modelId="{A32CCDDD-C1FA-4BCD-9D1A-8339CFE1CF4E}" type="presParOf" srcId="{B81F6F9B-FA22-4E8C-9460-56AFBECBD860}" destId="{0FBAC3B7-B2FD-4494-A023-AEF2CE7C298A}" srcOrd="0" destOrd="0" presId="urn:microsoft.com/office/officeart/2018/2/layout/IconVerticalSolidList"/>
+    <dgm:cxn modelId="{48040EBE-3E2E-45B5-985E-3B1E5602F177}" type="presParOf" srcId="{B81F6F9B-FA22-4E8C-9460-56AFBECBD860}" destId="{CBB0EAD3-D7F5-4B6E-8584-097DC1A90F68}" srcOrd="1" destOrd="0" presId="urn:microsoft.com/office/officeart/2018/2/layout/IconVerticalSolidList"/>
+    <dgm:cxn modelId="{84B69BAF-8F17-4239-9555-C4BDF9AED6FB}" type="presParOf" srcId="{B81F6F9B-FA22-4E8C-9460-56AFBECBD860}" destId="{3F1652C3-FB96-462C-9BC1-2D61B9F2F1B6}" srcOrd="2" destOrd="0" presId="urn:microsoft.com/office/officeart/2018/2/layout/IconVerticalSolidList"/>
+    <dgm:cxn modelId="{57AD304C-ADDC-4D6B-9BC4-1992FA9103CC}" type="presParOf" srcId="{B81F6F9B-FA22-4E8C-9460-56AFBECBD860}" destId="{19A8DAF8-4ED2-4469-BF55-588FDD415970}" srcOrd="3" destOrd="0" presId="urn:microsoft.com/office/officeart/2018/2/layout/IconVerticalSolidList"/>
+    <dgm:cxn modelId="{A00B7DD5-02C3-4B65-9C65-5BD6EFD4D7F5}" type="presParOf" srcId="{3E58FBAB-2DB0-4B85-9491-427A5804F006}" destId="{D24DC747-E0DC-4133-A6A4-1DE3907481CA}" srcOrd="3" destOrd="0" presId="urn:microsoft.com/office/officeart/2018/2/layout/IconVerticalSolidList"/>
+    <dgm:cxn modelId="{CF37622A-8857-41B8-B566-CF354288BF44}" type="presParOf" srcId="{3E58FBAB-2DB0-4B85-9491-427A5804F006}" destId="{B776B14A-58DC-47B8-A7D0-E8898039919F}" srcOrd="4" destOrd="0" presId="urn:microsoft.com/office/officeart/2018/2/layout/IconVerticalSolidList"/>
+    <dgm:cxn modelId="{DC06E046-8685-4032-A7B3-0A442F837027}" type="presParOf" srcId="{B776B14A-58DC-47B8-A7D0-E8898039919F}" destId="{60DA50CC-2D22-4D19-9BB0-922F5CEC29A6}" srcOrd="0" destOrd="0" presId="urn:microsoft.com/office/officeart/2018/2/layout/IconVerticalSolidList"/>
+    <dgm:cxn modelId="{263F1B3A-AF7D-4DE8-8021-93805233BF27}" type="presParOf" srcId="{B776B14A-58DC-47B8-A7D0-E8898039919F}" destId="{826F05E7-9938-43CE-B6FC-47D52F563484}" srcOrd="1" destOrd="0" presId="urn:microsoft.com/office/officeart/2018/2/layout/IconVerticalSolidList"/>
+    <dgm:cxn modelId="{AA6DBE25-F4BF-4D7A-A73F-24C148606D4B}" type="presParOf" srcId="{B776B14A-58DC-47B8-A7D0-E8898039919F}" destId="{3A32EAB3-E3B2-4A81-ABBB-D7B88B40B498}" srcOrd="2" destOrd="0" presId="urn:microsoft.com/office/officeart/2018/2/layout/IconVerticalSolidList"/>
+    <dgm:cxn modelId="{07FEAFAB-9AFF-4485-82F5-BA4F5CABDD10}" type="presParOf" srcId="{B776B14A-58DC-47B8-A7D0-E8898039919F}" destId="{E1F93C96-87E6-48BF-81C2-0C1739D6F3D7}" srcOrd="3" destOrd="0" presId="urn:microsoft.com/office/officeart/2018/2/layout/IconVerticalSolidList"/>
   </dgm:cxnLst>
   <dgm:bg/>
   <dgm:whole/>
   <dgm:extLst>
     <a:ext uri="http://schemas.microsoft.com/office/drawing/2008/diagram">
-      <dsp:dataModelExt xmlns:dsp="http://schemas.microsoft.com/office/drawing/2008/diagram" relId="rId6" minVer="http://schemas.openxmlformats.org/drawingml/2006/diagram"/>
+      <dsp:dataModelExt xmlns:dsp="http://schemas.microsoft.com/office/drawing/2008/diagram" relId="rId7" minVer="http://schemas.openxmlformats.org/drawingml/2006/diagram"/>
     </a:ext>
   </dgm:extLst>
 </dgm:dataModel>
@@ -5032,10 +5195,10 @@
         <a:lstStyle/>
         <a:p>
           <a:r>
-            <a:rPr lang="en-US" b="0" i="0"/>
-            <a:t>Filtering and Pooling Layers in CNN</a:t>
+            <a:rPr lang="en-US" b="0" i="0" dirty="0"/>
+            <a:t>Filtering, Pooling Layers in CNN</a:t>
           </a:r>
-          <a:endParaRPr lang="en-US"/>
+          <a:endParaRPr lang="en-US" dirty="0"/>
         </a:p>
       </dgm:t>
     </dgm:pt>
@@ -5070,7 +5233,7 @@
         <a:p>
           <a:r>
             <a:rPr lang="en-US" b="0" i="0" dirty="0"/>
-            <a:t>Pruning / Deep Compression</a:t>
+            <a:t>Pruning / Mixture of Experts</a:t>
           </a:r>
           <a:endParaRPr lang="en-US" dirty="0"/>
         </a:p>
@@ -5106,10 +5269,10 @@
         <a:lstStyle/>
         <a:p>
           <a:r>
-            <a:rPr lang="en-US" b="0" i="0"/>
-            <a:t>StochasticNet</a:t>
+            <a:rPr lang="en-US" b="0" i="0" dirty="0"/>
+            <a:t>StochasticNet / SparseCNN</a:t>
           </a:r>
-          <a:endParaRPr lang="en-US"/>
+          <a:endParaRPr lang="en-US" dirty="0"/>
         </a:p>
       </dgm:t>
     </dgm:pt>
@@ -5144,7 +5307,7 @@
         <a:p>
           <a:r>
             <a:rPr lang="en-US" dirty="0"/>
-            <a:t>Numerous Studies on Brain Structure </a:t>
+            <a:t>L0, L1, L2 Regularization</a:t>
           </a:r>
         </a:p>
       </dgm:t>
@@ -5401,7 +5564,7 @@
       <dgm:spPr/>
     </dgm:pt>
     <dgm:pt modelId="{E112C692-537A-4F25-BF3C-A3C2CFD6679A}" type="pres">
-      <dgm:prSet presAssocID="{DEBF5677-D744-475D-B5E9-3C59B283AF81}" presName="iconRect" presStyleLbl="node1" presStyleIdx="4" presStyleCnt="5"/>
+      <dgm:prSet presAssocID="{DEBF5677-D744-475D-B5E9-3C59B283AF81}" presName="iconRect" presStyleLbl="node1" presStyleIdx="4" presStyleCnt="5" custScaleX="146836" custScaleY="144860"/>
       <dgm:spPr>
         <a:blipFill>
           <a:blip xmlns:r="http://schemas.openxmlformats.org/officeDocument/2006/relationships" r:embed="rId9">
@@ -5424,7 +5587,7 @@
       </dgm:spPr>
       <dgm:extLst>
         <a:ext uri="{E40237B7-FDA0-4F09-8148-C483321AD2D9}">
-          <dgm14:cNvPr xmlns:dgm14="http://schemas.microsoft.com/office/drawing/2010/diagram" id="0" name="" descr="Question mark"/>
+          <dgm14:cNvPr xmlns:dgm14="http://schemas.microsoft.com/office/drawing/2010/diagram" id="0" name="" descr="Braille"/>
         </a:ext>
       </dgm:extLst>
     </dgm:pt>
@@ -6218,7 +6381,15 @@
         <a:p>
           <a:r>
             <a:rPr lang="en-US" b="0" i="0" dirty="0"/>
-            <a:t>2D Map to Gate the MoEs &amp; Promote Regional Specialization</a:t>
+            <a:t>Gate the MoEs &amp; Promote Regional Specialization with </a:t>
+          </a:r>
+          <a:r>
+            <a:rPr lang="en-US" b="0" i="0" dirty="0" err="1"/>
+            <a:t>spacial</a:t>
+          </a:r>
+          <a:r>
+            <a:rPr lang="en-US" b="0" i="0" dirty="0"/>
+            <a:t> regularization</a:t>
           </a:r>
           <a:endParaRPr lang="en-US" dirty="0"/>
         </a:p>
@@ -6590,15 +6761,15 @@
       <dsp:cNvGrpSpPr/>
     </dsp:nvGrpSpPr>
     <dsp:grpSpPr/>
-    <dsp:sp modelId="{360604EB-0C53-624A-80E9-053130773AE5}">
+    <dsp:sp modelId="{C36B47E9-B3C9-417B-9E9F-94B270092559}">
       <dsp:nvSpPr>
         <dsp:cNvPr id="0" name=""/>
         <dsp:cNvSpPr/>
       </dsp:nvSpPr>
       <dsp:spPr>
         <a:xfrm>
-          <a:off x="0" y="540837"/>
-          <a:ext cx="2707138" cy="1719033"/>
+          <a:off x="0" y="640"/>
+          <a:ext cx="6391275" cy="1498687"/>
         </a:xfrm>
         <a:prstGeom prst="roundRect">
           <a:avLst>
@@ -6606,22 +6777,61 @@
           </a:avLst>
         </a:prstGeom>
         <a:solidFill>
-          <a:schemeClr val="accent1">
+          <a:schemeClr val="accent2">
             <a:hueOff val="0"/>
             <a:satOff val="0"/>
             <a:lumOff val="0"/>
             <a:alphaOff val="0"/>
           </a:schemeClr>
         </a:solidFill>
+        <a:ln>
+          <a:noFill/>
+        </a:ln>
+        <a:effectLst/>
+      </dsp:spPr>
+      <dsp:style>
+        <a:lnRef idx="0">
+          <a:scrgbClr r="0" g="0" b="0"/>
+        </a:lnRef>
+        <a:fillRef idx="1">
+          <a:scrgbClr r="0" g="0" b="0"/>
+        </a:fillRef>
+        <a:effectRef idx="0">
+          <a:scrgbClr r="0" g="0" b="0"/>
+        </a:effectRef>
+        <a:fontRef idx="minor"/>
+      </dsp:style>
+    </dsp:sp>
+    <dsp:sp modelId="{695FFD1D-6337-4792-9EDD-13E0F01B9B22}">
+      <dsp:nvSpPr>
+        <dsp:cNvPr id="0" name=""/>
+        <dsp:cNvSpPr/>
+      </dsp:nvSpPr>
+      <dsp:spPr>
+        <a:xfrm>
+          <a:off x="453352" y="337845"/>
+          <a:ext cx="824278" cy="824278"/>
+        </a:xfrm>
+        <a:prstGeom prst="rect">
+          <a:avLst/>
+        </a:prstGeom>
+        <a:blipFill>
+          <a:blip xmlns:r="http://schemas.openxmlformats.org/officeDocument/2006/relationships" r:embed="rId1">
+            <a:extLst>
+              <a:ext uri="{28A0092B-C50C-407E-A947-70E740481C1C}">
+                <a14:useLocalDpi xmlns:a14="http://schemas.microsoft.com/office/drawing/2010/main" val="0"/>
+              </a:ext>
+              <a:ext uri="{96DAC541-7B7A-43D3-8B79-37D633B846F1}">
+                <asvg:svgBlip xmlns:asvg="http://schemas.microsoft.com/office/drawing/2016/SVG/main" r:embed="rId2"/>
+              </a:ext>
+            </a:extLst>
+          </a:blip>
+          <a:stretch>
+            <a:fillRect/>
+          </a:stretch>
+        </a:blipFill>
         <a:ln w="19050" cap="rnd" cmpd="sng" algn="ctr">
-          <a:solidFill>
-            <a:schemeClr val="lt1">
-              <a:hueOff val="0"/>
-              <a:satOff val="0"/>
-              <a:lumOff val="0"/>
-              <a:alphaOff val="0"/>
-            </a:schemeClr>
-          </a:solidFill>
+          <a:noFill/>
           <a:prstDash val="solid"/>
         </a:ln>
         <a:effectLst/>
@@ -6641,48 +6851,30 @@
         </a:fontRef>
       </dsp:style>
     </dsp:sp>
-    <dsp:sp modelId="{5EF043FD-C7F0-1740-8535-2580C8B9EA5C}">
+    <dsp:sp modelId="{2488C787-C6E5-404B-A263-2F797574513B}">
       <dsp:nvSpPr>
         <dsp:cNvPr id="0" name=""/>
         <dsp:cNvSpPr/>
       </dsp:nvSpPr>
       <dsp:spPr>
         <a:xfrm>
-          <a:off x="300793" y="826590"/>
-          <a:ext cx="2707138" cy="1719033"/>
+          <a:off x="1730984" y="640"/>
+          <a:ext cx="2876073" cy="1498687"/>
         </a:xfrm>
-        <a:prstGeom prst="roundRect">
-          <a:avLst>
-            <a:gd name="adj" fmla="val 10000"/>
-          </a:avLst>
+        <a:prstGeom prst="rect">
+          <a:avLst/>
         </a:prstGeom>
-        <a:solidFill>
-          <a:schemeClr val="lt1">
-            <a:alpha val="90000"/>
-            <a:hueOff val="0"/>
-            <a:satOff val="0"/>
-            <a:lumOff val="0"/>
-            <a:alphaOff val="0"/>
-          </a:schemeClr>
-        </a:solidFill>
-        <a:ln w="19050" cap="rnd" cmpd="sng" algn="ctr">
-          <a:solidFill>
-            <a:schemeClr val="accent1">
-              <a:hueOff val="0"/>
-              <a:satOff val="0"/>
-              <a:lumOff val="0"/>
-              <a:alphaOff val="0"/>
-            </a:schemeClr>
-          </a:solidFill>
-          <a:prstDash val="solid"/>
+        <a:noFill/>
+        <a:ln>
+          <a:noFill/>
         </a:ln>
         <a:effectLst/>
       </dsp:spPr>
       <dsp:style>
-        <a:lnRef idx="2">
+        <a:lnRef idx="0">
           <a:scrgbClr r="0" g="0" b="0"/>
         </a:lnRef>
-        <a:fillRef idx="1">
+        <a:fillRef idx="0">
           <a:scrgbClr r="0" g="0" b="0"/>
         </a:fillRef>
         <a:effectRef idx="0">
@@ -6691,12 +6883,12 @@
         <a:fontRef idx="minor"/>
       </dsp:style>
       <dsp:txBody>
-        <a:bodyPr spcFirstLastPara="0" vert="horz" wrap="square" lIns="83820" tIns="83820" rIns="83820" bIns="83820" numCol="1" spcCol="1270" anchor="ctr" anchorCtr="0">
+        <a:bodyPr spcFirstLastPara="0" vert="horz" wrap="square" lIns="158611" tIns="158611" rIns="158611" bIns="158611" numCol="1" spcCol="1270" anchor="ctr" anchorCtr="0">
           <a:noAutofit/>
         </a:bodyPr>
         <a:lstStyle/>
         <a:p>
-          <a:pPr marL="0" lvl="0" indent="0" algn="ctr" defTabSz="977900">
+          <a:pPr marL="0" lvl="0" indent="0" algn="l" defTabSz="977900">
             <a:lnSpc>
               <a:spcPct val="90000"/>
             </a:lnSpc>
@@ -6709,26 +6901,103 @@
             <a:buNone/>
           </a:pPr>
           <a:r>
-            <a:rPr lang="en-US" sz="2200" b="0" i="0" kern="1200" dirty="0"/>
-            <a:t>Increasing Layers and Data &gt;&gt; Prediction Accuracy</a:t>
+            <a:rPr lang="en-US" sz="2200" kern="1200"/>
+            <a:t>Deep Neural Networks are Over Parameterized</a:t>
           </a:r>
-          <a:endParaRPr lang="en-US" sz="2200" kern="1200" dirty="0"/>
         </a:p>
       </dsp:txBody>
       <dsp:txXfrm>
-        <a:off x="351142" y="876939"/>
-        <a:ext cx="2606440" cy="1618335"/>
+        <a:off x="1730984" y="640"/>
+        <a:ext cx="2876073" cy="1498687"/>
       </dsp:txXfrm>
     </dsp:sp>
-    <dsp:sp modelId="{DF370334-9B88-014B-A8C3-CD540D71FA1A}">
+    <dsp:sp modelId="{07AB71B2-C42C-4D4F-A39E-A43CE08D69BB}">
       <dsp:nvSpPr>
         <dsp:cNvPr id="0" name=""/>
         <dsp:cNvSpPr/>
       </dsp:nvSpPr>
       <dsp:spPr>
         <a:xfrm>
-          <a:off x="3308725" y="540837"/>
-          <a:ext cx="2707138" cy="1719033"/>
+          <a:off x="4607057" y="640"/>
+          <a:ext cx="1784217" cy="1498687"/>
+        </a:xfrm>
+        <a:prstGeom prst="rect">
+          <a:avLst/>
+        </a:prstGeom>
+        <a:noFill/>
+        <a:ln>
+          <a:noFill/>
+        </a:ln>
+        <a:effectLst/>
+      </dsp:spPr>
+      <dsp:style>
+        <a:lnRef idx="0">
+          <a:scrgbClr r="0" g="0" b="0"/>
+        </a:lnRef>
+        <a:fillRef idx="0">
+          <a:scrgbClr r="0" g="0" b="0"/>
+        </a:fillRef>
+        <a:effectRef idx="0">
+          <a:scrgbClr r="0" g="0" b="0"/>
+        </a:effectRef>
+        <a:fontRef idx="minor"/>
+      </dsp:style>
+      <dsp:txBody>
+        <a:bodyPr spcFirstLastPara="0" vert="horz" wrap="square" lIns="158611" tIns="158611" rIns="158611" bIns="158611" numCol="1" spcCol="1270" anchor="ctr" anchorCtr="0">
+          <a:noAutofit/>
+        </a:bodyPr>
+        <a:lstStyle/>
+        <a:p>
+          <a:pPr marL="0" lvl="0" indent="0" algn="l" defTabSz="488950">
+            <a:lnSpc>
+              <a:spcPct val="90000"/>
+            </a:lnSpc>
+            <a:spcBef>
+              <a:spcPct val="0"/>
+            </a:spcBef>
+            <a:spcAft>
+              <a:spcPct val="35000"/>
+            </a:spcAft>
+            <a:buNone/>
+          </a:pPr>
+          <a:r>
+            <a:rPr lang="en-US" sz="1100" kern="1200"/>
+            <a:t>They can be pruned significantly without any loss of accuracy</a:t>
+          </a:r>
+        </a:p>
+        <a:p>
+          <a:pPr marL="0" lvl="0" indent="0" algn="l" defTabSz="488950">
+            <a:lnSpc>
+              <a:spcPct val="90000"/>
+            </a:lnSpc>
+            <a:spcBef>
+              <a:spcPct val="0"/>
+            </a:spcBef>
+            <a:spcAft>
+              <a:spcPct val="35000"/>
+            </a:spcAft>
+            <a:buNone/>
+          </a:pPr>
+          <a:r>
+            <a:rPr lang="en-US" sz="1100" kern="1200" dirty="0"/>
+            <a:t>They overfit patterns in the data if not properly regularized</a:t>
+          </a:r>
+        </a:p>
+      </dsp:txBody>
+      <dsp:txXfrm>
+        <a:off x="4607057" y="640"/>
+        <a:ext cx="1784217" cy="1498687"/>
+      </dsp:txXfrm>
+    </dsp:sp>
+    <dsp:sp modelId="{0FBAC3B7-B2FD-4494-A023-AEF2CE7C298A}">
+      <dsp:nvSpPr>
+        <dsp:cNvPr id="0" name=""/>
+        <dsp:cNvSpPr/>
+      </dsp:nvSpPr>
+      <dsp:spPr>
+        <a:xfrm>
+          <a:off x="0" y="1873999"/>
+          <a:ext cx="6391275" cy="1498687"/>
         </a:xfrm>
         <a:prstGeom prst="roundRect">
           <a:avLst>
@@ -6736,22 +7005,61 @@
           </a:avLst>
         </a:prstGeom>
         <a:solidFill>
-          <a:schemeClr val="accent1">
+          <a:schemeClr val="accent3">
             <a:hueOff val="0"/>
             <a:satOff val="0"/>
             <a:lumOff val="0"/>
             <a:alphaOff val="0"/>
           </a:schemeClr>
         </a:solidFill>
+        <a:ln>
+          <a:noFill/>
+        </a:ln>
+        <a:effectLst/>
+      </dsp:spPr>
+      <dsp:style>
+        <a:lnRef idx="0">
+          <a:scrgbClr r="0" g="0" b="0"/>
+        </a:lnRef>
+        <a:fillRef idx="1">
+          <a:scrgbClr r="0" g="0" b="0"/>
+        </a:fillRef>
+        <a:effectRef idx="0">
+          <a:scrgbClr r="0" g="0" b="0"/>
+        </a:effectRef>
+        <a:fontRef idx="minor"/>
+      </dsp:style>
+    </dsp:sp>
+    <dsp:sp modelId="{CBB0EAD3-D7F5-4B6E-8584-097DC1A90F68}">
+      <dsp:nvSpPr>
+        <dsp:cNvPr id="0" name=""/>
+        <dsp:cNvSpPr/>
+      </dsp:nvSpPr>
+      <dsp:spPr>
+        <a:xfrm>
+          <a:off x="453352" y="2211204"/>
+          <a:ext cx="824278" cy="824278"/>
+        </a:xfrm>
+        <a:prstGeom prst="rect">
+          <a:avLst/>
+        </a:prstGeom>
+        <a:blipFill>
+          <a:blip xmlns:r="http://schemas.openxmlformats.org/officeDocument/2006/relationships" r:embed="rId3">
+            <a:extLst>
+              <a:ext uri="{28A0092B-C50C-407E-A947-70E740481C1C}">
+                <a14:useLocalDpi xmlns:a14="http://schemas.microsoft.com/office/drawing/2010/main" val="0"/>
+              </a:ext>
+              <a:ext uri="{96DAC541-7B7A-43D3-8B79-37D633B846F1}">
+                <asvg:svgBlip xmlns:asvg="http://schemas.microsoft.com/office/drawing/2016/SVG/main" r:embed="rId4"/>
+              </a:ext>
+            </a:extLst>
+          </a:blip>
+          <a:stretch>
+            <a:fillRect/>
+          </a:stretch>
+        </a:blipFill>
         <a:ln w="19050" cap="rnd" cmpd="sng" algn="ctr">
-          <a:solidFill>
-            <a:schemeClr val="lt1">
-              <a:hueOff val="0"/>
-              <a:satOff val="0"/>
-              <a:lumOff val="0"/>
-              <a:alphaOff val="0"/>
-            </a:schemeClr>
-          </a:solidFill>
+          <a:noFill/>
           <a:prstDash val="solid"/>
         </a:ln>
         <a:effectLst/>
@@ -6771,48 +7079,30 @@
         </a:fontRef>
       </dsp:style>
     </dsp:sp>
-    <dsp:sp modelId="{ECA77649-576C-A944-9C3F-D702EBCAE0BE}">
+    <dsp:sp modelId="{19A8DAF8-4ED2-4469-BF55-588FDD415970}">
       <dsp:nvSpPr>
         <dsp:cNvPr id="0" name=""/>
         <dsp:cNvSpPr/>
       </dsp:nvSpPr>
       <dsp:spPr>
         <a:xfrm>
-          <a:off x="3609518" y="826590"/>
-          <a:ext cx="2707138" cy="1719033"/>
+          <a:off x="1730984" y="1873999"/>
+          <a:ext cx="4660290" cy="1498687"/>
         </a:xfrm>
-        <a:prstGeom prst="roundRect">
-          <a:avLst>
-            <a:gd name="adj" fmla="val 10000"/>
-          </a:avLst>
+        <a:prstGeom prst="rect">
+          <a:avLst/>
         </a:prstGeom>
-        <a:solidFill>
-          <a:schemeClr val="lt1">
-            <a:alpha val="90000"/>
-            <a:hueOff val="0"/>
-            <a:satOff val="0"/>
-            <a:lumOff val="0"/>
-            <a:alphaOff val="0"/>
-          </a:schemeClr>
-        </a:solidFill>
-        <a:ln w="19050" cap="rnd" cmpd="sng" algn="ctr">
-          <a:solidFill>
-            <a:schemeClr val="accent1">
-              <a:hueOff val="0"/>
-              <a:satOff val="0"/>
-              <a:lumOff val="0"/>
-              <a:alphaOff val="0"/>
-            </a:schemeClr>
-          </a:solidFill>
-          <a:prstDash val="solid"/>
+        <a:noFill/>
+        <a:ln>
+          <a:noFill/>
         </a:ln>
         <a:effectLst/>
       </dsp:spPr>
       <dsp:style>
-        <a:lnRef idx="2">
+        <a:lnRef idx="0">
           <a:scrgbClr r="0" g="0" b="0"/>
         </a:lnRef>
-        <a:fillRef idx="1">
+        <a:fillRef idx="0">
           <a:scrgbClr r="0" g="0" b="0"/>
         </a:fillRef>
         <a:effectRef idx="0">
@@ -6821,12 +7111,12 @@
         <a:fontRef idx="minor"/>
       </dsp:style>
       <dsp:txBody>
-        <a:bodyPr spcFirstLastPara="0" vert="horz" wrap="square" lIns="83820" tIns="83820" rIns="83820" bIns="83820" numCol="1" spcCol="1270" anchor="ctr" anchorCtr="0">
+        <a:bodyPr spcFirstLastPara="0" vert="horz" wrap="square" lIns="158611" tIns="158611" rIns="158611" bIns="158611" numCol="1" spcCol="1270" anchor="ctr" anchorCtr="0">
           <a:noAutofit/>
         </a:bodyPr>
         <a:lstStyle/>
         <a:p>
-          <a:pPr marL="0" lvl="0" indent="0" algn="ctr" defTabSz="977900">
+          <a:pPr marL="0" lvl="0" indent="0" algn="l" defTabSz="977900">
             <a:lnSpc>
               <a:spcPct val="90000"/>
             </a:lnSpc>
@@ -6839,26 +7129,25 @@
             <a:buNone/>
           </a:pPr>
           <a:r>
-            <a:rPr lang="en-US" sz="2200" b="0" i="0" kern="1200" dirty="0"/>
-            <a:t>FCLs add noise complicates Training</a:t>
+            <a:rPr lang="en-US" sz="2200" kern="1200" dirty="0"/>
+            <a:t>Training is slow, costs more, and requires special hardware</a:t>
           </a:r>
-          <a:endParaRPr lang="en-US" sz="2200" kern="1200" dirty="0"/>
         </a:p>
       </dsp:txBody>
       <dsp:txXfrm>
-        <a:off x="3659867" y="876939"/>
-        <a:ext cx="2606440" cy="1618335"/>
+        <a:off x="1730984" y="1873999"/>
+        <a:ext cx="4660290" cy="1498687"/>
       </dsp:txXfrm>
     </dsp:sp>
-    <dsp:sp modelId="{86044FCD-9389-8B4D-AF54-CEC9ADF8218D}">
+    <dsp:sp modelId="{60DA50CC-2D22-4D19-9BB0-922F5CEC29A6}">
       <dsp:nvSpPr>
         <dsp:cNvPr id="0" name=""/>
         <dsp:cNvSpPr/>
       </dsp:nvSpPr>
       <dsp:spPr>
         <a:xfrm>
-          <a:off x="6617450" y="540837"/>
-          <a:ext cx="2707138" cy="1719033"/>
+          <a:off x="0" y="3747359"/>
+          <a:ext cx="6391275" cy="1498687"/>
         </a:xfrm>
         <a:prstGeom prst="roundRect">
           <a:avLst>
@@ -6866,22 +7155,61 @@
           </a:avLst>
         </a:prstGeom>
         <a:solidFill>
-          <a:schemeClr val="accent1">
+          <a:schemeClr val="accent4">
             <a:hueOff val="0"/>
             <a:satOff val="0"/>
             <a:lumOff val="0"/>
             <a:alphaOff val="0"/>
           </a:schemeClr>
         </a:solidFill>
+        <a:ln>
+          <a:noFill/>
+        </a:ln>
+        <a:effectLst/>
+      </dsp:spPr>
+      <dsp:style>
+        <a:lnRef idx="0">
+          <a:scrgbClr r="0" g="0" b="0"/>
+        </a:lnRef>
+        <a:fillRef idx="1">
+          <a:scrgbClr r="0" g="0" b="0"/>
+        </a:fillRef>
+        <a:effectRef idx="0">
+          <a:scrgbClr r="0" g="0" b="0"/>
+        </a:effectRef>
+        <a:fontRef idx="minor"/>
+      </dsp:style>
+    </dsp:sp>
+    <dsp:sp modelId="{826F05E7-9938-43CE-B6FC-47D52F563484}">
+      <dsp:nvSpPr>
+        <dsp:cNvPr id="0" name=""/>
+        <dsp:cNvSpPr/>
+      </dsp:nvSpPr>
+      <dsp:spPr>
+        <a:xfrm>
+          <a:off x="453352" y="4084563"/>
+          <a:ext cx="824278" cy="824278"/>
+        </a:xfrm>
+        <a:prstGeom prst="rect">
+          <a:avLst/>
+        </a:prstGeom>
+        <a:blipFill>
+          <a:blip xmlns:r="http://schemas.openxmlformats.org/officeDocument/2006/relationships" r:embed="rId5">
+            <a:extLst>
+              <a:ext uri="{28A0092B-C50C-407E-A947-70E740481C1C}">
+                <a14:useLocalDpi xmlns:a14="http://schemas.microsoft.com/office/drawing/2010/main" val="0"/>
+              </a:ext>
+              <a:ext uri="{96DAC541-7B7A-43D3-8B79-37D633B846F1}">
+                <asvg:svgBlip xmlns:asvg="http://schemas.microsoft.com/office/drawing/2016/SVG/main" r:embed="rId6"/>
+              </a:ext>
+            </a:extLst>
+          </a:blip>
+          <a:stretch>
+            <a:fillRect/>
+          </a:stretch>
+        </a:blipFill>
         <a:ln w="19050" cap="rnd" cmpd="sng" algn="ctr">
-          <a:solidFill>
-            <a:schemeClr val="lt1">
-              <a:hueOff val="0"/>
-              <a:satOff val="0"/>
-              <a:lumOff val="0"/>
-              <a:alphaOff val="0"/>
-            </a:schemeClr>
-          </a:solidFill>
+          <a:noFill/>
           <a:prstDash val="solid"/>
         </a:ln>
         <a:effectLst/>
@@ -6901,48 +7229,30 @@
         </a:fontRef>
       </dsp:style>
     </dsp:sp>
-    <dsp:sp modelId="{2D1421E1-5326-B249-836A-79A80DF87323}">
+    <dsp:sp modelId="{E1F93C96-87E6-48BF-81C2-0C1739D6F3D7}">
       <dsp:nvSpPr>
         <dsp:cNvPr id="0" name=""/>
         <dsp:cNvSpPr/>
       </dsp:nvSpPr>
       <dsp:spPr>
         <a:xfrm>
-          <a:off x="6918244" y="826590"/>
-          <a:ext cx="2707138" cy="1719033"/>
+          <a:off x="1730984" y="3747359"/>
+          <a:ext cx="4660290" cy="1498687"/>
         </a:xfrm>
-        <a:prstGeom prst="roundRect">
-          <a:avLst>
-            <a:gd name="adj" fmla="val 10000"/>
-          </a:avLst>
+        <a:prstGeom prst="rect">
+          <a:avLst/>
         </a:prstGeom>
-        <a:solidFill>
-          <a:schemeClr val="lt1">
-            <a:alpha val="90000"/>
-            <a:hueOff val="0"/>
-            <a:satOff val="0"/>
-            <a:lumOff val="0"/>
-            <a:alphaOff val="0"/>
-          </a:schemeClr>
-        </a:solidFill>
-        <a:ln w="19050" cap="rnd" cmpd="sng" algn="ctr">
-          <a:solidFill>
-            <a:schemeClr val="accent1">
-              <a:hueOff val="0"/>
-              <a:satOff val="0"/>
-              <a:lumOff val="0"/>
-              <a:alphaOff val="0"/>
-            </a:schemeClr>
-          </a:solidFill>
-          <a:prstDash val="solid"/>
+        <a:noFill/>
+        <a:ln>
+          <a:noFill/>
         </a:ln>
         <a:effectLst/>
       </dsp:spPr>
       <dsp:style>
-        <a:lnRef idx="2">
+        <a:lnRef idx="0">
           <a:scrgbClr r="0" g="0" b="0"/>
         </a:lnRef>
-        <a:fillRef idx="1">
+        <a:fillRef idx="0">
           <a:scrgbClr r="0" g="0" b="0"/>
         </a:fillRef>
         <a:effectRef idx="0">
@@ -6951,12 +7261,12 @@
         <a:fontRef idx="minor"/>
       </dsp:style>
       <dsp:txBody>
-        <a:bodyPr spcFirstLastPara="0" vert="horz" wrap="square" lIns="83820" tIns="83820" rIns="83820" bIns="83820" numCol="1" spcCol="1270" anchor="ctr" anchorCtr="0">
+        <a:bodyPr spcFirstLastPara="0" vert="horz" wrap="square" lIns="158611" tIns="158611" rIns="158611" bIns="158611" numCol="1" spcCol="1270" anchor="ctr" anchorCtr="0">
           <a:noAutofit/>
         </a:bodyPr>
         <a:lstStyle/>
         <a:p>
-          <a:pPr marL="0" lvl="0" indent="0" algn="ctr" defTabSz="977900">
+          <a:pPr marL="0" lvl="0" indent="0" algn="l" defTabSz="977900">
             <a:lnSpc>
               <a:spcPct val="90000"/>
             </a:lnSpc>
@@ -6969,15 +7279,14 @@
             <a:buNone/>
           </a:pPr>
           <a:r>
-            <a:rPr lang="en-US" sz="2200" b="0" i="0" kern="1200" dirty="0"/>
-            <a:t>With Increased Accuracy comes Increased Perplexity</a:t>
+            <a:rPr lang="en-US" sz="2200" kern="1200" dirty="0"/>
+            <a:t>The storage and processing requirements are large even for deployed models</a:t>
           </a:r>
-          <a:endParaRPr lang="en-US" sz="2200" kern="1200" dirty="0"/>
         </a:p>
       </dsp:txBody>
       <dsp:txXfrm>
-        <a:off x="6968593" y="876939"/>
-        <a:ext cx="2606440" cy="1618335"/>
+        <a:off x="1730984" y="3747359"/>
+        <a:ext cx="4660290" cy="1498687"/>
       </dsp:txXfrm>
     </dsp:sp>
   </dsp:spTree>
@@ -7283,10 +7592,10 @@
             <a:buNone/>
           </a:pPr>
           <a:r>
-            <a:rPr lang="en-US" sz="1900" b="0" i="0" kern="1200"/>
-            <a:t>Filtering and Pooling Layers in CNN</a:t>
+            <a:rPr lang="en-US" sz="1900" b="0" i="0" kern="1200" dirty="0"/>
+            <a:t>Filtering, Pooling Layers in CNN</a:t>
           </a:r>
-          <a:endParaRPr lang="en-US" sz="1900" kern="1200"/>
+          <a:endParaRPr lang="en-US" sz="1900" kern="1200" dirty="0"/>
         </a:p>
       </dsp:txBody>
       <dsp:txXfrm>
@@ -7435,7 +7744,7 @@
           </a:pPr>
           <a:r>
             <a:rPr lang="en-US" sz="1900" b="0" i="0" kern="1200" dirty="0"/>
-            <a:t>Pruning / Deep Compression</a:t>
+            <a:t>Pruning / Mixture of Experts</a:t>
           </a:r>
           <a:endParaRPr lang="en-US" sz="1900" kern="1200" dirty="0"/>
         </a:p>
@@ -7585,10 +7894,10 @@
             <a:buNone/>
           </a:pPr>
           <a:r>
-            <a:rPr lang="en-US" sz="1900" b="0" i="0" kern="1200"/>
-            <a:t>StochasticNet</a:t>
+            <a:rPr lang="en-US" sz="1900" b="0" i="0" kern="1200" dirty="0"/>
+            <a:t>StochasticNet / SparseCNN</a:t>
           </a:r>
-          <a:endParaRPr lang="en-US" sz="1900" kern="1200"/>
+          <a:endParaRPr lang="en-US" sz="1900" kern="1200" dirty="0"/>
         </a:p>
       </dsp:txBody>
       <dsp:txXfrm>
@@ -7644,8 +7953,8 @@
       </dsp:nvSpPr>
       <dsp:spPr>
         <a:xfrm>
-          <a:off x="264107" y="4565949"/>
-          <a:ext cx="480194" cy="480194"/>
+          <a:off x="151655" y="4458242"/>
+          <a:ext cx="705098" cy="695610"/>
         </a:xfrm>
         <a:prstGeom prst="rect">
           <a:avLst/>
@@ -7737,7 +8046,7 @@
           </a:pPr>
           <a:r>
             <a:rPr lang="en-US" sz="1900" kern="1200" dirty="0"/>
-            <a:t>Numerous Studies on Brain Structure </a:t>
+            <a:t>L0, L1, L2 Regularization</a:t>
           </a:r>
         </a:p>
       </dsp:txBody>
@@ -8803,7 +9112,7 @@
         </a:bodyPr>
         <a:lstStyle/>
         <a:p>
-          <a:pPr marL="0" lvl="0" indent="0" algn="l" defTabSz="977900">
+          <a:pPr marL="0" lvl="0" indent="0" algn="l" defTabSz="889000">
             <a:lnSpc>
               <a:spcPct val="90000"/>
             </a:lnSpc>
@@ -8816,10 +9125,10 @@
             <a:buNone/>
           </a:pPr>
           <a:r>
-            <a:rPr lang="en-US" sz="2200" b="0" i="0" kern="1200" dirty="0"/>
+            <a:rPr lang="en-US" sz="2000" b="0" i="0" kern="1200" dirty="0"/>
             <a:t>Parametric T-SNE to Create a 2D Feature Map of Feature Space</a:t>
           </a:r>
-          <a:endParaRPr lang="en-US" sz="2200" kern="1200" dirty="0"/>
+          <a:endParaRPr lang="en-US" sz="2000" kern="1200" dirty="0"/>
         </a:p>
       </dsp:txBody>
       <dsp:txXfrm>
@@ -8954,7 +9263,7 @@
         </a:bodyPr>
         <a:lstStyle/>
         <a:p>
-          <a:pPr marL="0" lvl="0" indent="0" algn="l" defTabSz="977900">
+          <a:pPr marL="0" lvl="0" indent="0" algn="l" defTabSz="889000">
             <a:lnSpc>
               <a:spcPct val="90000"/>
             </a:lnSpc>
@@ -8967,10 +9276,18 @@
             <a:buNone/>
           </a:pPr>
           <a:r>
-            <a:rPr lang="en-US" sz="2200" b="0" i="0" kern="1200" dirty="0"/>
-            <a:t>2D Map to Gate the MoEs &amp; Promote Regional Specialization</a:t>
+            <a:rPr lang="en-US" sz="2000" b="0" i="0" kern="1200" dirty="0"/>
+            <a:t>Gate the MoEs &amp; Promote Regional Specialization with </a:t>
           </a:r>
-          <a:endParaRPr lang="en-US" sz="2200" kern="1200" dirty="0"/>
+          <a:r>
+            <a:rPr lang="en-US" sz="2000" b="0" i="0" kern="1200" dirty="0" err="1"/>
+            <a:t>spacial</a:t>
+          </a:r>
+          <a:r>
+            <a:rPr lang="en-US" sz="2000" b="0" i="0" kern="1200" dirty="0"/>
+            <a:t> regularization</a:t>
+          </a:r>
+          <a:endParaRPr lang="en-US" sz="2000" kern="1200" dirty="0"/>
         </a:p>
       </dsp:txBody>
       <dsp:txXfrm>
@@ -9105,7 +9422,7 @@
         </a:bodyPr>
         <a:lstStyle/>
         <a:p>
-          <a:pPr marL="0" lvl="0" indent="0" algn="l" defTabSz="977900">
+          <a:pPr marL="0" lvl="0" indent="0" algn="l" defTabSz="889000">
             <a:lnSpc>
               <a:spcPct val="90000"/>
             </a:lnSpc>
@@ -9118,10 +9435,10 @@
             <a:buNone/>
           </a:pPr>
           <a:r>
-            <a:rPr lang="en-US" sz="2200" b="0" i="0" kern="1200" dirty="0"/>
+            <a:rPr lang="en-US" sz="2000" b="0" i="0" kern="1200" dirty="0"/>
             <a:t>Sparsely Interconnected MoEs</a:t>
           </a:r>
-          <a:endParaRPr lang="en-US" sz="2200" kern="1200" dirty="0"/>
+          <a:endParaRPr lang="en-US" sz="2000" kern="1200" dirty="0"/>
         </a:p>
       </dsp:txBody>
       <dsp:txXfrm>
@@ -9256,7 +9573,7 @@
         </a:bodyPr>
         <a:lstStyle/>
         <a:p>
-          <a:pPr marL="0" lvl="0" indent="0" algn="l" defTabSz="977900">
+          <a:pPr marL="0" lvl="0" indent="0" algn="l" defTabSz="889000">
             <a:lnSpc>
               <a:spcPct val="90000"/>
             </a:lnSpc>
@@ -9269,10 +9586,10 @@
             <a:buNone/>
           </a:pPr>
           <a:r>
-            <a:rPr lang="en-US" sz="2200" b="0" i="0" kern="1200" dirty="0"/>
+            <a:rPr lang="en-US" sz="2000" b="0" i="0" kern="1200" dirty="0"/>
             <a:t>Sparsely Intra-Connected MoEs</a:t>
           </a:r>
-          <a:endParaRPr lang="en-US" sz="2200" kern="1200" dirty="0"/>
+          <a:endParaRPr lang="en-US" sz="2000" kern="1200" dirty="0"/>
         </a:p>
       </dsp:txBody>
       <dsp:txXfrm>
@@ -9285,106 +9602,49 @@
 </file>
 
 <file path=ppt/diagrams/layout1.xml><?xml version="1.0" encoding="utf-8"?>
-<dgm:layoutDef xmlns:dgm="http://schemas.openxmlformats.org/drawingml/2006/diagram" xmlns:a="http://schemas.openxmlformats.org/drawingml/2006/main" uniqueId="urn:microsoft.com/office/officeart/2005/8/layout/hierarchy1">
-  <dgm:title val=""/>
-  <dgm:desc val=""/>
+<dgm:layoutDef xmlns:dgm="http://schemas.openxmlformats.org/drawingml/2006/diagram" xmlns:a="http://schemas.openxmlformats.org/drawingml/2006/main" uniqueId="urn:microsoft.com/office/officeart/2018/2/layout/IconVerticalSolidList">
+  <dgm:title val="Icon Vertical Solid List"/>
+  <dgm:desc val="Use to show a series of visuals from top to bottom with Level 1 or Level 1 and Level 2 text grouped in a shape. Works best with icons or small pictures with lengthier descriptions."/>
   <dgm:catLst>
-    <dgm:cat type="hierarchy" pri="2000"/>
+    <dgm:cat type="icon" pri="500"/>
   </dgm:catLst>
-  <dgm:sampData>
+  <dgm:sampData useDef="1">
     <dgm:dataModel>
-      <dgm:ptLst>
-        <dgm:pt modelId="0" type="doc"/>
-        <dgm:pt modelId="1">
-          <dgm:prSet phldr="1"/>
-        </dgm:pt>
-        <dgm:pt modelId="2">
-          <dgm:prSet phldr="1"/>
-        </dgm:pt>
-        <dgm:pt modelId="21">
-          <dgm:prSet phldr="1"/>
-        </dgm:pt>
-        <dgm:pt modelId="22">
-          <dgm:prSet phldr="1"/>
-        </dgm:pt>
-        <dgm:pt modelId="3">
-          <dgm:prSet phldr="1"/>
-        </dgm:pt>
-        <dgm:pt modelId="31">
-          <dgm:prSet phldr="1"/>
-        </dgm:pt>
-      </dgm:ptLst>
-      <dgm:cxnLst>
-        <dgm:cxn modelId="4" srcId="0" destId="1" srcOrd="0" destOrd="0"/>
-        <dgm:cxn modelId="5" srcId="1" destId="2" srcOrd="0" destOrd="0"/>
-        <dgm:cxn modelId="6" srcId="1" destId="3" srcOrd="1" destOrd="0"/>
-        <dgm:cxn modelId="23" srcId="2" destId="21" srcOrd="0" destOrd="0"/>
-        <dgm:cxn modelId="24" srcId="2" destId="22" srcOrd="1" destOrd="0"/>
-        <dgm:cxn modelId="33" srcId="3" destId="31" srcOrd="0" destOrd="0"/>
-      </dgm:cxnLst>
+      <dgm:ptLst/>
       <dgm:bg/>
       <dgm:whole/>
     </dgm:dataModel>
   </dgm:sampData>
-  <dgm:styleData>
+  <dgm:styleData useDef="1">
     <dgm:dataModel>
-      <dgm:ptLst>
-        <dgm:pt modelId="0" type="doc"/>
-        <dgm:pt modelId="1"/>
-        <dgm:pt modelId="11"/>
-        <dgm:pt modelId="12"/>
-      </dgm:ptLst>
-      <dgm:cxnLst>
-        <dgm:cxn modelId="2" srcId="0" destId="1" srcOrd="0" destOrd="0"/>
-        <dgm:cxn modelId="13" srcId="1" destId="11" srcOrd="0" destOrd="0"/>
-        <dgm:cxn modelId="14" srcId="1" destId="12" srcOrd="1" destOrd="0"/>
-      </dgm:cxnLst>
+      <dgm:ptLst/>
       <dgm:bg/>
       <dgm:whole/>
     </dgm:dataModel>
   </dgm:styleData>
-  <dgm:clrData>
+  <dgm:clrData useDef="1">
     <dgm:dataModel>
-      <dgm:ptLst>
-        <dgm:pt modelId="0" type="doc"/>
-        <dgm:pt modelId="1"/>
-        <dgm:pt modelId="2"/>
-        <dgm:pt modelId="21"/>
-        <dgm:pt modelId="211"/>
-        <dgm:pt modelId="3"/>
-        <dgm:pt modelId="31"/>
-        <dgm:pt modelId="311"/>
-      </dgm:ptLst>
-      <dgm:cxnLst>
-        <dgm:cxn modelId="4" srcId="0" destId="1" srcOrd="0" destOrd="0"/>
-        <dgm:cxn modelId="5" srcId="1" destId="2" srcOrd="0" destOrd="0"/>
-        <dgm:cxn modelId="6" srcId="1" destId="3" srcOrd="1" destOrd="0"/>
-        <dgm:cxn modelId="23" srcId="2" destId="21" srcOrd="0" destOrd="0"/>
-        <dgm:cxn modelId="24" srcId="21" destId="211" srcOrd="0" destOrd="0"/>
-        <dgm:cxn modelId="33" srcId="3" destId="31" srcOrd="0" destOrd="0"/>
-        <dgm:cxn modelId="34" srcId="31" destId="311" srcOrd="0" destOrd="0"/>
-      </dgm:cxnLst>
+      <dgm:ptLst/>
       <dgm:bg/>
       <dgm:whole/>
     </dgm:dataModel>
   </dgm:clrData>
-  <dgm:layoutNode name="hierChild1">
+  <dgm:layoutNode name="root">
     <dgm:varLst>
-      <dgm:chPref val="1"/>
       <dgm:dir/>
-      <dgm:animOne val="branch"/>
-      <dgm:animLvl val="lvl"/>
-      <dgm:resizeHandles/>
+      <dgm:resizeHandles val="exact"/>
     </dgm:varLst>
     <dgm:choose name="Name0">
-      <dgm:if name="Name1" func="var" arg="dir" op="equ" val="norm">
-        <dgm:alg type="hierChild">
-          <dgm:param type="linDir" val="fromL"/>
+      <dgm:if name="Name1" axis="self" func="var" arg="dir" op="equ" val="norm">
+        <dgm:alg type="lin">
+          <dgm:param type="linDir" val="fromT"/>
+          <dgm:param type="nodeHorzAlign" val="l"/>
         </dgm:alg>
       </dgm:if>
       <dgm:else name="Name2">
-        <dgm:alg type="hierChild">
-          <dgm:param type="linDir" val="fromR"/>
+        <dgm:alg type="lin">
+          <dgm:param type="linDir" val="fromT"/>
+          <dgm:param type="nodeHorzAlign" val="r"/>
         </dgm:alg>
       </dgm:else>
     </dgm:choose>
@@ -9392,458 +9652,246 @@
       <dgm:adjLst/>
     </dgm:shape>
     <dgm:presOf/>
-    <dgm:constrLst>
-      <dgm:constr type="primFontSz" for="des" ptType="node" op="equ" val="65"/>
-      <dgm:constr type="w" for="des" forName="composite" refType="w"/>
-      <dgm:constr type="h" for="des" forName="composite" refType="w" refFor="des" refForName="composite" fact="0.667"/>
-      <dgm:constr type="w" for="des" forName="composite2" refType="w" refFor="des" refForName="composite"/>
-      <dgm:constr type="h" for="des" forName="composite2" refType="h" refFor="des" refForName="composite"/>
-      <dgm:constr type="w" for="des" forName="composite3" refType="w" refFor="des" refForName="composite"/>
-      <dgm:constr type="h" for="des" forName="composite3" refType="h" refFor="des" refForName="composite"/>
-      <dgm:constr type="w" for="des" forName="composite4" refType="w" refFor="des" refForName="composite"/>
-      <dgm:constr type="h" for="des" forName="composite4" refType="h" refFor="des" refForName="composite"/>
-      <dgm:constr type="w" for="des" forName="composite5" refType="w" refFor="des" refForName="composite"/>
-      <dgm:constr type="h" for="des" forName="composite5" refType="h" refFor="des" refForName="composite"/>
-      <dgm:constr type="sibSp" refType="w" refFor="des" refForName="composite" fact="0.1"/>
-      <dgm:constr type="sibSp" for="des" forName="hierChild2" refType="sibSp"/>
-      <dgm:constr type="sibSp" for="des" forName="hierChild3" refType="sibSp"/>
-      <dgm:constr type="sibSp" for="des" forName="hierChild4" refType="sibSp"/>
-      <dgm:constr type="sibSp" for="des" forName="hierChild5" refType="sibSp"/>
-      <dgm:constr type="sibSp" for="des" forName="hierChild6" refType="sibSp"/>
-      <dgm:constr type="sp" for="des" forName="hierRoot1" refType="h" refFor="des" refForName="composite" fact="0.25"/>
-      <dgm:constr type="sp" for="des" forName="hierRoot2" refType="sp" refFor="des" refForName="hierRoot1"/>
-      <dgm:constr type="sp" for="des" forName="hierRoot3" refType="sp" refFor="des" refForName="hierRoot1"/>
-      <dgm:constr type="sp" for="des" forName="hierRoot4" refType="sp" refFor="des" refForName="hierRoot1"/>
-      <dgm:constr type="sp" for="des" forName="hierRoot5" refType="sp" refFor="des" refForName="hierRoot1"/>
-    </dgm:constrLst>
-    <dgm:ruleLst/>
-    <dgm:forEach name="Name3" axis="ch">
-      <dgm:forEach name="Name4" axis="self" ptType="node">
-        <dgm:layoutNode name="hierRoot1">
-          <dgm:alg type="hierRoot"/>
+    <dgm:choose name="Name3">
+      <dgm:if name="Name4" axis="ch" ptType="node" func="cnt" op="lte" val="3">
+        <dgm:constrLst>
+          <dgm:constr type="h" for="ch" forName="compNode" refType="h" fact="0.3"/>
+          <dgm:constr type="w" for="ch" forName="compNode" refType="w"/>
+          <dgm:constr type="h" for="ch" forName="sibTrans" refType="h" refFor="ch" refForName="compNode" fact="0.25"/>
+          <dgm:constr type="primFontSz" for="des" forName="parTx" val="25"/>
+          <dgm:constr type="primFontSz" for="des" forName="desTx" refType="primFontSz" refFor="des" refForName="parTx" op="lte" fact="0.75"/>
+          <dgm:constr type="h" for="des" forName="compNode" op="equ"/>
+          <dgm:constr type="h" for="des" forName="bgRect" op="equ"/>
+          <dgm:constr type="h" for="des" forName="iconRect" op="equ"/>
+          <dgm:constr type="w" for="des" forName="iconRect" op="equ"/>
+          <dgm:constr type="h" for="des" forName="spaceRect" op="equ"/>
+          <dgm:constr type="h" for="des" forName="parTx" op="equ"/>
+          <dgm:constr type="h" for="des" forName="desTx" op="equ"/>
+        </dgm:constrLst>
+      </dgm:if>
+      <dgm:if name="Name5" axis="ch" ptType="node" func="cnt" op="lte" val="4">
+        <dgm:constrLst>
+          <dgm:constr type="h" for="ch" forName="compNode" refType="h" fact="0.3"/>
+          <dgm:constr type="w" for="ch" forName="compNode" refType="w"/>
+          <dgm:constr type="h" for="ch" forName="sibTrans" refType="h" refFor="ch" refForName="compNode" fact="0.25"/>
+          <dgm:constr type="primFontSz" for="des" forName="parTx" val="22"/>
+          <dgm:constr type="primFontSz" for="des" forName="desTx" refType="primFontSz" refFor="des" refForName="parTx" op="lte" fact="0.75"/>
+          <dgm:constr type="h" for="des" forName="compNode" op="equ"/>
+          <dgm:constr type="h" for="des" forName="bgRect" op="equ"/>
+          <dgm:constr type="h" for="des" forName="iconRect" op="equ"/>
+          <dgm:constr type="w" for="des" forName="iconRect" op="equ"/>
+          <dgm:constr type="h" for="des" forName="spaceRect" op="equ"/>
+          <dgm:constr type="h" for="des" forName="parTx" op="equ"/>
+          <dgm:constr type="h" for="des" forName="desTx" op="equ"/>
+        </dgm:constrLst>
+      </dgm:if>
+      <dgm:if name="Name6" axis="ch" ptType="node" func="cnt" op="lte" val="6">
+        <dgm:constrLst>
+          <dgm:constr type="h" for="ch" forName="compNode" refType="h" fact="0.3"/>
+          <dgm:constr type="w" for="ch" forName="compNode" refType="w"/>
+          <dgm:constr type="h" for="ch" forName="sibTrans" refType="h" refFor="ch" refForName="compNode" fact="0.25"/>
+          <dgm:constr type="primFontSz" for="des" forName="parTx" val="19"/>
+          <dgm:constr type="primFontSz" for="des" forName="desTx" refType="primFontSz" refFor="des" refForName="parTx" op="lte" fact="0.75"/>
+          <dgm:constr type="h" for="des" forName="compNode" op="equ"/>
+          <dgm:constr type="h" for="des" forName="bgRect" op="equ"/>
+          <dgm:constr type="h" for="des" forName="iconRect" op="equ"/>
+          <dgm:constr type="w" for="des" forName="iconRect" op="equ"/>
+          <dgm:constr type="h" for="des" forName="spaceRect" op="equ"/>
+          <dgm:constr type="h" for="des" forName="parTx" op="equ"/>
+          <dgm:constr type="h" for="des" forName="desTx" op="equ"/>
+        </dgm:constrLst>
+      </dgm:if>
+      <dgm:else name="Name7">
+        <dgm:constrLst>
+          <dgm:constr type="h" for="ch" forName="compNode" refType="h" fact="0.3"/>
+          <dgm:constr type="w" for="ch" forName="compNode" refType="w"/>
+          <dgm:constr type="h" for="ch" forName="sibTrans" refType="h" refFor="ch" refForName="compNode" fact="0.25"/>
+          <dgm:constr type="primFontSz" for="des" forName="parTx" val="16"/>
+          <dgm:constr type="primFontSz" for="des" forName="desTx" refType="primFontSz" refFor="des" refForName="parTx" op="lte" fact="0.75"/>
+          <dgm:constr type="h" for="des" forName="compNode" op="equ"/>
+          <dgm:constr type="h" for="des" forName="bgRect" op="equ"/>
+          <dgm:constr type="h" for="des" forName="iconRect" op="equ"/>
+          <dgm:constr type="w" for="des" forName="iconRect" op="equ"/>
+          <dgm:constr type="h" for="des" forName="spaceRect" op="equ"/>
+          <dgm:constr type="h" for="des" forName="parTx" op="equ"/>
+          <dgm:constr type="h" for="des" forName="desTx" op="equ"/>
+        </dgm:constrLst>
+      </dgm:else>
+    </dgm:choose>
+    <dgm:ruleLst>
+      <dgm:rule type="h" for="ch" forName="compNode" val="0" fact="NaN" max="NaN"/>
+    </dgm:ruleLst>
+    <dgm:forEach name="Name8" axis="ch" ptType="node">
+      <dgm:layoutNode name="compNode">
+        <dgm:alg type="composite"/>
+        <dgm:shape xmlns:r="http://schemas.openxmlformats.org/officeDocument/2006/relationships" r:blip="">
+          <dgm:adjLst/>
+        </dgm:shape>
+        <dgm:presOf axis="self"/>
+        <dgm:choose name="Name9">
+          <dgm:if name="Name10" axis="ch" ptType="node" func="cnt" op="gte" val="1">
+            <dgm:constrLst>
+              <dgm:constr type="w" for="ch" forName="bgRect" refType="w"/>
+              <dgm:constr type="h" for="ch" forName="bgRect" refType="h"/>
+              <dgm:constr type="l" for="ch" forName="bgRect"/>
+              <dgm:constr type="t" for="ch" forName="bgRect"/>
+              <dgm:constr type="h" for="ch" forName="iconRect" refType="h" fact="0.55"/>
+              <dgm:constr type="w" for="ch" forName="iconRect" refType="h" refFor="ch" refForName="iconRect"/>
+              <dgm:constr type="l" for="ch" forName="iconRect" refType="h" refFor="ch" refForName="iconRect" fact="0.55"/>
+              <dgm:constr type="ctrY" for="ch" forName="iconRect" refType="ctrY" refFor="ch" refForName="bgRect"/>
+              <dgm:constr type="w" for="ch" forName="spaceRect" refType="l" refFor="ch" refForName="iconRect"/>
+              <dgm:constr type="h" for="ch" forName="spaceRect" refType="h"/>
+              <dgm:constr type="l" for="ch" forName="spaceRect" refType="r" refFor="ch" refForName="iconRect"/>
+              <dgm:constr type="t" for="ch" forName="spaceRect"/>
+              <dgm:constr type="w" for="ch" forName="parTx" refType="w" fact="0.45"/>
+              <dgm:constr type="h" for="ch" forName="parTx" refType="h"/>
+              <dgm:constr type="l" for="ch" forName="parTx" refType="r" refFor="ch" refForName="spaceRect"/>
+              <dgm:constr type="t" for="ch" forName="parTx"/>
+              <dgm:constr type="h" for="ch" forName="desTx" refType="h"/>
+              <dgm:constr type="l" for="ch" forName="desTx" refType="r" refFor="ch" refForName="parTx"/>
+              <dgm:constr type="t" for="ch" forName="desTx"/>
+            </dgm:constrLst>
+          </dgm:if>
+          <dgm:else name="Name11">
+            <dgm:constrLst>
+              <dgm:constr type="w" for="ch" forName="bgRect" refType="w"/>
+              <dgm:constr type="h" for="ch" forName="bgRect" refType="h"/>
+              <dgm:constr type="l" for="ch" forName="bgRect"/>
+              <dgm:constr type="t" for="ch" forName="bgRect"/>
+              <dgm:constr type="h" for="ch" forName="iconRect" refType="h" fact="0.55"/>
+              <dgm:constr type="w" for="ch" forName="iconRect" refType="h" refFor="ch" refForName="iconRect"/>
+              <dgm:constr type="l" for="ch" forName="iconRect" refType="h" refFor="ch" refForName="iconRect" fact="0.55"/>
+              <dgm:constr type="ctrY" for="ch" forName="iconRect" refType="ctrY" refFor="ch" refForName="bgRect"/>
+              <dgm:constr type="w" for="ch" forName="spaceRect" refType="l" refFor="ch" refForName="iconRect"/>
+              <dgm:constr type="h" for="ch" forName="spaceRect" refType="h"/>
+              <dgm:constr type="l" for="ch" forName="spaceRect" refType="r" refFor="ch" refForName="iconRect"/>
+              <dgm:constr type="t" for="ch" forName="spaceRect"/>
+              <dgm:constr type="h" for="ch" forName="parTx" refType="h"/>
+              <dgm:constr type="l" for="ch" forName="parTx" refType="r" refFor="ch" refForName="spaceRect"/>
+              <dgm:constr type="t" for="ch" forName="parTx"/>
+            </dgm:constrLst>
+          </dgm:else>
+        </dgm:choose>
+        <dgm:ruleLst>
+          <dgm:rule type="h" val="INF" fact="NaN" max="NaN"/>
+        </dgm:ruleLst>
+        <dgm:layoutNode name="bgRect" styleLbl="bgShp">
+          <dgm:alg type="sp"/>
+          <dgm:shape xmlns:r="http://schemas.openxmlformats.org/officeDocument/2006/relationships" type="roundRect" r:blip="">
+            <dgm:adjLst>
+              <dgm:adj idx="1" val="0.1"/>
+            </dgm:adjLst>
+          </dgm:shape>
+          <dgm:presOf/>
+          <dgm:constrLst/>
+          <dgm:ruleLst/>
+        </dgm:layoutNode>
+        <dgm:layoutNode name="iconRect" styleLbl="node1">
+          <dgm:alg type="sp"/>
+          <dgm:shape xmlns:r="http://schemas.openxmlformats.org/officeDocument/2006/relationships" type="rect" r:blip="" blipPhldr="1">
+            <dgm:adjLst/>
+          </dgm:shape>
+          <dgm:presOf/>
+          <dgm:constrLst/>
+          <dgm:ruleLst/>
+        </dgm:layoutNode>
+        <dgm:layoutNode name="spaceRect">
+          <dgm:alg type="sp"/>
           <dgm:shape xmlns:r="http://schemas.openxmlformats.org/officeDocument/2006/relationships" r:blip="">
             <dgm:adjLst/>
           </dgm:shape>
           <dgm:presOf/>
+          <dgm:constrLst/>
+          <dgm:ruleLst/>
+        </dgm:layoutNode>
+        <dgm:layoutNode name="parTx" styleLbl="revTx">
+          <dgm:varLst>
+            <dgm:chMax val="0"/>
+            <dgm:chPref val="0"/>
+          </dgm:varLst>
+          <dgm:alg type="tx">
+            <dgm:param type="txAnchorVert" val="mid"/>
+            <dgm:param type="parTxLTRAlign" val="l"/>
+            <dgm:param type="shpTxLTRAlignCh" val="l"/>
+            <dgm:param type="parTxRTLAlign" val="r"/>
+            <dgm:param type="shpTxRTLAlignCh" val="r"/>
+          </dgm:alg>
+          <dgm:shape xmlns:r="http://schemas.openxmlformats.org/officeDocument/2006/relationships" type="rect" r:blip="">
+            <dgm:adjLst/>
+          </dgm:shape>
+          <dgm:presOf axis="self" ptType="node"/>
           <dgm:constrLst>
-            <dgm:constr type="bendDist" for="des" ptType="parTrans" refType="sp" fact="0.5"/>
+            <dgm:constr type="lMarg" refType="h" fact="0.3"/>
+            <dgm:constr type="rMarg" refType="h" fact="0.3"/>
+            <dgm:constr type="tMarg" refType="h" fact="0.3"/>
+            <dgm:constr type="bMarg" refType="h" fact="0.3"/>
           </dgm:constrLst>
-          <dgm:ruleLst/>
-          <dgm:layoutNode name="composite">
-            <dgm:alg type="composite"/>
-            <dgm:shape xmlns:r="http://schemas.openxmlformats.org/officeDocument/2006/relationships" r:blip="">
-              <dgm:adjLst/>
-            </dgm:shape>
-            <dgm:presOf/>
-            <dgm:constrLst>
-              <dgm:constr type="w" for="ch" forName="background" refType="w" fact="0.9"/>
-              <dgm:constr type="h" for="ch" forName="background" refType="w" refFor="ch" refForName="background" fact="0.635"/>
-              <dgm:constr type="t" for="ch" forName="background"/>
-              <dgm:constr type="l" for="ch" forName="background"/>
-              <dgm:constr type="w" for="ch" forName="text" refType="w" fact="0.9"/>
-              <dgm:constr type="h" for="ch" forName="text" refType="w" refFor="ch" refForName="text" fact="0.635"/>
-              <dgm:constr type="t" for="ch" forName="text" refType="w" fact="0.095"/>
-              <dgm:constr type="l" for="ch" forName="text" refType="w" fact="0.1"/>
-            </dgm:constrLst>
-            <dgm:ruleLst/>
-            <dgm:layoutNode name="background" styleLbl="node0" moveWith="text">
-              <dgm:alg type="sp"/>
-              <dgm:shape xmlns:r="http://schemas.openxmlformats.org/officeDocument/2006/relationships" type="roundRect" r:blip="">
-                <dgm:adjLst>
-                  <dgm:adj idx="1" val="0.1"/>
-                </dgm:adjLst>
+          <dgm:ruleLst>
+            <dgm:rule type="primFontSz" val="14" fact="NaN" max="NaN"/>
+            <dgm:rule type="h" val="INF" fact="NaN" max="NaN"/>
+          </dgm:ruleLst>
+        </dgm:layoutNode>
+        <dgm:choose name="Name12">
+          <dgm:if name="Name13" axis="ch" ptType="node" func="cnt" op="gte" val="1">
+            <dgm:layoutNode name="desTx" styleLbl="revTx">
+              <dgm:varLst/>
+              <dgm:alg type="tx">
+                <dgm:param type="txAnchorVertCh" val="mid"/>
+                <dgm:param type="parTxLTRAlign" val="l"/>
+                <dgm:param type="shpTxLTRAlignCh" val="l"/>
+                <dgm:param type="parTxRTLAlign" val="r"/>
+                <dgm:param type="shpTxRTLAlignCh" val="r"/>
+                <dgm:param type="stBulletLvl" val="0"/>
+              </dgm:alg>
+              <dgm:shape xmlns:r="http://schemas.openxmlformats.org/officeDocument/2006/relationships" type="rect" r:blip="">
+                <dgm:adjLst/>
               </dgm:shape>
-              <dgm:presOf/>
-              <dgm:constrLst/>
-              <dgm:ruleLst/>
-            </dgm:layoutNode>
-            <dgm:layoutNode name="text" styleLbl="fgAcc0">
-              <dgm:varLst>
-                <dgm:chPref val="3"/>
-              </dgm:varLst>
-              <dgm:alg type="tx"/>
-              <dgm:shape xmlns:r="http://schemas.openxmlformats.org/officeDocument/2006/relationships" type="roundRect" r:blip="">
-                <dgm:adjLst>
-                  <dgm:adj idx="1" val="0.1"/>
-                </dgm:adjLst>
-              </dgm:shape>
-              <dgm:presOf axis="self"/>
+              <dgm:presOf axis="des" ptType="node"/>
               <dgm:constrLst>
-                <dgm:constr type="tMarg" refType="primFontSz" fact="0.3"/>
-                <dgm:constr type="bMarg" refType="primFontSz" fact="0.3"/>
-                <dgm:constr type="lMarg" refType="primFontSz" fact="0.3"/>
-                <dgm:constr type="rMarg" refType="primFontSz" fact="0.3"/>
+                <dgm:constr type="primFontSz" val="18"/>
+                <dgm:constr type="secFontSz" refType="primFontSz"/>
+                <dgm:constr type="lMarg" refType="h" fact="0.3"/>
+                <dgm:constr type="rMarg" refType="h" fact="0.3"/>
+                <dgm:constr type="tMarg" refType="h" fact="0.3"/>
+                <dgm:constr type="bMarg" refType="h" fact="0.3"/>
               </dgm:constrLst>
               <dgm:ruleLst>
-                <dgm:rule type="primFontSz" val="5" fact="NaN" max="NaN"/>
+                <dgm:rule type="primFontSz" val="11" fact="NaN" max="NaN"/>
               </dgm:ruleLst>
             </dgm:layoutNode>
-          </dgm:layoutNode>
-          <dgm:layoutNode name="hierChild2">
-            <dgm:choose name="Name5">
-              <dgm:if name="Name6" func="var" arg="dir" op="equ" val="norm">
-                <dgm:alg type="hierChild">
-                  <dgm:param type="linDir" val="fromL"/>
-                </dgm:alg>
-              </dgm:if>
-              <dgm:else name="Name7">
-                <dgm:alg type="hierChild">
-                  <dgm:param type="linDir" val="fromR"/>
-                </dgm:alg>
-              </dgm:else>
-            </dgm:choose>
-            <dgm:shape xmlns:r="http://schemas.openxmlformats.org/officeDocument/2006/relationships" r:blip="">
-              <dgm:adjLst/>
-            </dgm:shape>
-            <dgm:presOf/>
-            <dgm:constrLst/>
-            <dgm:ruleLst/>
-            <dgm:forEach name="Name8" axis="ch">
-              <dgm:forEach name="Name9" axis="self" ptType="parTrans" cnt="1">
-                <dgm:layoutNode name="Name10">
-                  <dgm:alg type="conn">
-                    <dgm:param type="dim" val="1D"/>
-                    <dgm:param type="endSty" val="noArr"/>
-                    <dgm:param type="connRout" val="bend"/>
-                    <dgm:param type="bendPt" val="end"/>
-                    <dgm:param type="begPts" val="bCtr"/>
-                    <dgm:param type="endPts" val="tCtr"/>
-                    <dgm:param type="srcNode" val="background"/>
-                    <dgm:param type="dstNode" val="background2"/>
-                  </dgm:alg>
-                  <dgm:shape xmlns:r="http://schemas.openxmlformats.org/officeDocument/2006/relationships" type="conn" r:blip="" zOrderOff="-999">
-                    <dgm:adjLst/>
-                  </dgm:shape>
-                  <dgm:presOf axis="self"/>
-                  <dgm:constrLst>
-                    <dgm:constr type="begPad"/>
-                    <dgm:constr type="endPad"/>
-                  </dgm:constrLst>
-                  <dgm:ruleLst/>
-                </dgm:layoutNode>
-              </dgm:forEach>
-              <dgm:forEach name="Name11" axis="self" ptType="node">
-                <dgm:layoutNode name="hierRoot2">
-                  <dgm:alg type="hierRoot"/>
-                  <dgm:shape xmlns:r="http://schemas.openxmlformats.org/officeDocument/2006/relationships" r:blip="">
-                    <dgm:adjLst/>
-                  </dgm:shape>
-                  <dgm:presOf/>
-                  <dgm:constrLst>
-                    <dgm:constr type="bendDist" for="des" ptType="parTrans" refType="sp" fact="0.5"/>
-                  </dgm:constrLst>
-                  <dgm:ruleLst/>
-                  <dgm:layoutNode name="composite2">
-                    <dgm:alg type="composite"/>
-                    <dgm:shape xmlns:r="http://schemas.openxmlformats.org/officeDocument/2006/relationships" r:blip="">
-                      <dgm:adjLst/>
-                    </dgm:shape>
-                    <dgm:presOf/>
-                    <dgm:constrLst>
-                      <dgm:constr type="w" for="ch" forName="background2" refType="w" fact="0.9"/>
-                      <dgm:constr type="h" for="ch" forName="background2" refType="w" refFor="ch" refForName="background2" fact="0.635"/>
-                      <dgm:constr type="t" for="ch" forName="background2"/>
-                      <dgm:constr type="l" for="ch" forName="background2"/>
-                      <dgm:constr type="w" for="ch" forName="text2" refType="w" fact="0.9"/>
-                      <dgm:constr type="h" for="ch" forName="text2" refType="w" refFor="ch" refForName="text2" fact="0.635"/>
-                      <dgm:constr type="t" for="ch" forName="text2" refType="w" fact="0.095"/>
-                      <dgm:constr type="l" for="ch" forName="text2" refType="w" fact="0.1"/>
-                    </dgm:constrLst>
-                    <dgm:ruleLst/>
-                    <dgm:layoutNode name="background2" moveWith="text2">
-                      <dgm:alg type="sp"/>
-                      <dgm:shape xmlns:r="http://schemas.openxmlformats.org/officeDocument/2006/relationships" type="roundRect" r:blip="">
-                        <dgm:adjLst>
-                          <dgm:adj idx="1" val="0.1"/>
-                        </dgm:adjLst>
-                      </dgm:shape>
-                      <dgm:presOf/>
-                      <dgm:constrLst/>
-                      <dgm:ruleLst/>
-                    </dgm:layoutNode>
-                    <dgm:layoutNode name="text2" styleLbl="fgAcc2">
-                      <dgm:varLst>
-                        <dgm:chPref val="3"/>
-                      </dgm:varLst>
-                      <dgm:alg type="tx"/>
-                      <dgm:shape xmlns:r="http://schemas.openxmlformats.org/officeDocument/2006/relationships" type="roundRect" r:blip="">
-                        <dgm:adjLst>
-                          <dgm:adj idx="1" val="0.1"/>
-                        </dgm:adjLst>
-                      </dgm:shape>
-                      <dgm:presOf axis="self"/>
-                      <dgm:constrLst>
-                        <dgm:constr type="tMarg" refType="primFontSz" fact="0.3"/>
-                        <dgm:constr type="bMarg" refType="primFontSz" fact="0.3"/>
-                        <dgm:constr type="lMarg" refType="primFontSz" fact="0.3"/>
-                        <dgm:constr type="rMarg" refType="primFontSz" fact="0.3"/>
-                      </dgm:constrLst>
-                      <dgm:ruleLst>
-                        <dgm:rule type="primFontSz" val="5" fact="NaN" max="NaN"/>
-                      </dgm:ruleLst>
-                    </dgm:layoutNode>
-                  </dgm:layoutNode>
-                  <dgm:layoutNode name="hierChild3">
-                    <dgm:choose name="Name12">
-                      <dgm:if name="Name13" func="var" arg="dir" op="equ" val="norm">
-                        <dgm:alg type="hierChild">
-                          <dgm:param type="linDir" val="fromL"/>
-                        </dgm:alg>
-                      </dgm:if>
-                      <dgm:else name="Name14">
-                        <dgm:alg type="hierChild">
-                          <dgm:param type="linDir" val="fromR"/>
-                        </dgm:alg>
-                      </dgm:else>
-                    </dgm:choose>
-                    <dgm:shape xmlns:r="http://schemas.openxmlformats.org/officeDocument/2006/relationships" r:blip="">
-                      <dgm:adjLst/>
-                    </dgm:shape>
-                    <dgm:presOf/>
-                    <dgm:constrLst/>
-                    <dgm:ruleLst/>
-                    <dgm:forEach name="Name15" axis="ch">
-                      <dgm:forEach name="Name16" axis="self" ptType="parTrans" cnt="1">
-                        <dgm:layoutNode name="Name17">
-                          <dgm:alg type="conn">
-                            <dgm:param type="dim" val="1D"/>
-                            <dgm:param type="endSty" val="noArr"/>
-                            <dgm:param type="connRout" val="bend"/>
-                            <dgm:param type="bendPt" val="end"/>
-                            <dgm:param type="begPts" val="bCtr"/>
-                            <dgm:param type="endPts" val="tCtr"/>
-                            <dgm:param type="srcNode" val="background2"/>
-                            <dgm:param type="dstNode" val="background3"/>
-                          </dgm:alg>
-                          <dgm:shape xmlns:r="http://schemas.openxmlformats.org/officeDocument/2006/relationships" type="conn" r:blip="" zOrderOff="-999">
-                            <dgm:adjLst/>
-                          </dgm:shape>
-                          <dgm:presOf axis="self"/>
-                          <dgm:constrLst>
-                            <dgm:constr type="begPad"/>
-                            <dgm:constr type="endPad"/>
-                          </dgm:constrLst>
-                          <dgm:ruleLst/>
-                        </dgm:layoutNode>
-                      </dgm:forEach>
-                      <dgm:forEach name="Name18" axis="self" ptType="node">
-                        <dgm:layoutNode name="hierRoot3">
-                          <dgm:alg type="hierRoot"/>
-                          <dgm:shape xmlns:r="http://schemas.openxmlformats.org/officeDocument/2006/relationships" r:blip="">
-                            <dgm:adjLst/>
-                          </dgm:shape>
-                          <dgm:presOf/>
-                          <dgm:constrLst>
-                            <dgm:constr type="bendDist" for="des" ptType="parTrans" refType="sp" fact="0.5"/>
-                          </dgm:constrLst>
-                          <dgm:ruleLst/>
-                          <dgm:layoutNode name="composite3">
-                            <dgm:alg type="composite"/>
-                            <dgm:shape xmlns:r="http://schemas.openxmlformats.org/officeDocument/2006/relationships" r:blip="">
-                              <dgm:adjLst/>
-                            </dgm:shape>
-                            <dgm:presOf/>
-                            <dgm:constrLst>
-                              <dgm:constr type="w" for="ch" forName="background3" refType="w" fact="0.9"/>
-                              <dgm:constr type="h" for="ch" forName="background3" refType="w" refFor="ch" refForName="background3" fact="0.635"/>
-                              <dgm:constr type="t" for="ch" forName="background3"/>
-                              <dgm:constr type="l" for="ch" forName="background3"/>
-                              <dgm:constr type="w" for="ch" forName="text3" refType="w" fact="0.9"/>
-                              <dgm:constr type="h" for="ch" forName="text3" refType="w" refFor="ch" refForName="text3" fact="0.635"/>
-                              <dgm:constr type="t" for="ch" forName="text3" refType="w" fact="0.095"/>
-                              <dgm:constr type="l" for="ch" forName="text3" refType="w" fact="0.1"/>
-                            </dgm:constrLst>
-                            <dgm:ruleLst/>
-                            <dgm:layoutNode name="background3" moveWith="text3">
-                              <dgm:alg type="sp"/>
-                              <dgm:shape xmlns:r="http://schemas.openxmlformats.org/officeDocument/2006/relationships" type="roundRect" r:blip="">
-                                <dgm:adjLst>
-                                  <dgm:adj idx="1" val="0.1"/>
-                                </dgm:adjLst>
-                              </dgm:shape>
-                              <dgm:presOf/>
-                              <dgm:constrLst/>
-                              <dgm:ruleLst/>
-                            </dgm:layoutNode>
-                            <dgm:layoutNode name="text3" styleLbl="fgAcc3">
-                              <dgm:varLst>
-                                <dgm:chPref val="3"/>
-                              </dgm:varLst>
-                              <dgm:alg type="tx"/>
-                              <dgm:shape xmlns:r="http://schemas.openxmlformats.org/officeDocument/2006/relationships" type="roundRect" r:blip="">
-                                <dgm:adjLst>
-                                  <dgm:adj idx="1" val="0.1"/>
-                                </dgm:adjLst>
-                              </dgm:shape>
-                              <dgm:presOf axis="self"/>
-                              <dgm:constrLst>
-                                <dgm:constr type="tMarg" refType="primFontSz" fact="0.3"/>
-                                <dgm:constr type="bMarg" refType="primFontSz" fact="0.3"/>
-                                <dgm:constr type="lMarg" refType="primFontSz" fact="0.3"/>
-                                <dgm:constr type="rMarg" refType="primFontSz" fact="0.3"/>
-                              </dgm:constrLst>
-                              <dgm:ruleLst>
-                                <dgm:rule type="primFontSz" val="5" fact="NaN" max="NaN"/>
-                              </dgm:ruleLst>
-                            </dgm:layoutNode>
-                          </dgm:layoutNode>
-                          <dgm:layoutNode name="hierChild4">
-                            <dgm:choose name="Name19">
-                              <dgm:if name="Name20" func="var" arg="dir" op="equ" val="norm">
-                                <dgm:alg type="hierChild">
-                                  <dgm:param type="linDir" val="fromL"/>
-                                </dgm:alg>
-                              </dgm:if>
-                              <dgm:else name="Name21">
-                                <dgm:alg type="hierChild">
-                                  <dgm:param type="linDir" val="fromR"/>
-                                </dgm:alg>
-                              </dgm:else>
-                            </dgm:choose>
-                            <dgm:shape xmlns:r="http://schemas.openxmlformats.org/officeDocument/2006/relationships" r:blip="">
-                              <dgm:adjLst/>
-                            </dgm:shape>
-                            <dgm:presOf/>
-                            <dgm:constrLst/>
-                            <dgm:ruleLst/>
-                            <dgm:forEach name="repeat" axis="ch">
-                              <dgm:forEach name="Name22" axis="self" ptType="parTrans" cnt="1">
-                                <dgm:layoutNode name="Name23">
-                                  <dgm:choose name="Name24">
-                                    <dgm:if name="Name25" axis="self" func="depth" op="lte" val="4">
-                                      <dgm:alg type="conn">
-                                        <dgm:param type="dim" val="1D"/>
-                                        <dgm:param type="endSty" val="noArr"/>
-                                        <dgm:param type="connRout" val="bend"/>
-                                        <dgm:param type="bendPt" val="end"/>
-                                        <dgm:param type="begPts" val="bCtr"/>
-                                        <dgm:param type="endPts" val="tCtr"/>
-                                        <dgm:param type="srcNode" val="background3"/>
-                                        <dgm:param type="dstNode" val="background4"/>
-                                      </dgm:alg>
-                                    </dgm:if>
-                                    <dgm:else name="Name26">
-                                      <dgm:alg type="conn">
-                                        <dgm:param type="dim" val="1D"/>
-                                        <dgm:param type="endSty" val="noArr"/>
-                                        <dgm:param type="connRout" val="bend"/>
-                                        <dgm:param type="bendPt" val="end"/>
-                                        <dgm:param type="begPts" val="bCtr"/>
-                                        <dgm:param type="endPts" val="tCtr"/>
-                                        <dgm:param type="srcNode" val="background4"/>
-                                        <dgm:param type="dstNode" val="background4"/>
-                                      </dgm:alg>
-                                    </dgm:else>
-                                  </dgm:choose>
-                                  <dgm:shape xmlns:r="http://schemas.openxmlformats.org/officeDocument/2006/relationships" type="conn" r:blip="" zOrderOff="-999">
-                                    <dgm:adjLst/>
-                                  </dgm:shape>
-                                  <dgm:presOf axis="self"/>
-                                  <dgm:constrLst>
-                                    <dgm:constr type="begPad"/>
-                                    <dgm:constr type="endPad"/>
-                                  </dgm:constrLst>
-                                  <dgm:ruleLst/>
-                                </dgm:layoutNode>
-                              </dgm:forEach>
-                              <dgm:forEach name="Name27" axis="self" ptType="node">
-                                <dgm:layoutNode name="hierRoot4">
-                                  <dgm:alg type="hierRoot"/>
-                                  <dgm:shape xmlns:r="http://schemas.openxmlformats.org/officeDocument/2006/relationships" r:blip="">
-                                    <dgm:adjLst/>
-                                  </dgm:shape>
-                                  <dgm:presOf/>
-                                  <dgm:constrLst>
-                                    <dgm:constr type="bendDist" for="des" ptType="parTrans" refType="sp" fact="0.5"/>
-                                  </dgm:constrLst>
-                                  <dgm:ruleLst/>
-                                  <dgm:layoutNode name="composite4">
-                                    <dgm:alg type="composite"/>
-                                    <dgm:shape xmlns:r="http://schemas.openxmlformats.org/officeDocument/2006/relationships" r:blip="">
-                                      <dgm:adjLst/>
-                                    </dgm:shape>
-                                    <dgm:presOf/>
-                                    <dgm:constrLst>
-                                      <dgm:constr type="w" for="ch" forName="background4" refType="w" fact="0.9"/>
-                                      <dgm:constr type="h" for="ch" forName="background4" refType="w" refFor="ch" refForName="background4" fact="0.635"/>
-                                      <dgm:constr type="t" for="ch" forName="background4"/>
-                                      <dgm:constr type="l" for="ch" forName="background4"/>
-                                      <dgm:constr type="w" for="ch" forName="text4" refType="w" fact="0.9"/>
-                                      <dgm:constr type="h" for="ch" forName="text4" refType="w" refFor="ch" refForName="text4" fact="0.635"/>
-                                      <dgm:constr type="t" for="ch" forName="text4" refType="w" fact="0.095"/>
-                                      <dgm:constr type="l" for="ch" forName="text4" refType="w" fact="0.1"/>
-                                    </dgm:constrLst>
-                                    <dgm:ruleLst/>
-                                    <dgm:layoutNode name="background4" moveWith="text4">
-                                      <dgm:alg type="sp"/>
-                                      <dgm:shape xmlns:r="http://schemas.openxmlformats.org/officeDocument/2006/relationships" type="roundRect" r:blip="">
-                                        <dgm:adjLst>
-                                          <dgm:adj idx="1" val="0.1"/>
-                                        </dgm:adjLst>
-                                      </dgm:shape>
-                                      <dgm:presOf/>
-                                      <dgm:constrLst/>
-                                      <dgm:ruleLst/>
-                                    </dgm:layoutNode>
-                                    <dgm:layoutNode name="text4" styleLbl="fgAcc4">
-                                      <dgm:varLst>
-                                        <dgm:chPref val="3"/>
-                                      </dgm:varLst>
-                                      <dgm:alg type="tx"/>
-                                      <dgm:shape xmlns:r="http://schemas.openxmlformats.org/officeDocument/2006/relationships" type="roundRect" r:blip="">
-                                        <dgm:adjLst>
-                                          <dgm:adj idx="1" val="0.1"/>
-                                        </dgm:adjLst>
-                                      </dgm:shape>
-                                      <dgm:presOf axis="self"/>
-                                      <dgm:constrLst>
-                                        <dgm:constr type="tMarg" refType="primFontSz" fact="0.3"/>
-                                        <dgm:constr type="bMarg" refType="primFontSz" fact="0.3"/>
-                                        <dgm:constr type="lMarg" refType="primFontSz" fact="0.3"/>
-                                        <dgm:constr type="rMarg" refType="primFontSz" fact="0.3"/>
-                                      </dgm:constrLst>
-                                      <dgm:ruleLst>
-                                        <dgm:rule type="primFontSz" val="5" fact="NaN" max="NaN"/>
-                                      </dgm:ruleLst>
-                                    </dgm:layoutNode>
-                                  </dgm:layoutNode>
-                                  <dgm:layoutNode name="hierChild5">
-                                    <dgm:choose name="Name28">
-                                      <dgm:if name="Name29" func="var" arg="dir" op="equ" val="norm">
-                                        <dgm:alg type="hierChild">
-                                          <dgm:param type="linDir" val="fromL"/>
-                                        </dgm:alg>
-                                      </dgm:if>
-                                      <dgm:else name="Name30">
-                                        <dgm:alg type="hierChild">
-                                          <dgm:param type="linDir" val="fromR"/>
-                                        </dgm:alg>
-                                      </dgm:else>
-                                    </dgm:choose>
-                                    <dgm:shape xmlns:r="http://schemas.openxmlformats.org/officeDocument/2006/relationships" r:blip="">
-                                      <dgm:adjLst/>
-                                    </dgm:shape>
-                                    <dgm:presOf/>
-                                    <dgm:constrLst/>
-                                    <dgm:ruleLst/>
-                                    <dgm:forEach name="Name31" ref="repeat"/>
-                                  </dgm:layoutNode>
-                                </dgm:layoutNode>
-                              </dgm:forEach>
-                            </dgm:forEach>
-                          </dgm:layoutNode>
-                        </dgm:layoutNode>
-                      </dgm:forEach>
-                    </dgm:forEach>
-                  </dgm:layoutNode>
-                </dgm:layoutNode>
-              </dgm:forEach>
-            </dgm:forEach>
-          </dgm:layoutNode>
+          </dgm:if>
+          <dgm:else name="Name14"/>
+        </dgm:choose>
+      </dgm:layoutNode>
+      <dgm:forEach name="Name15" axis="followSib" ptType="sibTrans" cnt="1">
+        <dgm:layoutNode name="sibTrans">
+          <dgm:alg type="sp"/>
+          <dgm:shape xmlns:r="http://schemas.openxmlformats.org/officeDocument/2006/relationships" r:blip="">
+            <dgm:adjLst/>
+          </dgm:shape>
+          <dgm:presOf axis="self"/>
+          <dgm:constrLst/>
+          <dgm:ruleLst/>
         </dgm:layoutNode>
       </dgm:forEach>
     </dgm:forEach>
   </dgm:layoutNode>
+  <dgm:extLst>
+    <a:ext uri="{68A01E43-0DF5-4B5B-8FA6-DAF915123BFB}">
+      <dgm1612:lstStyle xmlns:dgm1612="http://schemas.microsoft.com/office/drawing/2016/12/diagram">
+        <a:lvl1pPr>
+          <a:lnSpc>
+            <a:spcPct val="100000"/>
+          </a:lnSpc>
+        </a:lvl1pPr>
+        <a:lvl2pPr>
+          <a:lnSpc>
+            <a:spcPct val="100000"/>
+          </a:lnSpc>
+        </a:lvl2pPr>
+      </dgm1612:lstStyle>
+    </a:ext>
+  </dgm:extLst>
 </dgm:layoutDef>
 </file>
 
@@ -16371,7 +16419,7 @@
             <a:fld id="{5923F103-BC34-4FE4-A40E-EDDEECFDA5D0}" type="datetimeFigureOut">
               <a:rPr lang="en-US" dirty="0"/>
               <a:pPr/>
-              <a:t>10/14/19</a:t>
+              <a:t>3/5/20</a:t>
             </a:fld>
             <a:endParaRPr lang="en-US" dirty="0"/>
           </a:p>
@@ -17455,7 +17503,7 @@
           <a:p>
             <a:fld id="{923A1CC3-2375-41D4-9E03-427CAF2A4C1A}" type="datetimeFigureOut">
               <a:rPr lang="en-US" dirty="0"/>
-              <a:t>10/14/19</a:t>
+              <a:t>3/5/20</a:t>
             </a:fld>
             <a:endParaRPr lang="en-US" dirty="0"/>
           </a:p>
@@ -18431,7 +18479,7 @@
           <a:p>
             <a:fld id="{AFF16868-8199-4C2C-A5B1-63AEE139F88E}" type="datetimeFigureOut">
               <a:rPr lang="en-US" dirty="0"/>
-              <a:t>10/14/19</a:t>
+              <a:t>3/5/20</a:t>
             </a:fld>
             <a:endParaRPr lang="en-US" dirty="0"/>
           </a:p>
@@ -19561,7 +19609,7 @@
           <a:p>
             <a:fld id="{AAD9FF7F-6988-44CC-821B-644E70CD2F73}" type="datetimeFigureOut">
               <a:rPr lang="en-US" dirty="0"/>
-              <a:t>10/14/19</a:t>
+              <a:t>3/5/20</a:t>
             </a:fld>
             <a:endParaRPr lang="en-US" dirty="0"/>
           </a:p>
@@ -20590,7 +20638,7 @@
           <a:p>
             <a:fld id="{5C12C299-16B2-4475-990D-751901EACC14}" type="datetimeFigureOut">
               <a:rPr lang="en-US" dirty="0"/>
-              <a:t>10/14/19</a:t>
+              <a:t>3/5/20</a:t>
             </a:fld>
             <a:endParaRPr lang="en-US" dirty="0"/>
           </a:p>
@@ -21246,7 +21294,7 @@
           <a:p>
             <a:fld id="{9FE86839-B9D8-4651-8783-F325ECE74E65}" type="datetimeFigureOut">
               <a:rPr lang="en-US" dirty="0"/>
-              <a:t>10/14/19</a:t>
+              <a:t>3/5/20</a:t>
             </a:fld>
             <a:endParaRPr lang="en-US" dirty="0"/>
           </a:p>
@@ -22103,7 +22151,7 @@
           <a:p>
             <a:fld id="{FD484F64-32F6-45C5-931F-ADC1662401D0}" type="datetimeFigureOut">
               <a:rPr lang="en-US" dirty="0"/>
-              <a:t>10/14/19</a:t>
+              <a:t>3/5/20</a:t>
             </a:fld>
             <a:endParaRPr lang="en-US" dirty="0"/>
           </a:p>
@@ -22289,7 +22337,7 @@
           <a:p>
             <a:fld id="{53086D93-FCAC-47E0-A2EE-787E62CA814C}" type="datetimeFigureOut">
               <a:rPr lang="en-US" dirty="0"/>
-              <a:t>10/14/19</a:t>
+              <a:t>3/5/20</a:t>
             </a:fld>
             <a:endParaRPr lang="en-US" dirty="0"/>
           </a:p>
@@ -23257,7 +23305,7 @@
           <a:p>
             <a:fld id="{CDA879A6-0FD0-4734-A311-86BFCA472E6E}" type="datetimeFigureOut">
               <a:rPr lang="en-US" dirty="0"/>
-              <a:t>10/14/19</a:t>
+              <a:t>3/5/20</a:t>
             </a:fld>
             <a:endParaRPr lang="en-US" dirty="0"/>
           </a:p>
@@ -23464,7 +23512,7 @@
           <a:p>
             <a:fld id="{19C9CA7B-DFD4-44B5-8C60-D14B8CD1FB59}" type="datetimeFigureOut">
               <a:rPr lang="en-US" dirty="0"/>
-              <a:t>10/14/19</a:t>
+              <a:t>3/5/20</a:t>
             </a:fld>
             <a:endParaRPr lang="en-US" dirty="0"/>
           </a:p>
@@ -24494,7 +24542,7 @@
           <a:p>
             <a:fld id="{F34E6425-0181-43F2-84FC-787E803FD2F8}" type="datetimeFigureOut">
               <a:rPr lang="en-US" dirty="0"/>
-              <a:t>10/14/19</a:t>
+              <a:t>3/5/20</a:t>
             </a:fld>
             <a:endParaRPr lang="en-US" dirty="0"/>
           </a:p>
@@ -24762,7 +24810,7 @@
           <a:p>
             <a:fld id="{3BDB8791-F1B0-41E7-B7FD-A781E65C4266}" type="datetimeFigureOut">
               <a:rPr lang="en-US" dirty="0"/>
-              <a:t>10/14/19</a:t>
+              <a:t>3/5/20</a:t>
             </a:fld>
             <a:endParaRPr lang="en-US" dirty="0"/>
           </a:p>
@@ -25168,7 +25216,7 @@
           <a:p>
             <a:fld id="{5FDD63B2-E120-4ED8-B27B-C685F510A5FE}" type="datetimeFigureOut">
               <a:rPr lang="en-US" dirty="0"/>
-              <a:t>10/14/19</a:t>
+              <a:t>3/5/20</a:t>
             </a:fld>
             <a:endParaRPr lang="en-US" dirty="0"/>
           </a:p>
@@ -25291,7 +25339,7 @@
           <a:p>
             <a:fld id="{7AA18ACC-A947-437B-A130-35BD54FDF1E9}" type="datetimeFigureOut">
               <a:rPr lang="en-US" dirty="0"/>
-              <a:t>10/14/19</a:t>
+              <a:t>3/5/20</a:t>
             </a:fld>
             <a:endParaRPr lang="en-US" dirty="0"/>
           </a:p>
@@ -25382,7 +25430,7 @@
           <a:p>
             <a:fld id="{7C8D7E02-BCB8-4D50-A234-369438C08659}" type="datetimeFigureOut">
               <a:rPr lang="en-US" dirty="0"/>
-              <a:t>10/14/19</a:t>
+              <a:t>3/5/20</a:t>
             </a:fld>
             <a:endParaRPr lang="en-US" dirty="0"/>
           </a:p>
@@ -26459,7 +26507,7 @@
           <a:p>
             <a:fld id="{76E86A4C-8E40-4F87-A4F0-01A0687C5742}" type="datetimeFigureOut">
               <a:rPr lang="en-US" dirty="0"/>
-              <a:t>10/14/19</a:t>
+              <a:t>3/5/20</a:t>
             </a:fld>
             <a:endParaRPr lang="en-US" dirty="0"/>
           </a:p>
@@ -27563,7 +27611,7 @@
           <a:p>
             <a:fld id="{35E72C73-2D91-4E12-BA25-F0AA0C03599B}" type="datetimeFigureOut">
               <a:rPr lang="en-US" dirty="0"/>
-              <a:t>10/14/19</a:t>
+              <a:t>3/5/20</a:t>
             </a:fld>
             <a:endParaRPr lang="en-US" dirty="0"/>
           </a:p>
@@ -28556,7 +28604,7 @@
           <a:p>
             <a:fld id="{2BE451C3-0FF4-47C4-B829-773ADF60F88C}" type="datetimeFigureOut">
               <a:rPr lang="en-US" dirty="0"/>
-              <a:t>10/14/19</a:t>
+              <a:t>3/5/20</a:t>
             </a:fld>
             <a:endParaRPr lang="en-US" dirty="0"/>
           </a:p>
@@ -29131,7 +29179,7 @@
         <p:spPr>
           <a:xfrm>
             <a:off x="1683171" y="1432855"/>
-            <a:ext cx="8825658" cy="3992290"/>
+            <a:ext cx="7040205" cy="3992290"/>
           </a:xfrm>
         </p:spPr>
         <p:txBody>
@@ -29153,6 +29201,69 @@
           </a:p>
         </p:txBody>
       </p:sp>
+      <p:sp>
+        <p:nvSpPr>
+          <p:cNvPr id="3" name="Rectangle 2">
+            <a:extLst>
+              <a:ext uri="{FF2B5EF4-FFF2-40B4-BE49-F238E27FC236}">
+                <a16:creationId xmlns:a16="http://schemas.microsoft.com/office/drawing/2014/main" id="{AAD803B2-418E-9E42-AC49-F041687C7994}"/>
+              </a:ext>
+            </a:extLst>
+          </p:cNvPr>
+          <p:cNvSpPr/>
+          <p:nvPr/>
+        </p:nvSpPr>
+        <p:spPr>
+          <a:xfrm>
+            <a:off x="8348472" y="4501815"/>
+            <a:ext cx="2251797" cy="923330"/>
+          </a:xfrm>
+          <a:prstGeom prst="rect">
+            <a:avLst/>
+          </a:prstGeom>
+        </p:spPr>
+        <p:txBody>
+          <a:bodyPr wrap="square">
+            <a:spAutoFit/>
+          </a:bodyPr>
+          <a:lstStyle/>
+          <a:p>
+            <a:r>
+              <a:rPr lang="en-US" b="0" dirty="0">
+                <a:solidFill>
+                  <a:srgbClr val="D4D4D4"/>
+                </a:solidFill>
+                <a:effectLst/>
+                <a:latin typeface="Courier New" panose="02070309020205020404" pitchFamily="49" charset="0"/>
+              </a:rPr>
+              <a:t>Daniel Byrne</a:t>
+            </a:r>
+          </a:p>
+          <a:p>
+            <a:r>
+              <a:rPr lang="en-US" dirty="0">
+                <a:solidFill>
+                  <a:srgbClr val="D4D4D4"/>
+                </a:solidFill>
+                <a:latin typeface="Courier New" panose="02070309020205020404" pitchFamily="49" charset="0"/>
+              </a:rPr>
+              <a:t>Joanna Duran</a:t>
+            </a:r>
+          </a:p>
+          <a:p>
+            <a:r>
+              <a:rPr lang="en-US" b="0" dirty="0">
+                <a:solidFill>
+                  <a:srgbClr val="D4D4D4"/>
+                </a:solidFill>
+                <a:effectLst/>
+                <a:latin typeface="Courier New" panose="02070309020205020404" pitchFamily="49" charset="0"/>
+              </a:rPr>
+              <a:t>Stacey Smith</a:t>
+            </a:r>
+          </a:p>
+        </p:txBody>
+      </p:sp>
     </p:spTree>
     <p:extLst>
       <p:ext uri="{BB962C8B-B14F-4D97-AF65-F5344CB8AC3E}">
@@ -29167,965 +29278,6 @@
 </file>
 
 <file path=ppt/slides/slide10.xml><?xml version="1.0" encoding="utf-8"?>
-<p:sld xmlns:a="http://schemas.openxmlformats.org/drawingml/2006/main" xmlns:r="http://schemas.openxmlformats.org/officeDocument/2006/relationships" xmlns:p="http://schemas.openxmlformats.org/presentationml/2006/main">
-  <p:cSld>
-    <p:spTree>
-      <p:nvGrpSpPr>
-        <p:cNvPr id="1" name=""/>
-        <p:cNvGrpSpPr/>
-        <p:nvPr/>
-      </p:nvGrpSpPr>
-      <p:grpSpPr>
-        <a:xfrm>
-          <a:off x="0" y="0"/>
-          <a:ext cx="0" cy="0"/>
-          <a:chOff x="0" y="0"/>
-          <a:chExt cx="0" cy="0"/>
-        </a:xfrm>
-      </p:grpSpPr>
-      <p:sp>
-        <p:nvSpPr>
-          <p:cNvPr id="2" name="Title 1">
-            <a:extLst>
-              <a:ext uri="{FF2B5EF4-FFF2-40B4-BE49-F238E27FC236}">
-                <a16:creationId xmlns:a16="http://schemas.microsoft.com/office/drawing/2014/main" id="{0E29F8A4-1210-3948-9FC0-F389A693FAF5}"/>
-              </a:ext>
-            </a:extLst>
-          </p:cNvPr>
-          <p:cNvSpPr>
-            <a:spLocks noGrp="1"/>
-          </p:cNvSpPr>
-          <p:nvPr>
-            <p:ph type="title"/>
-          </p:nvPr>
-        </p:nvSpPr>
-        <p:spPr/>
-        <p:txBody>
-          <a:bodyPr/>
-          <a:lstStyle/>
-          <a:p>
-            <a:r>
-              <a:rPr lang="en-US" dirty="0"/>
-              <a:t>Sparse Layer</a:t>
-            </a:r>
-          </a:p>
-        </p:txBody>
-      </p:sp>
-      <p:grpSp>
-        <p:nvGrpSpPr>
-          <p:cNvPr id="14" name="Group 13">
-            <a:extLst>
-              <a:ext uri="{FF2B5EF4-FFF2-40B4-BE49-F238E27FC236}">
-                <a16:creationId xmlns:a16="http://schemas.microsoft.com/office/drawing/2014/main" id="{654487B3-C548-2348-A920-08E0F3ECB361}"/>
-              </a:ext>
-            </a:extLst>
-          </p:cNvPr>
-          <p:cNvGrpSpPr/>
-          <p:nvPr/>
-        </p:nvGrpSpPr>
-        <p:grpSpPr>
-          <a:xfrm>
-            <a:off x="2326341" y="2622176"/>
-            <a:ext cx="5073919" cy="3424768"/>
-            <a:chOff x="2326341" y="2622176"/>
-            <a:chExt cx="5073919" cy="3424768"/>
-          </a:xfrm>
-        </p:grpSpPr>
-        <p:sp>
-          <p:nvSpPr>
-            <p:cNvPr id="4" name="Oval 3">
-              <a:extLst>
-                <a:ext uri="{FF2B5EF4-FFF2-40B4-BE49-F238E27FC236}">
-                  <a16:creationId xmlns:a16="http://schemas.microsoft.com/office/drawing/2014/main" id="{304DE99B-EDF5-AF41-A0B7-B66744265D69}"/>
-                </a:ext>
-              </a:extLst>
-            </p:cNvPr>
-            <p:cNvSpPr/>
-            <p:nvPr/>
-          </p:nvSpPr>
-          <p:spPr>
-            <a:xfrm>
-              <a:off x="2330821" y="2971800"/>
-              <a:ext cx="914400" cy="914400"/>
-            </a:xfrm>
-            <a:prstGeom prst="ellipse">
-              <a:avLst/>
-            </a:prstGeom>
-          </p:spPr>
-          <p:style>
-            <a:lnRef idx="2">
-              <a:schemeClr val="accent1">
-                <a:shade val="50000"/>
-              </a:schemeClr>
-            </a:lnRef>
-            <a:fillRef idx="1">
-              <a:schemeClr val="accent1"/>
-            </a:fillRef>
-            <a:effectRef idx="0">
-              <a:schemeClr val="accent1"/>
-            </a:effectRef>
-            <a:fontRef idx="minor">
-              <a:schemeClr val="lt1"/>
-            </a:fontRef>
-          </p:style>
-          <p:txBody>
-            <a:bodyPr rtlCol="0" anchor="ctr"/>
-            <a:lstStyle/>
-            <a:p>
-              <a:pPr algn="ctr"/>
-              <a:endParaRPr lang="en-US"/>
-            </a:p>
-          </p:txBody>
-        </p:sp>
-        <p:sp>
-          <p:nvSpPr>
-            <p:cNvPr id="5" name="Oval 4">
-              <a:extLst>
-                <a:ext uri="{FF2B5EF4-FFF2-40B4-BE49-F238E27FC236}">
-                  <a16:creationId xmlns:a16="http://schemas.microsoft.com/office/drawing/2014/main" id="{563CEB4D-A9D5-F44C-A214-CA179299315E}"/>
-                </a:ext>
-              </a:extLst>
-            </p:cNvPr>
-            <p:cNvSpPr/>
-            <p:nvPr/>
-          </p:nvSpPr>
-          <p:spPr>
-            <a:xfrm>
-              <a:off x="2326341" y="5132544"/>
-              <a:ext cx="914400" cy="914400"/>
-            </a:xfrm>
-            <a:prstGeom prst="ellipse">
-              <a:avLst/>
-            </a:prstGeom>
-          </p:spPr>
-          <p:style>
-            <a:lnRef idx="2">
-              <a:schemeClr val="accent1">
-                <a:shade val="50000"/>
-              </a:schemeClr>
-            </a:lnRef>
-            <a:fillRef idx="1">
-              <a:schemeClr val="accent1"/>
-            </a:fillRef>
-            <a:effectRef idx="0">
-              <a:schemeClr val="accent1"/>
-            </a:effectRef>
-            <a:fontRef idx="minor">
-              <a:schemeClr val="lt1"/>
-            </a:fontRef>
-          </p:style>
-          <p:txBody>
-            <a:bodyPr rtlCol="0" anchor="ctr"/>
-            <a:lstStyle/>
-            <a:p>
-              <a:pPr algn="ctr"/>
-              <a:endParaRPr lang="en-US"/>
-            </a:p>
-          </p:txBody>
-        </p:sp>
-        <p:sp>
-          <p:nvSpPr>
-            <p:cNvPr id="6" name="Oval 5">
-              <a:extLst>
-                <a:ext uri="{FF2B5EF4-FFF2-40B4-BE49-F238E27FC236}">
-                  <a16:creationId xmlns:a16="http://schemas.microsoft.com/office/drawing/2014/main" id="{D9D1CCBA-64E4-FB41-81C0-A3F78AB456D7}"/>
-                </a:ext>
-              </a:extLst>
-            </p:cNvPr>
-            <p:cNvSpPr/>
-            <p:nvPr/>
-          </p:nvSpPr>
-          <p:spPr>
-            <a:xfrm>
-              <a:off x="5450541" y="3886200"/>
-              <a:ext cx="914400" cy="914400"/>
-            </a:xfrm>
-            <a:prstGeom prst="ellipse">
-              <a:avLst/>
-            </a:prstGeom>
-          </p:spPr>
-          <p:style>
-            <a:lnRef idx="2">
-              <a:schemeClr val="accent1">
-                <a:shade val="50000"/>
-              </a:schemeClr>
-            </a:lnRef>
-            <a:fillRef idx="1">
-              <a:schemeClr val="accent1"/>
-            </a:fillRef>
-            <a:effectRef idx="0">
-              <a:schemeClr val="accent1"/>
-            </a:effectRef>
-            <a:fontRef idx="minor">
-              <a:schemeClr val="lt1"/>
-            </a:fontRef>
-          </p:style>
-          <p:txBody>
-            <a:bodyPr rtlCol="0" anchor="ctr"/>
-            <a:lstStyle/>
-            <a:p>
-              <a:pPr algn="ctr"/>
-              <a:endParaRPr lang="en-US"/>
-            </a:p>
-          </p:txBody>
-        </p:sp>
-        <p:sp>
-          <p:nvSpPr>
-            <p:cNvPr id="7" name="Oval 6">
-              <a:extLst>
-                <a:ext uri="{FF2B5EF4-FFF2-40B4-BE49-F238E27FC236}">
-                  <a16:creationId xmlns:a16="http://schemas.microsoft.com/office/drawing/2014/main" id="{8C1555CF-C79D-8F4F-8437-75EDE2800F0D}"/>
-                </a:ext>
-              </a:extLst>
-            </p:cNvPr>
-            <p:cNvSpPr/>
-            <p:nvPr/>
-          </p:nvSpPr>
-          <p:spPr>
-            <a:xfrm>
-              <a:off x="5450541" y="5132544"/>
-              <a:ext cx="914400" cy="914400"/>
-            </a:xfrm>
-            <a:prstGeom prst="ellipse">
-              <a:avLst/>
-            </a:prstGeom>
-          </p:spPr>
-          <p:style>
-            <a:lnRef idx="2">
-              <a:schemeClr val="accent1">
-                <a:shade val="50000"/>
-              </a:schemeClr>
-            </a:lnRef>
-            <a:fillRef idx="1">
-              <a:schemeClr val="accent1"/>
-            </a:fillRef>
-            <a:effectRef idx="0">
-              <a:schemeClr val="accent1"/>
-            </a:effectRef>
-            <a:fontRef idx="minor">
-              <a:schemeClr val="lt1"/>
-            </a:fontRef>
-          </p:style>
-          <p:txBody>
-            <a:bodyPr rtlCol="0" anchor="ctr"/>
-            <a:lstStyle/>
-            <a:p>
-              <a:pPr algn="ctr"/>
-              <a:endParaRPr lang="en-US"/>
-            </a:p>
-          </p:txBody>
-        </p:sp>
-        <p:sp>
-          <p:nvSpPr>
-            <p:cNvPr id="8" name="Oval 7">
-              <a:extLst>
-                <a:ext uri="{FF2B5EF4-FFF2-40B4-BE49-F238E27FC236}">
-                  <a16:creationId xmlns:a16="http://schemas.microsoft.com/office/drawing/2014/main" id="{6EBB2AE9-3F17-A14B-83C5-A01DC430C03E}"/>
-                </a:ext>
-              </a:extLst>
-            </p:cNvPr>
-            <p:cNvSpPr/>
-            <p:nvPr/>
-          </p:nvSpPr>
-          <p:spPr>
-            <a:xfrm>
-              <a:off x="5450541" y="2629958"/>
-              <a:ext cx="914400" cy="914400"/>
-            </a:xfrm>
-            <a:prstGeom prst="ellipse">
-              <a:avLst/>
-            </a:prstGeom>
-          </p:spPr>
-          <p:style>
-            <a:lnRef idx="2">
-              <a:schemeClr val="accent1">
-                <a:shade val="50000"/>
-              </a:schemeClr>
-            </a:lnRef>
-            <a:fillRef idx="1">
-              <a:schemeClr val="accent1"/>
-            </a:fillRef>
-            <a:effectRef idx="0">
-              <a:schemeClr val="accent1"/>
-            </a:effectRef>
-            <a:fontRef idx="minor">
-              <a:schemeClr val="lt1"/>
-            </a:fontRef>
-          </p:style>
-          <p:txBody>
-            <a:bodyPr rtlCol="0" anchor="ctr"/>
-            <a:lstStyle/>
-            <a:p>
-              <a:pPr algn="ctr"/>
-              <a:endParaRPr lang="en-US"/>
-            </a:p>
-          </p:txBody>
-        </p:sp>
-        <p:sp>
-          <p:nvSpPr>
-            <p:cNvPr id="9" name="Oval 8">
-              <a:extLst>
-                <a:ext uri="{FF2B5EF4-FFF2-40B4-BE49-F238E27FC236}">
-                  <a16:creationId xmlns:a16="http://schemas.microsoft.com/office/drawing/2014/main" id="{22E0B236-C6FA-FB42-A5E2-226464EDB9B0}"/>
-                </a:ext>
-              </a:extLst>
-            </p:cNvPr>
-            <p:cNvSpPr/>
-            <p:nvPr/>
-          </p:nvSpPr>
-          <p:spPr>
-            <a:xfrm>
-              <a:off x="3931023" y="3859056"/>
-              <a:ext cx="914400" cy="914400"/>
-            </a:xfrm>
-            <a:prstGeom prst="ellipse">
-              <a:avLst/>
-            </a:prstGeom>
-          </p:spPr>
-          <p:style>
-            <a:lnRef idx="2">
-              <a:schemeClr val="accent1">
-                <a:shade val="50000"/>
-              </a:schemeClr>
-            </a:lnRef>
-            <a:fillRef idx="1">
-              <a:schemeClr val="accent1"/>
-            </a:fillRef>
-            <a:effectRef idx="0">
-              <a:schemeClr val="accent1"/>
-            </a:effectRef>
-            <a:fontRef idx="minor">
-              <a:schemeClr val="lt1"/>
-            </a:fontRef>
-          </p:style>
-          <p:txBody>
-            <a:bodyPr rtlCol="0" anchor="ctr"/>
-            <a:lstStyle/>
-            <a:p>
-              <a:pPr algn="ctr"/>
-              <a:endParaRPr lang="en-US"/>
-            </a:p>
-          </p:txBody>
-        </p:sp>
-        <p:sp>
-          <p:nvSpPr>
-            <p:cNvPr id="10" name="Oval 9">
-              <a:extLst>
-                <a:ext uri="{FF2B5EF4-FFF2-40B4-BE49-F238E27FC236}">
-                  <a16:creationId xmlns:a16="http://schemas.microsoft.com/office/drawing/2014/main" id="{CB3218E9-89D7-3B40-81F8-D8F03CC9B36D}"/>
-                </a:ext>
-              </a:extLst>
-            </p:cNvPr>
-            <p:cNvSpPr/>
-            <p:nvPr/>
-          </p:nvSpPr>
-          <p:spPr>
-            <a:xfrm>
-              <a:off x="3989294" y="5132544"/>
-              <a:ext cx="914400" cy="914400"/>
-            </a:xfrm>
-            <a:prstGeom prst="ellipse">
-              <a:avLst/>
-            </a:prstGeom>
-          </p:spPr>
-          <p:style>
-            <a:lnRef idx="2">
-              <a:schemeClr val="accent1">
-                <a:shade val="50000"/>
-              </a:schemeClr>
-            </a:lnRef>
-            <a:fillRef idx="1">
-              <a:schemeClr val="accent1"/>
-            </a:fillRef>
-            <a:effectRef idx="0">
-              <a:schemeClr val="accent1"/>
-            </a:effectRef>
-            <a:fontRef idx="minor">
-              <a:schemeClr val="lt1"/>
-            </a:fontRef>
-          </p:style>
-          <p:txBody>
-            <a:bodyPr rtlCol="0" anchor="ctr"/>
-            <a:lstStyle/>
-            <a:p>
-              <a:pPr algn="ctr"/>
-              <a:endParaRPr lang="en-US"/>
-            </a:p>
-          </p:txBody>
-        </p:sp>
-        <p:sp>
-          <p:nvSpPr>
-            <p:cNvPr id="11" name="Oval 10">
-              <a:extLst>
-                <a:ext uri="{FF2B5EF4-FFF2-40B4-BE49-F238E27FC236}">
-                  <a16:creationId xmlns:a16="http://schemas.microsoft.com/office/drawing/2014/main" id="{DA86EB4E-8F33-4749-BABA-BA57095706FD}"/>
-                </a:ext>
-              </a:extLst>
-            </p:cNvPr>
-            <p:cNvSpPr/>
-            <p:nvPr/>
-          </p:nvSpPr>
-          <p:spPr>
-            <a:xfrm>
-              <a:off x="3989294" y="2622176"/>
-              <a:ext cx="914400" cy="914400"/>
-            </a:xfrm>
-            <a:prstGeom prst="ellipse">
-              <a:avLst/>
-            </a:prstGeom>
-          </p:spPr>
-          <p:style>
-            <a:lnRef idx="2">
-              <a:schemeClr val="accent1">
-                <a:shade val="50000"/>
-              </a:schemeClr>
-            </a:lnRef>
-            <a:fillRef idx="1">
-              <a:schemeClr val="accent1"/>
-            </a:fillRef>
-            <a:effectRef idx="0">
-              <a:schemeClr val="accent1"/>
-            </a:effectRef>
-            <a:fontRef idx="minor">
-              <a:schemeClr val="lt1"/>
-            </a:fontRef>
-          </p:style>
-          <p:txBody>
-            <a:bodyPr rtlCol="0" anchor="ctr"/>
-            <a:lstStyle/>
-            <a:p>
-              <a:pPr algn="ctr"/>
-              <a:endParaRPr lang="en-US"/>
-            </a:p>
-          </p:txBody>
-        </p:sp>
-        <p:cxnSp>
-          <p:nvCxnSpPr>
-            <p:cNvPr id="13" name="Straight Connector 12">
-              <a:extLst>
-                <a:ext uri="{FF2B5EF4-FFF2-40B4-BE49-F238E27FC236}">
-                  <a16:creationId xmlns:a16="http://schemas.microsoft.com/office/drawing/2014/main" id="{8327A64B-240E-A647-9F70-A2E151E8DC48}"/>
-                </a:ext>
-              </a:extLst>
-            </p:cNvPr>
-            <p:cNvCxnSpPr>
-              <a:cxnSpLocks/>
-              <a:stCxn id="4" idx="6"/>
-              <a:endCxn id="11" idx="2"/>
-            </p:cNvCxnSpPr>
-            <p:nvPr/>
-          </p:nvCxnSpPr>
-          <p:spPr>
-            <a:xfrm flipV="1">
-              <a:off x="3245221" y="3079376"/>
-              <a:ext cx="744073" cy="349624"/>
-            </a:xfrm>
-            <a:prstGeom prst="line">
-              <a:avLst/>
-            </a:prstGeom>
-          </p:spPr>
-          <p:style>
-            <a:lnRef idx="1">
-              <a:schemeClr val="accent1"/>
-            </a:lnRef>
-            <a:fillRef idx="0">
-              <a:schemeClr val="accent1"/>
-            </a:fillRef>
-            <a:effectRef idx="0">
-              <a:schemeClr val="accent1"/>
-            </a:effectRef>
-            <a:fontRef idx="minor">
-              <a:schemeClr val="tx1"/>
-            </a:fontRef>
-          </p:style>
-        </p:cxnSp>
-        <p:cxnSp>
-          <p:nvCxnSpPr>
-            <p:cNvPr id="15" name="Straight Connector 14">
-              <a:extLst>
-                <a:ext uri="{FF2B5EF4-FFF2-40B4-BE49-F238E27FC236}">
-                  <a16:creationId xmlns:a16="http://schemas.microsoft.com/office/drawing/2014/main" id="{0971D0BB-6DD7-084A-A451-41FAE5C9AC5E}"/>
-                </a:ext>
-              </a:extLst>
-            </p:cNvPr>
-            <p:cNvCxnSpPr>
-              <a:stCxn id="11" idx="6"/>
-              <a:endCxn id="8" idx="2"/>
-            </p:cNvCxnSpPr>
-            <p:nvPr/>
-          </p:nvCxnSpPr>
-          <p:spPr>
-            <a:xfrm>
-              <a:off x="4903694" y="3079376"/>
-              <a:ext cx="546847" cy="7782"/>
-            </a:xfrm>
-            <a:prstGeom prst="line">
-              <a:avLst/>
-            </a:prstGeom>
-          </p:spPr>
-          <p:style>
-            <a:lnRef idx="1">
-              <a:schemeClr val="accent1"/>
-            </a:lnRef>
-            <a:fillRef idx="0">
-              <a:schemeClr val="accent1"/>
-            </a:fillRef>
-            <a:effectRef idx="0">
-              <a:schemeClr val="accent1"/>
-            </a:effectRef>
-            <a:fontRef idx="minor">
-              <a:schemeClr val="tx1"/>
-            </a:fontRef>
-          </p:style>
-        </p:cxnSp>
-        <p:cxnSp>
-          <p:nvCxnSpPr>
-            <p:cNvPr id="16" name="Straight Connector 15">
-              <a:extLst>
-                <a:ext uri="{FF2B5EF4-FFF2-40B4-BE49-F238E27FC236}">
-                  <a16:creationId xmlns:a16="http://schemas.microsoft.com/office/drawing/2014/main" id="{381519D0-4FF1-BA48-B6E3-F4008F3A0D75}"/>
-                </a:ext>
-              </a:extLst>
-            </p:cNvPr>
-            <p:cNvCxnSpPr>
-              <a:cxnSpLocks/>
-              <a:endCxn id="6" idx="2"/>
-            </p:cNvCxnSpPr>
-            <p:nvPr/>
-          </p:nvCxnSpPr>
-          <p:spPr>
-            <a:xfrm>
-              <a:off x="4845423" y="4339509"/>
-              <a:ext cx="605118" cy="3891"/>
-            </a:xfrm>
-            <a:prstGeom prst="line">
-              <a:avLst/>
-            </a:prstGeom>
-          </p:spPr>
-          <p:style>
-            <a:lnRef idx="1">
-              <a:schemeClr val="accent1"/>
-            </a:lnRef>
-            <a:fillRef idx="0">
-              <a:schemeClr val="accent1"/>
-            </a:fillRef>
-            <a:effectRef idx="0">
-              <a:schemeClr val="accent1"/>
-            </a:effectRef>
-            <a:fontRef idx="minor">
-              <a:schemeClr val="tx1"/>
-            </a:fontRef>
-          </p:style>
-        </p:cxnSp>
-        <p:cxnSp>
-          <p:nvCxnSpPr>
-            <p:cNvPr id="17" name="Straight Connector 16">
-              <a:extLst>
-                <a:ext uri="{FF2B5EF4-FFF2-40B4-BE49-F238E27FC236}">
-                  <a16:creationId xmlns:a16="http://schemas.microsoft.com/office/drawing/2014/main" id="{1F19D250-5D2A-984A-BDC9-D30D595314CE}"/>
-                </a:ext>
-              </a:extLst>
-            </p:cNvPr>
-            <p:cNvCxnSpPr/>
-            <p:nvPr/>
-          </p:nvCxnSpPr>
-          <p:spPr>
-            <a:xfrm>
-              <a:off x="4926105" y="5599642"/>
-              <a:ext cx="546847" cy="7782"/>
-            </a:xfrm>
-            <a:prstGeom prst="line">
-              <a:avLst/>
-            </a:prstGeom>
-          </p:spPr>
-          <p:style>
-            <a:lnRef idx="1">
-              <a:schemeClr val="accent1"/>
-            </a:lnRef>
-            <a:fillRef idx="0">
-              <a:schemeClr val="accent1"/>
-            </a:fillRef>
-            <a:effectRef idx="0">
-              <a:schemeClr val="accent1"/>
-            </a:effectRef>
-            <a:fontRef idx="minor">
-              <a:schemeClr val="tx1"/>
-            </a:fontRef>
-          </p:style>
-        </p:cxnSp>
-        <p:cxnSp>
-          <p:nvCxnSpPr>
-            <p:cNvPr id="18" name="Straight Connector 17">
-              <a:extLst>
-                <a:ext uri="{FF2B5EF4-FFF2-40B4-BE49-F238E27FC236}">
-                  <a16:creationId xmlns:a16="http://schemas.microsoft.com/office/drawing/2014/main" id="{DF56DBE8-ED78-E049-8516-6E4DDA3EABB0}"/>
-                </a:ext>
-              </a:extLst>
-            </p:cNvPr>
-            <p:cNvCxnSpPr>
-              <a:cxnSpLocks/>
-            </p:cNvCxnSpPr>
-            <p:nvPr/>
-          </p:nvCxnSpPr>
-          <p:spPr>
-            <a:xfrm>
-              <a:off x="3225053" y="3466299"/>
-              <a:ext cx="730623" cy="737391"/>
-            </a:xfrm>
-            <a:prstGeom prst="line">
-              <a:avLst/>
-            </a:prstGeom>
-          </p:spPr>
-          <p:style>
-            <a:lnRef idx="1">
-              <a:schemeClr val="accent1"/>
-            </a:lnRef>
-            <a:fillRef idx="0">
-              <a:schemeClr val="accent1"/>
-            </a:fillRef>
-            <a:effectRef idx="0">
-              <a:schemeClr val="accent1"/>
-            </a:effectRef>
-            <a:fontRef idx="minor">
-              <a:schemeClr val="tx1"/>
-            </a:fontRef>
-          </p:style>
-        </p:cxnSp>
-        <p:cxnSp>
-          <p:nvCxnSpPr>
-            <p:cNvPr id="24" name="Straight Connector 23">
-              <a:extLst>
-                <a:ext uri="{FF2B5EF4-FFF2-40B4-BE49-F238E27FC236}">
-                  <a16:creationId xmlns:a16="http://schemas.microsoft.com/office/drawing/2014/main" id="{C065BF56-F509-8E4B-A84E-225F7C34F2D0}"/>
-                </a:ext>
-              </a:extLst>
-            </p:cNvPr>
-            <p:cNvCxnSpPr>
-              <a:cxnSpLocks/>
-              <a:stCxn id="5" idx="6"/>
-              <a:endCxn id="10" idx="2"/>
-            </p:cNvCxnSpPr>
-            <p:nvPr/>
-          </p:nvCxnSpPr>
-          <p:spPr>
-            <a:xfrm>
-              <a:off x="3240741" y="5589744"/>
-              <a:ext cx="748553" cy="0"/>
-            </a:xfrm>
-            <a:prstGeom prst="line">
-              <a:avLst/>
-            </a:prstGeom>
-          </p:spPr>
-          <p:style>
-            <a:lnRef idx="1">
-              <a:schemeClr val="accent1"/>
-            </a:lnRef>
-            <a:fillRef idx="0">
-              <a:schemeClr val="accent1"/>
-            </a:fillRef>
-            <a:effectRef idx="0">
-              <a:schemeClr val="accent1"/>
-            </a:effectRef>
-            <a:fontRef idx="minor">
-              <a:schemeClr val="tx1"/>
-            </a:fontRef>
-          </p:style>
-        </p:cxnSp>
-        <p:cxnSp>
-          <p:nvCxnSpPr>
-            <p:cNvPr id="32" name="Straight Connector 31">
-              <a:extLst>
-                <a:ext uri="{FF2B5EF4-FFF2-40B4-BE49-F238E27FC236}">
-                  <a16:creationId xmlns:a16="http://schemas.microsoft.com/office/drawing/2014/main" id="{AA21E08D-5BAC-E342-8FF7-E3C5F4A62CAF}"/>
-                </a:ext>
-              </a:extLst>
-            </p:cNvPr>
-            <p:cNvCxnSpPr>
-              <a:cxnSpLocks/>
-              <a:stCxn id="11" idx="6"/>
-              <a:endCxn id="6" idx="2"/>
-            </p:cNvCxnSpPr>
-            <p:nvPr/>
-          </p:nvCxnSpPr>
-          <p:spPr>
-            <a:xfrm>
-              <a:off x="4903694" y="3079376"/>
-              <a:ext cx="546847" cy="1264024"/>
-            </a:xfrm>
-            <a:prstGeom prst="line">
-              <a:avLst/>
-            </a:prstGeom>
-          </p:spPr>
-          <p:style>
-            <a:lnRef idx="1">
-              <a:schemeClr val="accent1"/>
-            </a:lnRef>
-            <a:fillRef idx="0">
-              <a:schemeClr val="accent1"/>
-            </a:fillRef>
-            <a:effectRef idx="0">
-              <a:schemeClr val="accent1"/>
-            </a:effectRef>
-            <a:fontRef idx="minor">
-              <a:schemeClr val="tx1"/>
-            </a:fontRef>
-          </p:style>
-        </p:cxnSp>
-        <p:cxnSp>
-          <p:nvCxnSpPr>
-            <p:cNvPr id="43" name="Straight Connector 42">
-              <a:extLst>
-                <a:ext uri="{FF2B5EF4-FFF2-40B4-BE49-F238E27FC236}">
-                  <a16:creationId xmlns:a16="http://schemas.microsoft.com/office/drawing/2014/main" id="{D1F66328-890A-BF4C-B439-3CFEF3849EC6}"/>
-                </a:ext>
-              </a:extLst>
-            </p:cNvPr>
-            <p:cNvCxnSpPr>
-              <a:cxnSpLocks/>
-              <a:stCxn id="11" idx="6"/>
-              <a:endCxn id="7" idx="2"/>
-            </p:cNvCxnSpPr>
-            <p:nvPr/>
-          </p:nvCxnSpPr>
-          <p:spPr>
-            <a:xfrm>
-              <a:off x="4903694" y="3079376"/>
-              <a:ext cx="546847" cy="2510368"/>
-            </a:xfrm>
-            <a:prstGeom prst="line">
-              <a:avLst/>
-            </a:prstGeom>
-          </p:spPr>
-          <p:style>
-            <a:lnRef idx="1">
-              <a:schemeClr val="accent1"/>
-            </a:lnRef>
-            <a:fillRef idx="0">
-              <a:schemeClr val="accent1"/>
-            </a:fillRef>
-            <a:effectRef idx="0">
-              <a:schemeClr val="accent1"/>
-            </a:effectRef>
-            <a:fontRef idx="minor">
-              <a:schemeClr val="tx1"/>
-            </a:fontRef>
-          </p:style>
-        </p:cxnSp>
-        <p:cxnSp>
-          <p:nvCxnSpPr>
-            <p:cNvPr id="46" name="Straight Connector 45">
-              <a:extLst>
-                <a:ext uri="{FF2B5EF4-FFF2-40B4-BE49-F238E27FC236}">
-                  <a16:creationId xmlns:a16="http://schemas.microsoft.com/office/drawing/2014/main" id="{50782BBD-912C-1B45-AC77-5F3F90EF6F2D}"/>
-                </a:ext>
-              </a:extLst>
-            </p:cNvPr>
-            <p:cNvCxnSpPr>
-              <a:cxnSpLocks/>
-              <a:stCxn id="10" idx="6"/>
-              <a:endCxn id="6" idx="2"/>
-            </p:cNvCxnSpPr>
-            <p:nvPr/>
-          </p:nvCxnSpPr>
-          <p:spPr>
-            <a:xfrm flipV="1">
-              <a:off x="4903694" y="4343400"/>
-              <a:ext cx="546847" cy="1246344"/>
-            </a:xfrm>
-            <a:prstGeom prst="line">
-              <a:avLst/>
-            </a:prstGeom>
-          </p:spPr>
-          <p:style>
-            <a:lnRef idx="1">
-              <a:schemeClr val="accent1"/>
-            </a:lnRef>
-            <a:fillRef idx="0">
-              <a:schemeClr val="accent1"/>
-            </a:fillRef>
-            <a:effectRef idx="0">
-              <a:schemeClr val="accent1"/>
-            </a:effectRef>
-            <a:fontRef idx="minor">
-              <a:schemeClr val="tx1"/>
-            </a:fontRef>
-          </p:style>
-        </p:cxnSp>
-        <p:cxnSp>
-          <p:nvCxnSpPr>
-            <p:cNvPr id="52" name="Straight Connector 51">
-              <a:extLst>
-                <a:ext uri="{FF2B5EF4-FFF2-40B4-BE49-F238E27FC236}">
-                  <a16:creationId xmlns:a16="http://schemas.microsoft.com/office/drawing/2014/main" id="{7C5372DC-B815-F04C-B984-B159223534B6}"/>
-                </a:ext>
-              </a:extLst>
-            </p:cNvPr>
-            <p:cNvCxnSpPr>
-              <a:cxnSpLocks/>
-            </p:cNvCxnSpPr>
-            <p:nvPr/>
-          </p:nvCxnSpPr>
-          <p:spPr>
-            <a:xfrm>
-              <a:off x="6364941" y="3078192"/>
-              <a:ext cx="900954" cy="0"/>
-            </a:xfrm>
-            <a:prstGeom prst="line">
-              <a:avLst/>
-            </a:prstGeom>
-          </p:spPr>
-          <p:style>
-            <a:lnRef idx="1">
-              <a:schemeClr val="accent1"/>
-            </a:lnRef>
-            <a:fillRef idx="0">
-              <a:schemeClr val="accent1"/>
-            </a:fillRef>
-            <a:effectRef idx="0">
-              <a:schemeClr val="accent1"/>
-            </a:effectRef>
-            <a:fontRef idx="minor">
-              <a:schemeClr val="tx1"/>
-            </a:fontRef>
-          </p:style>
-        </p:cxnSp>
-        <p:cxnSp>
-          <p:nvCxnSpPr>
-            <p:cNvPr id="54" name="Straight Connector 53">
-              <a:extLst>
-                <a:ext uri="{FF2B5EF4-FFF2-40B4-BE49-F238E27FC236}">
-                  <a16:creationId xmlns:a16="http://schemas.microsoft.com/office/drawing/2014/main" id="{C5F0C7AD-06D5-3143-A872-1439F896501F}"/>
-                </a:ext>
-              </a:extLst>
-            </p:cNvPr>
-            <p:cNvCxnSpPr>
-              <a:cxnSpLocks/>
-            </p:cNvCxnSpPr>
-            <p:nvPr/>
-          </p:nvCxnSpPr>
-          <p:spPr>
-            <a:xfrm>
-              <a:off x="6364941" y="4334560"/>
-              <a:ext cx="923365" cy="6894"/>
-            </a:xfrm>
-            <a:prstGeom prst="line">
-              <a:avLst/>
-            </a:prstGeom>
-          </p:spPr>
-          <p:style>
-            <a:lnRef idx="1">
-              <a:schemeClr val="accent1"/>
-            </a:lnRef>
-            <a:fillRef idx="0">
-              <a:schemeClr val="accent1"/>
-            </a:fillRef>
-            <a:effectRef idx="0">
-              <a:schemeClr val="accent1"/>
-            </a:effectRef>
-            <a:fontRef idx="minor">
-              <a:schemeClr val="tx1"/>
-            </a:fontRef>
-          </p:style>
-        </p:cxnSp>
-        <p:cxnSp>
-          <p:nvCxnSpPr>
-            <p:cNvPr id="57" name="Straight Connector 56">
-              <a:extLst>
-                <a:ext uri="{FF2B5EF4-FFF2-40B4-BE49-F238E27FC236}">
-                  <a16:creationId xmlns:a16="http://schemas.microsoft.com/office/drawing/2014/main" id="{DC71D043-CC32-8147-BE23-05F1F9FFC5D7}"/>
-                </a:ext>
-              </a:extLst>
-            </p:cNvPr>
-            <p:cNvCxnSpPr>
-              <a:cxnSpLocks/>
-            </p:cNvCxnSpPr>
-            <p:nvPr/>
-          </p:nvCxnSpPr>
-          <p:spPr>
-            <a:xfrm>
-              <a:off x="6387352" y="5573338"/>
-              <a:ext cx="900954" cy="0"/>
-            </a:xfrm>
-            <a:prstGeom prst="line">
-              <a:avLst/>
-            </a:prstGeom>
-          </p:spPr>
-          <p:style>
-            <a:lnRef idx="1">
-              <a:schemeClr val="accent1"/>
-            </a:lnRef>
-            <a:fillRef idx="0">
-              <a:schemeClr val="accent1"/>
-            </a:fillRef>
-            <a:effectRef idx="0">
-              <a:schemeClr val="accent1"/>
-            </a:effectRef>
-            <a:fontRef idx="minor">
-              <a:schemeClr val="tx1"/>
-            </a:fontRef>
-          </p:style>
-        </p:cxnSp>
-        <p:sp>
-          <p:nvSpPr>
-            <p:cNvPr id="30" name="Rectangle 29">
-              <a:extLst>
-                <a:ext uri="{FF2B5EF4-FFF2-40B4-BE49-F238E27FC236}">
-                  <a16:creationId xmlns:a16="http://schemas.microsoft.com/office/drawing/2014/main" id="{59A7FA98-5CE7-8F43-B924-9B4A14786C8A}"/>
-                </a:ext>
-              </a:extLst>
-            </p:cNvPr>
-            <p:cNvSpPr/>
-            <p:nvPr/>
-          </p:nvSpPr>
-          <p:spPr>
-            <a:xfrm>
-              <a:off x="7265895" y="2775098"/>
-              <a:ext cx="134365" cy="3083442"/>
-            </a:xfrm>
-            <a:prstGeom prst="rect">
-              <a:avLst/>
-            </a:prstGeom>
-          </p:spPr>
-          <p:style>
-            <a:lnRef idx="2">
-              <a:schemeClr val="accent1">
-                <a:shade val="50000"/>
-              </a:schemeClr>
-            </a:lnRef>
-            <a:fillRef idx="1">
-              <a:schemeClr val="accent1"/>
-            </a:fillRef>
-            <a:effectRef idx="0">
-              <a:schemeClr val="accent1"/>
-            </a:effectRef>
-            <a:fontRef idx="minor">
-              <a:schemeClr val="lt1"/>
-            </a:fontRef>
-          </p:style>
-          <p:txBody>
-            <a:bodyPr rtlCol="0" anchor="ctr"/>
-            <a:lstStyle/>
-            <a:p>
-              <a:pPr algn="ctr"/>
-              <a:endParaRPr lang="en-US"/>
-            </a:p>
-          </p:txBody>
-        </p:sp>
-      </p:grpSp>
-    </p:spTree>
-    <p:extLst>
-      <p:ext uri="{BB962C8B-B14F-4D97-AF65-F5344CB8AC3E}">
-        <p14:creationId xmlns:p14="http://schemas.microsoft.com/office/powerpoint/2010/main" val="2637132796"/>
-      </p:ext>
-    </p:extLst>
-  </p:cSld>
-  <p:clrMapOvr>
-    <a:masterClrMapping/>
-  </p:clrMapOvr>
-</p:sld>
-</file>
-
-<file path=ppt/slides/slide11.xml><?xml version="1.0" encoding="utf-8"?>
 <p:sld xmlns:a="http://schemas.openxmlformats.org/drawingml/2006/main" xmlns:r="http://schemas.openxmlformats.org/officeDocument/2006/relationships" xmlns:p="http://schemas.openxmlformats.org/presentationml/2006/main">
   <p:cSld>
     <p:bg>
@@ -30467,7 +29619,7 @@
 </p:sld>
 </file>
 
-<file path=ppt/slides/slide12.xml><?xml version="1.0" encoding="utf-8"?>
+<file path=ppt/slides/slide11.xml><?xml version="1.0" encoding="utf-8"?>
 <p:sld xmlns:a="http://schemas.openxmlformats.org/drawingml/2006/main" xmlns:r="http://schemas.openxmlformats.org/officeDocument/2006/relationships" xmlns:p="http://schemas.openxmlformats.org/presentationml/2006/main">
   <p:cSld>
     <p:spTree>
@@ -31762,7 +30914,7 @@
 </p:sld>
 </file>
 
-<file path=ppt/slides/slide13.xml><?xml version="1.0" encoding="utf-8"?>
+<file path=ppt/slides/slide12.xml><?xml version="1.0" encoding="utf-8"?>
 <p:sld xmlns:a="http://schemas.openxmlformats.org/drawingml/2006/main" xmlns:r="http://schemas.openxmlformats.org/officeDocument/2006/relationships" xmlns:p="http://schemas.openxmlformats.org/presentationml/2006/main">
   <p:cSld>
     <p:spTree>
@@ -31779,66 +30931,6 @@
           <a:chExt cx="0" cy="0"/>
         </a:xfrm>
       </p:grpSpPr>
-      <p:sp>
-        <p:nvSpPr>
-          <p:cNvPr id="7" name="Manual Operation 6">
-            <a:extLst>
-              <a:ext uri="{FF2B5EF4-FFF2-40B4-BE49-F238E27FC236}">
-                <a16:creationId xmlns:a16="http://schemas.microsoft.com/office/drawing/2014/main" id="{6E532D87-5282-774B-A419-357233D4A828}"/>
-              </a:ext>
-            </a:extLst>
-          </p:cNvPr>
-          <p:cNvSpPr/>
-          <p:nvPr/>
-        </p:nvSpPr>
-        <p:spPr>
-          <a:xfrm rot="16200000">
-            <a:off x="3649662" y="2800809"/>
-            <a:ext cx="1341120" cy="886779"/>
-          </a:xfrm>
-          <a:prstGeom prst="flowChartManualOperation">
-            <a:avLst/>
-          </a:prstGeom>
-          <a:solidFill>
-            <a:schemeClr val="tx2">
-              <a:lumMod val="40000"/>
-              <a:lumOff val="60000"/>
-            </a:schemeClr>
-          </a:solidFill>
-          <a:ln>
-            <a:solidFill>
-              <a:schemeClr val="tx2">
-                <a:lumMod val="40000"/>
-                <a:lumOff val="60000"/>
-              </a:schemeClr>
-            </a:solidFill>
-          </a:ln>
-        </p:spPr>
-        <p:style>
-          <a:lnRef idx="2">
-            <a:schemeClr val="accent1">
-              <a:shade val="50000"/>
-            </a:schemeClr>
-          </a:lnRef>
-          <a:fillRef idx="1">
-            <a:schemeClr val="accent1"/>
-          </a:fillRef>
-          <a:effectRef idx="0">
-            <a:schemeClr val="accent1"/>
-          </a:effectRef>
-          <a:fontRef idx="minor">
-            <a:schemeClr val="lt1"/>
-          </a:fontRef>
-        </p:style>
-        <p:txBody>
-          <a:bodyPr rtlCol="0" anchor="ctr"/>
-          <a:lstStyle/>
-          <a:p>
-            <a:pPr algn="ctr"/>
-            <a:endParaRPr lang="en-US"/>
-          </a:p>
-        </p:txBody>
-      </p:sp>
       <p:sp>
         <p:nvSpPr>
           <p:cNvPr id="2" name="Title 1">
@@ -33985,7 +33077,6 @@
           <p:cNvCxnSpPr>
             <a:cxnSpLocks/>
             <a:stCxn id="27" idx="0"/>
-            <a:endCxn id="7" idx="0"/>
           </p:cNvCxnSpPr>
           <p:nvPr/>
         </p:nvCxnSpPr>
@@ -34039,7 +33130,7 @@
           </a:xfrm>
           <a:prstGeom prst="bentConnector3">
             <a:avLst>
-              <a:gd name="adj1" fmla="val 50000"/>
+              <a:gd name="adj1" fmla="val 57462"/>
             </a:avLst>
           </a:prstGeom>
           <a:ln w="57150">
@@ -34072,19 +33163,17 @@
           </p:cNvPr>
           <p:cNvCxnSpPr>
             <a:cxnSpLocks/>
-            <a:stCxn id="27" idx="3"/>
-            <a:endCxn id="5" idx="1"/>
           </p:cNvCxnSpPr>
           <p:nvPr/>
         </p:nvCxnSpPr>
         <p:spPr>
           <a:xfrm flipV="1">
-            <a:off x="3209727" y="3661246"/>
+            <a:off x="3235945" y="3661245"/>
             <a:ext cx="3479805" cy="1534716"/>
           </a:xfrm>
           <a:prstGeom prst="bentConnector3">
             <a:avLst>
-              <a:gd name="adj1" fmla="val 50000"/>
+              <a:gd name="adj1" fmla="val 51577"/>
             </a:avLst>
           </a:prstGeom>
           <a:ln w="57150">
@@ -34116,7 +33205,7 @@
             </a:extLst>
           </p:cNvPr>
           <p:cNvCxnSpPr>
-            <a:stCxn id="7" idx="2"/>
+            <a:cxnSpLocks/>
             <a:endCxn id="5" idx="0"/>
           </p:cNvCxnSpPr>
           <p:nvPr/>
@@ -34165,18 +33254,20 @@
           </p:cNvPr>
           <p:cNvCxnSpPr>
             <a:cxnSpLocks/>
-            <a:stCxn id="7" idx="2"/>
-            <a:endCxn id="66" idx="0"/>
+            <a:stCxn id="4" idx="2"/>
+            <a:endCxn id="281" idx="3"/>
           </p:cNvCxnSpPr>
           <p:nvPr/>
         </p:nvCxnSpPr>
         <p:spPr>
-          <a:xfrm>
-            <a:off x="4763612" y="3244199"/>
-            <a:ext cx="1792118" cy="2113604"/>
+          <a:xfrm rot="16200000" flipH="1">
+            <a:off x="4645111" y="3448711"/>
+            <a:ext cx="1357269" cy="2465674"/>
           </a:xfrm>
-          <a:prstGeom prst="bentConnector2">
-            <a:avLst/>
+          <a:prstGeom prst="bentConnector3">
+            <a:avLst>
+              <a:gd name="adj1" fmla="val 50000"/>
+            </a:avLst>
           </a:prstGeom>
           <a:ln>
             <a:solidFill>
@@ -34351,6 +33442,87 @@
           </a:prstGeom>
         </p:spPr>
       </p:pic>
+      <p:pic>
+        <p:nvPicPr>
+          <p:cNvPr id="4" name="Picture 3">
+            <a:extLst>
+              <a:ext uri="{FF2B5EF4-FFF2-40B4-BE49-F238E27FC236}">
+                <a16:creationId xmlns:a16="http://schemas.microsoft.com/office/drawing/2014/main" id="{EBC35B22-6235-2C44-ABAD-D46F2EAE9D78}"/>
+              </a:ext>
+            </a:extLst>
+          </p:cNvPr>
+          <p:cNvPicPr>
+            <a:picLocks noChangeAspect="1"/>
+          </p:cNvPicPr>
+          <p:nvPr/>
+        </p:nvPicPr>
+        <p:blipFill>
+          <a:blip r:embed="rId4"/>
+          <a:stretch>
+            <a:fillRect/>
+          </a:stretch>
+        </p:blipFill>
+        <p:spPr>
+          <a:xfrm>
+            <a:off x="3390517" y="2585891"/>
+            <a:ext cx="1400782" cy="1417023"/>
+          </a:xfrm>
+          <a:prstGeom prst="rect">
+            <a:avLst/>
+          </a:prstGeom>
+        </p:spPr>
+      </p:pic>
+      <p:cxnSp>
+        <p:nvCxnSpPr>
+          <p:cNvPr id="67" name="Elbow Connector 66">
+            <a:extLst>
+              <a:ext uri="{FF2B5EF4-FFF2-40B4-BE49-F238E27FC236}">
+                <a16:creationId xmlns:a16="http://schemas.microsoft.com/office/drawing/2014/main" id="{AECEDFBF-41EE-9C45-97F3-A77B14406047}"/>
+              </a:ext>
+            </a:extLst>
+          </p:cNvPr>
+          <p:cNvCxnSpPr>
+            <a:cxnSpLocks/>
+            <a:endCxn id="217" idx="1"/>
+          </p:cNvCxnSpPr>
+          <p:nvPr/>
+        </p:nvCxnSpPr>
+        <p:spPr>
+          <a:xfrm>
+            <a:off x="4751983" y="2879162"/>
+            <a:ext cx="3487314" cy="38802"/>
+          </a:xfrm>
+          <a:prstGeom prst="bentConnector4">
+            <a:avLst>
+              <a:gd name="adj1" fmla="val 49193"/>
+              <a:gd name="adj2" fmla="val -634225"/>
+            </a:avLst>
+          </a:prstGeom>
+          <a:ln>
+            <a:solidFill>
+              <a:schemeClr val="tx2">
+                <a:lumMod val="40000"/>
+                <a:lumOff val="60000"/>
+              </a:schemeClr>
+            </a:solidFill>
+            <a:tailEnd type="triangle"/>
+          </a:ln>
+        </p:spPr>
+        <p:style>
+          <a:lnRef idx="1">
+            <a:schemeClr val="accent1"/>
+          </a:lnRef>
+          <a:fillRef idx="0">
+            <a:schemeClr val="accent1"/>
+          </a:fillRef>
+          <a:effectRef idx="0">
+            <a:schemeClr val="accent1"/>
+          </a:effectRef>
+          <a:fontRef idx="minor">
+            <a:schemeClr val="tx1"/>
+          </a:fontRef>
+        </p:style>
+      </p:cxnSp>
     </p:spTree>
     <p:extLst>
       <p:ext uri="{BB962C8B-B14F-4D97-AF65-F5344CB8AC3E}">
@@ -34364,7 +33536,7 @@
 </p:sld>
 </file>
 
-<file path=ppt/slides/slide14.xml><?xml version="1.0" encoding="utf-8"?>
+<file path=ppt/slides/slide13.xml><?xml version="1.0" encoding="utf-8"?>
 <p:sld xmlns:a="http://schemas.openxmlformats.org/drawingml/2006/main" xmlns:r="http://schemas.openxmlformats.org/officeDocument/2006/relationships" xmlns:p="http://schemas.openxmlformats.org/presentationml/2006/main">
   <p:cSld>
     <p:bg>
@@ -34706,7 +33878,7 @@
 </p:sld>
 </file>
 
-<file path=ppt/slides/slide15.xml><?xml version="1.0" encoding="utf-8"?>
+<file path=ppt/slides/slide14.xml><?xml version="1.0" encoding="utf-8"?>
 <p:sld xmlns:a="http://schemas.openxmlformats.org/drawingml/2006/main" xmlns:r="http://schemas.openxmlformats.org/officeDocument/2006/relationships" xmlns:p="http://schemas.openxmlformats.org/presentationml/2006/main">
   <p:cSld>
     <p:bg>
@@ -35020,7 +34192,7 @@
             <p:ph idx="1"/>
             <p:extLst>
               <p:ext uri="{D42A27DB-BD31-4B8C-83A1-F6EECF244321}">
-                <p14:modId xmlns:p14="http://schemas.microsoft.com/office/powerpoint/2010/main" val="3784192413"/>
+                <p14:modId xmlns:p14="http://schemas.microsoft.com/office/powerpoint/2010/main" val="2985036348"/>
               </p:ext>
             </p:extLst>
           </p:nvPr>
@@ -35122,11 +34294,8 @@
           <a:p>
             <a:r>
               <a:rPr lang="en-US" sz="3200" dirty="0"/>
-              <a:t>A new SSL(Semi-Supervised Learning) technique which combines Parametric t-SNE to promote regional specialization  in a collaborative Mixture of Experts(MoE) model.</a:t>
+              <a:t>A new regularization technique which combines Parametric t-SNE to promote regional specialization in Deep Neural Networks.  </a:t>
             </a:r>
-          </a:p>
-          <a:p>
-            <a:endParaRPr lang="en-US" sz="3200" dirty="0"/>
           </a:p>
           <a:p>
             <a:endParaRPr lang="en-US" dirty="0"/>
@@ -35171,6 +34340,744 @@
           <a:chExt cx="0" cy="0"/>
         </a:xfrm>
       </p:grpSpPr>
+      <p:grpSp>
+        <p:nvGrpSpPr>
+          <p:cNvPr id="17" name="Group 16">
+            <a:extLst>
+              <a:ext uri="{FF2B5EF4-FFF2-40B4-BE49-F238E27FC236}">
+                <a16:creationId xmlns:a16="http://schemas.microsoft.com/office/drawing/2014/main" id="{08BCF048-8940-4354-B9EC-5AD74E283CE3}"/>
+              </a:ext>
+              <a:ext uri="{C183D7F6-B498-43B3-948B-1728B52AA6E4}">
+                <adec:decorative xmlns:adec="http://schemas.microsoft.com/office/drawing/2017/decorative" val="1"/>
+              </a:ext>
+            </a:extLst>
+          </p:cNvPr>
+          <p:cNvGrpSpPr>
+            <a:grpSpLocks noGrp="1" noUngrp="1" noRot="1" noChangeAspect="1" noMove="1" noResize="1"/>
+          </p:cNvGrpSpPr>
+          <p:nvPr>
+            <p:extLst>
+              <p:ext uri="{386F3935-93C4-4BCD-93E2-E3B085C9AB24}">
+                <p16:designElem xmlns:p16="http://schemas.microsoft.com/office/powerpoint/2015/main" val="1"/>
+              </p:ext>
+            </p:extLst>
+          </p:nvPr>
+        </p:nvGrpSpPr>
+        <p:grpSpPr>
+          <a:xfrm>
+            <a:off x="0" y="0"/>
+            <a:ext cx="12192000" cy="6858000"/>
+            <a:chOff x="0" y="0"/>
+            <a:chExt cx="12192000" cy="6858000"/>
+          </a:xfrm>
+        </p:grpSpPr>
+        <p:sp>
+          <p:nvSpPr>
+            <p:cNvPr id="18" name="Rectangle 17">
+              <a:extLst>
+                <a:ext uri="{FF2B5EF4-FFF2-40B4-BE49-F238E27FC236}">
+                  <a16:creationId xmlns:a16="http://schemas.microsoft.com/office/drawing/2014/main" id="{D024C14A-78BD-44B0-82BE-6A0D0A27063A}"/>
+                </a:ext>
+                <a:ext uri="{C183D7F6-B498-43B3-948B-1728B52AA6E4}">
+                  <adec:decorative xmlns:adec="http://schemas.microsoft.com/office/drawing/2017/decorative" val="1"/>
+                </a:ext>
+              </a:extLst>
+            </p:cNvPr>
+            <p:cNvSpPr/>
+            <p:nvPr>
+              <p:extLst>
+                <p:ext uri="{386F3935-93C4-4BCD-93E2-E3B085C9AB24}">
+                  <p16:designElem xmlns:p16="http://schemas.microsoft.com/office/powerpoint/2015/main" val="1"/>
+                </p:ext>
+              </p:extLst>
+            </p:nvPr>
+          </p:nvSpPr>
+          <p:spPr>
+            <a:xfrm>
+              <a:off x="0" y="0"/>
+              <a:ext cx="12192000" cy="6858000"/>
+            </a:xfrm>
+            <a:prstGeom prst="rect">
+              <a:avLst/>
+            </a:prstGeom>
+            <a:blipFill>
+              <a:blip r:embed="rId2">
+                <a:duotone>
+                  <a:schemeClr val="dk2">
+                    <a:shade val="69000"/>
+                    <a:hueMod val="91000"/>
+                    <a:satMod val="164000"/>
+                    <a:lumMod val="74000"/>
+                  </a:schemeClr>
+                  <a:schemeClr val="dk2">
+                    <a:hueMod val="124000"/>
+                    <a:satMod val="140000"/>
+                    <a:lumMod val="142000"/>
+                  </a:schemeClr>
+                </a:duotone>
+              </a:blip>
+              <a:stretch>
+                <a:fillRect/>
+              </a:stretch>
+            </a:blipFill>
+            <a:ln>
+              <a:noFill/>
+            </a:ln>
+          </p:spPr>
+          <p:style>
+            <a:lnRef idx="2">
+              <a:schemeClr val="accent1">
+                <a:shade val="50000"/>
+              </a:schemeClr>
+            </a:lnRef>
+            <a:fillRef idx="1">
+              <a:schemeClr val="accent1"/>
+            </a:fillRef>
+            <a:effectRef idx="0">
+              <a:schemeClr val="accent1"/>
+            </a:effectRef>
+            <a:fontRef idx="minor">
+              <a:schemeClr val="lt1"/>
+            </a:fontRef>
+          </p:style>
+        </p:sp>
+        <p:sp>
+          <p:nvSpPr>
+            <p:cNvPr id="19" name="Oval 18">
+              <a:extLst>
+                <a:ext uri="{FF2B5EF4-FFF2-40B4-BE49-F238E27FC236}">
+                  <a16:creationId xmlns:a16="http://schemas.microsoft.com/office/drawing/2014/main" id="{809F3D29-EDB1-4F1C-A0E0-36F28CE17188}"/>
+                </a:ext>
+                <a:ext uri="{C183D7F6-B498-43B3-948B-1728B52AA6E4}">
+                  <adec:decorative xmlns:adec="http://schemas.microsoft.com/office/drawing/2017/decorative" val="1"/>
+                </a:ext>
+              </a:extLst>
+            </p:cNvPr>
+            <p:cNvSpPr/>
+            <p:nvPr>
+              <p:extLst>
+                <p:ext uri="{386F3935-93C4-4BCD-93E2-E3B085C9AB24}">
+                  <p16:designElem xmlns:p16="http://schemas.microsoft.com/office/powerpoint/2015/main" val="1"/>
+                </p:ext>
+              </p:extLst>
+            </p:nvPr>
+          </p:nvSpPr>
+          <p:spPr>
+            <a:xfrm>
+              <a:off x="0" y="2667000"/>
+              <a:ext cx="4191000" cy="4191000"/>
+            </a:xfrm>
+            <a:prstGeom prst="ellipse">
+              <a:avLst/>
+            </a:prstGeom>
+            <a:gradFill flip="none" rotWithShape="1">
+              <a:gsLst>
+                <a:gs pos="0">
+                  <a:schemeClr val="accent5">
+                    <a:alpha val="11000"/>
+                  </a:schemeClr>
+                </a:gs>
+                <a:gs pos="75000">
+                  <a:schemeClr val="accent5">
+                    <a:alpha val="0"/>
+                  </a:schemeClr>
+                </a:gs>
+                <a:gs pos="36000">
+                  <a:schemeClr val="accent5">
+                    <a:alpha val="10000"/>
+                  </a:schemeClr>
+                </a:gs>
+              </a:gsLst>
+              <a:path path="circle">
+                <a:fillToRect l="50000" t="50000" r="50000" b="50000"/>
+              </a:path>
+              <a:tileRect/>
+            </a:gradFill>
+            <a:ln>
+              <a:noFill/>
+            </a:ln>
+            <a:effectLst/>
+          </p:spPr>
+          <p:style>
+            <a:lnRef idx="1">
+              <a:schemeClr val="accent1"/>
+            </a:lnRef>
+            <a:fillRef idx="3">
+              <a:schemeClr val="accent1"/>
+            </a:fillRef>
+            <a:effectRef idx="2">
+              <a:schemeClr val="accent1"/>
+            </a:effectRef>
+            <a:fontRef idx="minor">
+              <a:schemeClr val="lt1"/>
+            </a:fontRef>
+          </p:style>
+        </p:sp>
+        <p:sp>
+          <p:nvSpPr>
+            <p:cNvPr id="20" name="Oval 19">
+              <a:extLst>
+                <a:ext uri="{FF2B5EF4-FFF2-40B4-BE49-F238E27FC236}">
+                  <a16:creationId xmlns:a16="http://schemas.microsoft.com/office/drawing/2014/main" id="{5282F4AB-C7B8-4A86-9927-AA106AA27B41}"/>
+                </a:ext>
+                <a:ext uri="{C183D7F6-B498-43B3-948B-1728B52AA6E4}">
+                  <adec:decorative xmlns:adec="http://schemas.microsoft.com/office/drawing/2017/decorative" val="1"/>
+                </a:ext>
+              </a:extLst>
+            </p:cNvPr>
+            <p:cNvSpPr/>
+            <p:nvPr>
+              <p:extLst>
+                <p:ext uri="{386F3935-93C4-4BCD-93E2-E3B085C9AB24}">
+                  <p16:designElem xmlns:p16="http://schemas.microsoft.com/office/powerpoint/2015/main" val="1"/>
+                </p:ext>
+              </p:extLst>
+            </p:nvPr>
+          </p:nvSpPr>
+          <p:spPr>
+            <a:xfrm>
+              <a:off x="0" y="2895600"/>
+              <a:ext cx="2362200" cy="2362200"/>
+            </a:xfrm>
+            <a:prstGeom prst="ellipse">
+              <a:avLst/>
+            </a:prstGeom>
+            <a:gradFill flip="none" rotWithShape="1">
+              <a:gsLst>
+                <a:gs pos="0">
+                  <a:schemeClr val="accent5">
+                    <a:alpha val="8000"/>
+                  </a:schemeClr>
+                </a:gs>
+                <a:gs pos="72000">
+                  <a:schemeClr val="accent5">
+                    <a:alpha val="0"/>
+                  </a:schemeClr>
+                </a:gs>
+                <a:gs pos="36000">
+                  <a:schemeClr val="accent5">
+                    <a:alpha val="8000"/>
+                  </a:schemeClr>
+                </a:gs>
+              </a:gsLst>
+              <a:path path="circle">
+                <a:fillToRect l="50000" t="50000" r="50000" b="50000"/>
+              </a:path>
+              <a:tileRect/>
+            </a:gradFill>
+            <a:ln>
+              <a:noFill/>
+            </a:ln>
+            <a:effectLst/>
+          </p:spPr>
+          <p:style>
+            <a:lnRef idx="1">
+              <a:schemeClr val="accent1"/>
+            </a:lnRef>
+            <a:fillRef idx="3">
+              <a:schemeClr val="accent1"/>
+            </a:fillRef>
+            <a:effectRef idx="2">
+              <a:schemeClr val="accent1"/>
+            </a:effectRef>
+            <a:fontRef idx="minor">
+              <a:schemeClr val="lt1"/>
+            </a:fontRef>
+          </p:style>
+        </p:sp>
+        <p:sp>
+          <p:nvSpPr>
+            <p:cNvPr id="21" name="Rectangle 20">
+              <a:extLst>
+                <a:ext uri="{FF2B5EF4-FFF2-40B4-BE49-F238E27FC236}">
+                  <a16:creationId xmlns:a16="http://schemas.microsoft.com/office/drawing/2014/main" id="{60B26874-5AFA-4D1E-94A9-53AF9790D702}"/>
+                </a:ext>
+                <a:ext uri="{C183D7F6-B498-43B3-948B-1728B52AA6E4}">
+                  <adec:decorative xmlns:adec="http://schemas.microsoft.com/office/drawing/2017/decorative" val="1"/>
+                </a:ext>
+              </a:extLst>
+            </p:cNvPr>
+            <p:cNvSpPr/>
+            <p:nvPr>
+              <p:extLst>
+                <p:ext uri="{386F3935-93C4-4BCD-93E2-E3B085C9AB24}">
+                  <p16:designElem xmlns:p16="http://schemas.microsoft.com/office/powerpoint/2015/main" val="1"/>
+                </p:ext>
+              </p:extLst>
+            </p:nvPr>
+          </p:nvSpPr>
+          <p:spPr bwMode="gray">
+            <a:xfrm>
+              <a:off x="5713412" y="402165"/>
+              <a:ext cx="6055253" cy="6053670"/>
+            </a:xfrm>
+            <a:prstGeom prst="rect">
+              <a:avLst/>
+            </a:prstGeom>
+            <a:solidFill>
+              <a:schemeClr val="bg1"/>
+            </a:solidFill>
+            <a:ln>
+              <a:noFill/>
+            </a:ln>
+            <a:effectLst/>
+          </p:spPr>
+          <p:style>
+            <a:lnRef idx="1">
+              <a:schemeClr val="accent1"/>
+            </a:lnRef>
+            <a:fillRef idx="3">
+              <a:schemeClr val="accent1"/>
+            </a:fillRef>
+            <a:effectRef idx="2">
+              <a:schemeClr val="accent1"/>
+            </a:effectRef>
+            <a:fontRef idx="minor">
+              <a:schemeClr val="lt1"/>
+            </a:fontRef>
+          </p:style>
+        </p:sp>
+        <p:sp>
+          <p:nvSpPr>
+            <p:cNvPr id="22" name="Freeform 5">
+              <a:extLst>
+                <a:ext uri="{FF2B5EF4-FFF2-40B4-BE49-F238E27FC236}">
+                  <a16:creationId xmlns:a16="http://schemas.microsoft.com/office/drawing/2014/main" id="{A1DA6C95-40F8-4305-89F6-17F6167C0BF2}"/>
+                </a:ext>
+                <a:ext uri="{C183D7F6-B498-43B3-948B-1728B52AA6E4}">
+                  <adec:decorative xmlns:adec="http://schemas.microsoft.com/office/drawing/2017/decorative" val="1"/>
+                </a:ext>
+              </a:extLst>
+            </p:cNvPr>
+            <p:cNvSpPr/>
+            <p:nvPr>
+              <p:extLst>
+                <p:ext uri="{386F3935-93C4-4BCD-93E2-E3B085C9AB24}">
+                  <p16:designElem xmlns:p16="http://schemas.microsoft.com/office/powerpoint/2015/main" val="1"/>
+                </p:ext>
+              </p:extLst>
+            </p:nvPr>
+          </p:nvSpPr>
+          <p:spPr bwMode="gray">
+            <a:xfrm rot="15922489">
+              <a:off x="3140485" y="1826078"/>
+              <a:ext cx="3299407" cy="440924"/>
+            </a:xfrm>
+            <a:custGeom>
+              <a:avLst/>
+              <a:gdLst/>
+              <a:ahLst/>
+              <a:cxnLst/>
+              <a:rect l="l" t="t" r="r" b="b"/>
+              <a:pathLst>
+                <a:path w="10000" h="5291">
+                  <a:moveTo>
+                    <a:pt x="85" y="2532"/>
+                  </a:moveTo>
+                  <a:cubicBezTo>
+                    <a:pt x="1736" y="3911"/>
+                    <a:pt x="7524" y="5298"/>
+                    <a:pt x="9958" y="5291"/>
+                  </a:cubicBezTo>
+                  <a:cubicBezTo>
+                    <a:pt x="9989" y="1958"/>
+                    <a:pt x="9969" y="3333"/>
+                    <a:pt x="10000" y="0"/>
+                  </a:cubicBezTo>
+                  <a:lnTo>
+                    <a:pt x="10000" y="0"/>
+                  </a:lnTo>
+                  <a:lnTo>
+                    <a:pt x="9667" y="204"/>
+                  </a:lnTo>
+                  <a:lnTo>
+                    <a:pt x="9334" y="400"/>
+                  </a:lnTo>
+                  <a:lnTo>
+                    <a:pt x="9001" y="590"/>
+                  </a:lnTo>
+                  <a:lnTo>
+                    <a:pt x="8667" y="753"/>
+                  </a:lnTo>
+                  <a:lnTo>
+                    <a:pt x="8333" y="917"/>
+                  </a:lnTo>
+                  <a:lnTo>
+                    <a:pt x="7999" y="1071"/>
+                  </a:lnTo>
+                  <a:lnTo>
+                    <a:pt x="7669" y="1202"/>
+                  </a:lnTo>
+                  <a:lnTo>
+                    <a:pt x="7333" y="1325"/>
+                  </a:lnTo>
+                  <a:lnTo>
+                    <a:pt x="7000" y="1440"/>
+                  </a:lnTo>
+                  <a:lnTo>
+                    <a:pt x="6673" y="1538"/>
+                  </a:lnTo>
+                  <a:lnTo>
+                    <a:pt x="6340" y="1636"/>
+                  </a:lnTo>
+                  <a:lnTo>
+                    <a:pt x="6013" y="1719"/>
+                  </a:lnTo>
+                  <a:lnTo>
+                    <a:pt x="5686" y="1784"/>
+                  </a:lnTo>
+                  <a:lnTo>
+                    <a:pt x="5359" y="1850"/>
+                  </a:lnTo>
+                  <a:lnTo>
+                    <a:pt x="5036" y="1906"/>
+                  </a:lnTo>
+                  <a:lnTo>
+                    <a:pt x="4717" y="1948"/>
+                  </a:lnTo>
+                  <a:lnTo>
+                    <a:pt x="4396" y="1980"/>
+                  </a:lnTo>
+                  <a:lnTo>
+                    <a:pt x="4079" y="2013"/>
+                  </a:lnTo>
+                  <a:lnTo>
+                    <a:pt x="3766" y="2029"/>
+                  </a:lnTo>
+                  <a:lnTo>
+                    <a:pt x="3454" y="2046"/>
+                  </a:lnTo>
+                  <a:lnTo>
+                    <a:pt x="3145" y="2053"/>
+                  </a:lnTo>
+                  <a:lnTo>
+                    <a:pt x="2839" y="2046"/>
+                  </a:lnTo>
+                  <a:lnTo>
+                    <a:pt x="2537" y="2046"/>
+                  </a:lnTo>
+                  <a:lnTo>
+                    <a:pt x="2238" y="2029"/>
+                  </a:lnTo>
+                  <a:lnTo>
+                    <a:pt x="1943" y="2004"/>
+                  </a:lnTo>
+                  <a:lnTo>
+                    <a:pt x="1653" y="1980"/>
+                  </a:lnTo>
+                  <a:lnTo>
+                    <a:pt x="1368" y="1955"/>
+                  </a:lnTo>
+                  <a:lnTo>
+                    <a:pt x="1085" y="1915"/>
+                  </a:lnTo>
+                  <a:lnTo>
+                    <a:pt x="806" y="1873"/>
+                  </a:lnTo>
+                  <a:lnTo>
+                    <a:pt x="533" y="1833"/>
+                  </a:lnTo>
+                  <a:lnTo>
+                    <a:pt x="0" y="1726"/>
+                  </a:lnTo>
+                  <a:cubicBezTo>
+                    <a:pt x="28" y="1995"/>
+                    <a:pt x="57" y="2263"/>
+                    <a:pt x="85" y="2532"/>
+                  </a:cubicBezTo>
+                  <a:close/>
+                </a:path>
+              </a:pathLst>
+            </a:custGeom>
+            <a:solidFill>
+              <a:schemeClr val="bg1">
+                <a:alpha val="20000"/>
+              </a:schemeClr>
+            </a:solidFill>
+            <a:ln>
+              <a:noFill/>
+            </a:ln>
+          </p:spPr>
+        </p:sp>
+        <p:sp>
+          <p:nvSpPr>
+            <p:cNvPr id="23" name="Freeform 5">
+              <a:extLst>
+                <a:ext uri="{FF2B5EF4-FFF2-40B4-BE49-F238E27FC236}">
+                  <a16:creationId xmlns:a16="http://schemas.microsoft.com/office/drawing/2014/main" id="{A2FA2D29-AEEE-4FFA-B233-94FBE84C9B41}"/>
+                </a:ext>
+                <a:ext uri="{C183D7F6-B498-43B3-948B-1728B52AA6E4}">
+                  <adec:decorative xmlns:adec="http://schemas.microsoft.com/office/drawing/2017/decorative" val="1"/>
+                </a:ext>
+              </a:extLst>
+            </p:cNvPr>
+            <p:cNvSpPr/>
+            <p:nvPr>
+              <p:extLst>
+                <p:ext uri="{386F3935-93C4-4BCD-93E2-E3B085C9AB24}">
+                  <p16:designElem xmlns:p16="http://schemas.microsoft.com/office/powerpoint/2015/main" val="1"/>
+                </p:ext>
+              </p:extLst>
+            </p:nvPr>
+          </p:nvSpPr>
+          <p:spPr bwMode="gray">
+            <a:xfrm rot="16200000">
+              <a:off x="2229377" y="2801721"/>
+              <a:ext cx="6053670" cy="1254558"/>
+            </a:xfrm>
+            <a:custGeom>
+              <a:avLst/>
+              <a:gdLst/>
+              <a:ahLst/>
+              <a:cxnLst/>
+              <a:rect l="l" t="t" r="r" b="b"/>
+              <a:pathLst>
+                <a:path w="10000" h="8000">
+                  <a:moveTo>
+                    <a:pt x="0" y="0"/>
+                  </a:moveTo>
+                  <a:lnTo>
+                    <a:pt x="0" y="7970"/>
+                  </a:lnTo>
+                  <a:lnTo>
+                    <a:pt x="10000" y="8000"/>
+                  </a:lnTo>
+                  <a:lnTo>
+                    <a:pt x="10000" y="7"/>
+                  </a:lnTo>
+                  <a:lnTo>
+                    <a:pt x="10000" y="7"/>
+                  </a:lnTo>
+                  <a:lnTo>
+                    <a:pt x="9773" y="156"/>
+                  </a:lnTo>
+                  <a:lnTo>
+                    <a:pt x="9547" y="298"/>
+                  </a:lnTo>
+                  <a:lnTo>
+                    <a:pt x="9320" y="437"/>
+                  </a:lnTo>
+                  <a:lnTo>
+                    <a:pt x="9092" y="556"/>
+                  </a:lnTo>
+                  <a:lnTo>
+                    <a:pt x="8865" y="676"/>
+                  </a:lnTo>
+                  <a:lnTo>
+                    <a:pt x="8637" y="788"/>
+                  </a:lnTo>
+                  <a:lnTo>
+                    <a:pt x="8412" y="884"/>
+                  </a:lnTo>
+                  <a:lnTo>
+                    <a:pt x="8184" y="975"/>
+                  </a:lnTo>
+                  <a:lnTo>
+                    <a:pt x="7957" y="1058"/>
+                  </a:lnTo>
+                  <a:lnTo>
+                    <a:pt x="7734" y="1130"/>
+                  </a:lnTo>
+                  <a:lnTo>
+                    <a:pt x="7508" y="1202"/>
+                  </a:lnTo>
+                  <a:lnTo>
+                    <a:pt x="7285" y="1262"/>
+                  </a:lnTo>
+                  <a:lnTo>
+                    <a:pt x="7062" y="1309"/>
+                  </a:lnTo>
+                  <a:lnTo>
+                    <a:pt x="6840" y="1358"/>
+                  </a:lnTo>
+                  <a:lnTo>
+                    <a:pt x="6620" y="1399"/>
+                  </a:lnTo>
+                  <a:lnTo>
+                    <a:pt x="6402" y="1428"/>
+                  </a:lnTo>
+                  <a:lnTo>
+                    <a:pt x="6184" y="1453"/>
+                  </a:lnTo>
+                  <a:lnTo>
+                    <a:pt x="5968" y="1477"/>
+                  </a:lnTo>
+                  <a:lnTo>
+                    <a:pt x="5755" y="1488"/>
+                  </a:lnTo>
+                  <a:lnTo>
+                    <a:pt x="5542" y="1500"/>
+                  </a:lnTo>
+                  <a:lnTo>
+                    <a:pt x="5332" y="1506"/>
+                  </a:lnTo>
+                  <a:lnTo>
+                    <a:pt x="5124" y="1500"/>
+                  </a:lnTo>
+                  <a:lnTo>
+                    <a:pt x="4918" y="1500"/>
+                  </a:lnTo>
+                  <a:lnTo>
+                    <a:pt x="4714" y="1488"/>
+                  </a:lnTo>
+                  <a:lnTo>
+                    <a:pt x="4514" y="1470"/>
+                  </a:lnTo>
+                  <a:lnTo>
+                    <a:pt x="4316" y="1453"/>
+                  </a:lnTo>
+                  <a:lnTo>
+                    <a:pt x="4122" y="1434"/>
+                  </a:lnTo>
+                  <a:lnTo>
+                    <a:pt x="3929" y="1405"/>
+                  </a:lnTo>
+                  <a:lnTo>
+                    <a:pt x="3739" y="1374"/>
+                  </a:lnTo>
+                  <a:lnTo>
+                    <a:pt x="3553" y="1346"/>
+                  </a:lnTo>
+                  <a:lnTo>
+                    <a:pt x="3190" y="1267"/>
+                  </a:lnTo>
+                  <a:lnTo>
+                    <a:pt x="2842" y="1183"/>
+                  </a:lnTo>
+                  <a:lnTo>
+                    <a:pt x="2508" y="1095"/>
+                  </a:lnTo>
+                  <a:lnTo>
+                    <a:pt x="2192" y="998"/>
+                  </a:lnTo>
+                  <a:lnTo>
+                    <a:pt x="1890" y="897"/>
+                  </a:lnTo>
+                  <a:lnTo>
+                    <a:pt x="1610" y="788"/>
+                  </a:lnTo>
+                  <a:lnTo>
+                    <a:pt x="1347" y="681"/>
+                  </a:lnTo>
+                  <a:lnTo>
+                    <a:pt x="1105" y="574"/>
+                  </a:lnTo>
+                  <a:lnTo>
+                    <a:pt x="883" y="473"/>
+                  </a:lnTo>
+                  <a:lnTo>
+                    <a:pt x="686" y="377"/>
+                  </a:lnTo>
+                  <a:lnTo>
+                    <a:pt x="508" y="286"/>
+                  </a:lnTo>
+                  <a:lnTo>
+                    <a:pt x="358" y="210"/>
+                  </a:lnTo>
+                  <a:lnTo>
+                    <a:pt x="232" y="138"/>
+                  </a:lnTo>
+                  <a:lnTo>
+                    <a:pt x="59" y="35"/>
+                  </a:lnTo>
+                  <a:lnTo>
+                    <a:pt x="0" y="0"/>
+                  </a:lnTo>
+                  <a:lnTo>
+                    <a:pt x="0" y="0"/>
+                  </a:lnTo>
+                  <a:close/>
+                </a:path>
+              </a:pathLst>
+            </a:custGeom>
+            <a:solidFill>
+              <a:schemeClr val="bg1"/>
+            </a:solidFill>
+            <a:ln>
+              <a:noFill/>
+            </a:ln>
+          </p:spPr>
+        </p:sp>
+        <p:sp>
+          <p:nvSpPr>
+            <p:cNvPr id="24" name="Freeform 5">
+              <a:extLst>
+                <a:ext uri="{FF2B5EF4-FFF2-40B4-BE49-F238E27FC236}">
+                  <a16:creationId xmlns:a16="http://schemas.microsoft.com/office/drawing/2014/main" id="{6DA5143E-FA8E-4EC1-99F7-35AE5AD4E377}"/>
+                </a:ext>
+                <a:ext uri="{C183D7F6-B498-43B3-948B-1728B52AA6E4}">
+                  <adec:decorative xmlns:adec="http://schemas.microsoft.com/office/drawing/2017/decorative" val="1"/>
+                </a:ext>
+              </a:extLst>
+            </p:cNvPr>
+            <p:cNvSpPr>
+              <a:spLocks noEditPoints="1"/>
+            </p:cNvSpPr>
+            <p:nvPr>
+              <p:extLst>
+                <p:ext uri="{386F3935-93C4-4BCD-93E2-E3B085C9AB24}">
+                  <p16:designElem xmlns:p16="http://schemas.microsoft.com/office/powerpoint/2015/main" val="1"/>
+                </p:ext>
+              </p:extLst>
+            </p:nvPr>
+          </p:nvSpPr>
+          <p:spPr bwMode="gray">
+            <a:xfrm>
+              <a:off x="0" y="1587"/>
+              <a:ext cx="12192000" cy="6856413"/>
+            </a:xfrm>
+            <a:custGeom>
+              <a:avLst/>
+              <a:gdLst/>
+              <a:ahLst/>
+              <a:cxnLst/>
+              <a:rect l="0" t="0" r="r" b="b"/>
+              <a:pathLst>
+                <a:path w="15356" h="8638">
+                  <a:moveTo>
+                    <a:pt x="0" y="0"/>
+                  </a:moveTo>
+                  <a:lnTo>
+                    <a:pt x="0" y="8638"/>
+                  </a:lnTo>
+                  <a:lnTo>
+                    <a:pt x="15356" y="8638"/>
+                  </a:lnTo>
+                  <a:lnTo>
+                    <a:pt x="15356" y="0"/>
+                  </a:lnTo>
+                  <a:lnTo>
+                    <a:pt x="0" y="0"/>
+                  </a:lnTo>
+                  <a:close/>
+                  <a:moveTo>
+                    <a:pt x="14748" y="8038"/>
+                  </a:moveTo>
+                  <a:lnTo>
+                    <a:pt x="600" y="8038"/>
+                  </a:lnTo>
+                  <a:lnTo>
+                    <a:pt x="600" y="592"/>
+                  </a:lnTo>
+                  <a:lnTo>
+                    <a:pt x="14748" y="592"/>
+                  </a:lnTo>
+                  <a:lnTo>
+                    <a:pt x="14748" y="8038"/>
+                  </a:lnTo>
+                  <a:close/>
+                </a:path>
+              </a:pathLst>
+            </a:custGeom>
+            <a:solidFill>
+              <a:schemeClr val="bg1"/>
+            </a:solidFill>
+            <a:ln>
+              <a:noFill/>
+            </a:ln>
+          </p:spPr>
+        </p:sp>
+      </p:grpSp>
       <p:sp>
         <p:nvSpPr>
           <p:cNvPr id="2" name="Title 1">
@@ -35189,877 +35096,8 @@
         </p:nvSpPr>
         <p:spPr>
           <a:xfrm>
-            <a:off x="1154954" y="973668"/>
-            <a:ext cx="8761413" cy="706964"/>
-          </a:xfrm>
-        </p:spPr>
-        <p:txBody>
-          <a:bodyPr>
-            <a:normAutofit/>
-          </a:bodyPr>
-          <a:lstStyle/>
-          <a:p>
-            <a:r>
-              <a:rPr lang="en-US">
-                <a:solidFill>
-                  <a:srgbClr val="EBEBEB"/>
-                </a:solidFill>
-              </a:rPr>
-              <a:t>Introduction</a:t>
-            </a:r>
-          </a:p>
-        </p:txBody>
-      </p:sp>
-      <p:graphicFrame>
-        <p:nvGraphicFramePr>
-          <p:cNvPr id="5" name="Content Placeholder 2">
-            <a:extLst>
-              <a:ext uri="{FF2B5EF4-FFF2-40B4-BE49-F238E27FC236}">
-                <a16:creationId xmlns:a16="http://schemas.microsoft.com/office/drawing/2014/main" id="{DF0BBF3A-1FC8-47CC-A9BE-12F30A503573}"/>
-              </a:ext>
-            </a:extLst>
-          </p:cNvPr>
-          <p:cNvGraphicFramePr>
-            <a:graphicFrameLocks noGrp="1"/>
-          </p:cNvGraphicFramePr>
-          <p:nvPr>
-            <p:ph idx="1"/>
-            <p:extLst>
-              <p:ext uri="{D42A27DB-BD31-4B8C-83A1-F6EECF244321}">
-                <p14:modId xmlns:p14="http://schemas.microsoft.com/office/powerpoint/2010/main" val="857542899"/>
-              </p:ext>
-            </p:extLst>
-          </p:nvPr>
-        </p:nvGraphicFramePr>
-        <p:xfrm>
-          <a:off x="1286934" y="2925232"/>
-          <a:ext cx="9625383" cy="3086461"/>
-        </p:xfrm>
-        <a:graphic>
-          <a:graphicData uri="http://schemas.openxmlformats.org/drawingml/2006/diagram">
-            <dgm:relIds xmlns:dgm="http://schemas.openxmlformats.org/drawingml/2006/diagram" xmlns:r="http://schemas.openxmlformats.org/officeDocument/2006/relationships" r:dm="rId2" r:lo="rId3" r:qs="rId4" r:cs="rId5"/>
-          </a:graphicData>
-        </a:graphic>
-      </p:graphicFrame>
-    </p:spTree>
-    <p:extLst>
-      <p:ext uri="{BB962C8B-B14F-4D97-AF65-F5344CB8AC3E}">
-        <p14:creationId xmlns:p14="http://schemas.microsoft.com/office/powerpoint/2010/main" val="2174191479"/>
-      </p:ext>
-    </p:extLst>
-  </p:cSld>
-  <p:clrMapOvr>
-    <a:masterClrMapping/>
-  </p:clrMapOvr>
-</p:sld>
-</file>
-
-<file path=ppt/slides/slide4.xml><?xml version="1.0" encoding="utf-8"?>
-<p:sld xmlns:a="http://schemas.openxmlformats.org/drawingml/2006/main" xmlns:r="http://schemas.openxmlformats.org/officeDocument/2006/relationships" xmlns:p="http://schemas.openxmlformats.org/presentationml/2006/main">
-  <p:cSld>
-    <p:bg>
-      <p:bgPr>
-        <a:solidFill>
-          <a:schemeClr val="bg1"/>
-        </a:solidFill>
-        <a:effectLst/>
-      </p:bgPr>
-    </p:bg>
-    <p:spTree>
-      <p:nvGrpSpPr>
-        <p:cNvPr id="1" name=""/>
-        <p:cNvGrpSpPr/>
-        <p:nvPr/>
-      </p:nvGrpSpPr>
-      <p:grpSpPr>
-        <a:xfrm>
-          <a:off x="0" y="0"/>
-          <a:ext cx="0" cy="0"/>
-          <a:chOff x="0" y="0"/>
-          <a:chExt cx="0" cy="0"/>
-        </a:xfrm>
-      </p:grpSpPr>
-      <p:sp>
-        <p:nvSpPr>
-          <p:cNvPr id="10" name="Rectangle 9">
-            <a:extLst>
-              <a:ext uri="{FF2B5EF4-FFF2-40B4-BE49-F238E27FC236}">
-                <a16:creationId xmlns:a16="http://schemas.microsoft.com/office/drawing/2014/main" id="{F70C2B8F-6B1B-46D5-86E6-40F36C695FC2}"/>
-              </a:ext>
-              <a:ext uri="{C183D7F6-B498-43B3-948B-1728B52AA6E4}">
-                <adec:decorative xmlns:adec="http://schemas.microsoft.com/office/drawing/2017/decorative" val="1"/>
-              </a:ext>
-            </a:extLst>
-          </p:cNvPr>
-          <p:cNvSpPr>
-            <a:spLocks noGrp="1" noRot="1" noChangeAspect="1" noMove="1" noResize="1" noEditPoints="1" noAdjustHandles="1" noChangeArrowheads="1" noChangeShapeType="1" noTextEdit="1"/>
-          </p:cNvSpPr>
-          <p:nvPr>
-            <p:extLst>
-              <p:ext uri="{386F3935-93C4-4BCD-93E2-E3B085C9AB24}">
-                <p16:designElem xmlns:p16="http://schemas.microsoft.com/office/powerpoint/2015/main" val="1"/>
-              </p:ext>
-            </p:extLst>
-          </p:nvPr>
-        </p:nvSpPr>
-        <p:spPr>
-          <a:xfrm>
-            <a:off x="0" y="0"/>
-            <a:ext cx="12192000" cy="6858000"/>
-          </a:xfrm>
-          <a:prstGeom prst="rect">
-            <a:avLst/>
-          </a:prstGeom>
-          <a:ln>
-            <a:noFill/>
-          </a:ln>
-        </p:spPr>
-        <p:style>
-          <a:lnRef idx="2">
-            <a:schemeClr val="accent1">
-              <a:shade val="50000"/>
-            </a:schemeClr>
-          </a:lnRef>
-          <a:fillRef idx="1003">
-            <a:schemeClr val="dk2"/>
-          </a:fillRef>
-          <a:effectRef idx="0">
-            <a:schemeClr val="accent1"/>
-          </a:effectRef>
-          <a:fontRef idx="minor">
-            <a:schemeClr val="lt1"/>
-          </a:fontRef>
-        </p:style>
-      </p:sp>
-      <p:sp>
-        <p:nvSpPr>
-          <p:cNvPr id="12" name="Freeform 5">
-            <a:extLst>
-              <a:ext uri="{FF2B5EF4-FFF2-40B4-BE49-F238E27FC236}">
-                <a16:creationId xmlns:a16="http://schemas.microsoft.com/office/drawing/2014/main" id="{DB521824-592C-476A-AB0A-CA0C6D1F3407}"/>
-              </a:ext>
-              <a:ext uri="{C183D7F6-B498-43B3-948B-1728B52AA6E4}">
-                <adec:decorative xmlns:adec="http://schemas.microsoft.com/office/drawing/2017/decorative" val="1"/>
-              </a:ext>
-            </a:extLst>
-          </p:cNvPr>
-          <p:cNvSpPr>
-            <a:spLocks noGrp="1" noRot="1" noChangeAspect="1" noMove="1" noResize="1" noEditPoints="1" noAdjustHandles="1" noChangeArrowheads="1" noChangeShapeType="1" noTextEdit="1"/>
-          </p:cNvSpPr>
-          <p:nvPr>
-            <p:extLst>
-              <p:ext uri="{386F3935-93C4-4BCD-93E2-E3B085C9AB24}">
-                <p16:designElem xmlns:p16="http://schemas.microsoft.com/office/powerpoint/2015/main" val="1"/>
-              </p:ext>
-            </p:extLst>
-          </p:nvPr>
-        </p:nvSpPr>
-        <p:spPr bwMode="gray">
-          <a:xfrm rot="15922489">
-            <a:off x="4698352" y="1826078"/>
-            <a:ext cx="3299407" cy="440924"/>
-          </a:xfrm>
-          <a:custGeom>
-            <a:avLst/>
-            <a:gdLst/>
-            <a:ahLst/>
-            <a:cxnLst/>
-            <a:rect l="l" t="t" r="r" b="b"/>
-            <a:pathLst>
-              <a:path w="10000" h="5291">
-                <a:moveTo>
-                  <a:pt x="85" y="2532"/>
-                </a:moveTo>
-                <a:cubicBezTo>
-                  <a:pt x="1736" y="3911"/>
-                  <a:pt x="7524" y="5298"/>
-                  <a:pt x="9958" y="5291"/>
-                </a:cubicBezTo>
-                <a:cubicBezTo>
-                  <a:pt x="9989" y="1958"/>
-                  <a:pt x="9969" y="3333"/>
-                  <a:pt x="10000" y="0"/>
-                </a:cubicBezTo>
-                <a:lnTo>
-                  <a:pt x="10000" y="0"/>
-                </a:lnTo>
-                <a:lnTo>
-                  <a:pt x="9667" y="204"/>
-                </a:lnTo>
-                <a:lnTo>
-                  <a:pt x="9334" y="400"/>
-                </a:lnTo>
-                <a:lnTo>
-                  <a:pt x="9001" y="590"/>
-                </a:lnTo>
-                <a:lnTo>
-                  <a:pt x="8667" y="753"/>
-                </a:lnTo>
-                <a:lnTo>
-                  <a:pt x="8333" y="917"/>
-                </a:lnTo>
-                <a:lnTo>
-                  <a:pt x="7999" y="1071"/>
-                </a:lnTo>
-                <a:lnTo>
-                  <a:pt x="7669" y="1202"/>
-                </a:lnTo>
-                <a:lnTo>
-                  <a:pt x="7333" y="1325"/>
-                </a:lnTo>
-                <a:lnTo>
-                  <a:pt x="7000" y="1440"/>
-                </a:lnTo>
-                <a:lnTo>
-                  <a:pt x="6673" y="1538"/>
-                </a:lnTo>
-                <a:lnTo>
-                  <a:pt x="6340" y="1636"/>
-                </a:lnTo>
-                <a:lnTo>
-                  <a:pt x="6013" y="1719"/>
-                </a:lnTo>
-                <a:lnTo>
-                  <a:pt x="5686" y="1784"/>
-                </a:lnTo>
-                <a:lnTo>
-                  <a:pt x="5359" y="1850"/>
-                </a:lnTo>
-                <a:lnTo>
-                  <a:pt x="5036" y="1906"/>
-                </a:lnTo>
-                <a:lnTo>
-                  <a:pt x="4717" y="1948"/>
-                </a:lnTo>
-                <a:lnTo>
-                  <a:pt x="4396" y="1980"/>
-                </a:lnTo>
-                <a:lnTo>
-                  <a:pt x="4079" y="2013"/>
-                </a:lnTo>
-                <a:lnTo>
-                  <a:pt x="3766" y="2029"/>
-                </a:lnTo>
-                <a:lnTo>
-                  <a:pt x="3454" y="2046"/>
-                </a:lnTo>
-                <a:lnTo>
-                  <a:pt x="3145" y="2053"/>
-                </a:lnTo>
-                <a:lnTo>
-                  <a:pt x="2839" y="2046"/>
-                </a:lnTo>
-                <a:lnTo>
-                  <a:pt x="2537" y="2046"/>
-                </a:lnTo>
-                <a:lnTo>
-                  <a:pt x="2238" y="2029"/>
-                </a:lnTo>
-                <a:lnTo>
-                  <a:pt x="1943" y="2004"/>
-                </a:lnTo>
-                <a:lnTo>
-                  <a:pt x="1653" y="1980"/>
-                </a:lnTo>
-                <a:lnTo>
-                  <a:pt x="1368" y="1955"/>
-                </a:lnTo>
-                <a:lnTo>
-                  <a:pt x="1085" y="1915"/>
-                </a:lnTo>
-                <a:lnTo>
-                  <a:pt x="806" y="1873"/>
-                </a:lnTo>
-                <a:lnTo>
-                  <a:pt x="533" y="1833"/>
-                </a:lnTo>
-                <a:lnTo>
-                  <a:pt x="0" y="1726"/>
-                </a:lnTo>
-                <a:cubicBezTo>
-                  <a:pt x="28" y="1995"/>
-                  <a:pt x="57" y="2263"/>
-                  <a:pt x="85" y="2532"/>
-                </a:cubicBezTo>
-                <a:close/>
-              </a:path>
-            </a:pathLst>
-          </a:custGeom>
-          <a:solidFill>
-            <a:schemeClr val="tx1">
-              <a:alpha val="20000"/>
-            </a:schemeClr>
-          </a:solidFill>
-          <a:ln>
-            <a:noFill/>
-          </a:ln>
-        </p:spPr>
-      </p:sp>
-      <p:sp>
-        <p:nvSpPr>
-          <p:cNvPr id="14" name="Freeform: Shape 13">
-            <a:extLst>
-              <a:ext uri="{FF2B5EF4-FFF2-40B4-BE49-F238E27FC236}">
-                <a16:creationId xmlns:a16="http://schemas.microsoft.com/office/drawing/2014/main" id="{A2749EFA-8EE4-4EB8-9424-8E593B9320AD}"/>
-              </a:ext>
-              <a:ext uri="{C183D7F6-B498-43B3-948B-1728B52AA6E4}">
-                <adec:decorative xmlns:adec="http://schemas.microsoft.com/office/drawing/2017/decorative" val="1"/>
-              </a:ext>
-            </a:extLst>
-          </p:cNvPr>
-          <p:cNvSpPr>
-            <a:spLocks noGrp="1" noRot="1" noChangeAspect="1" noMove="1" noResize="1" noEditPoints="1" noAdjustHandles="1" noChangeArrowheads="1" noChangeShapeType="1" noTextEdit="1"/>
-          </p:cNvSpPr>
-          <p:nvPr>
-            <p:extLst>
-              <p:ext uri="{386F3935-93C4-4BCD-93E2-E3B085C9AB24}">
-                <p16:designElem xmlns:p16="http://schemas.microsoft.com/office/powerpoint/2015/main" val="1"/>
-              </p:ext>
-            </p:extLst>
-          </p:nvPr>
-        </p:nvSpPr>
-        <p:spPr bwMode="gray">
-          <a:xfrm rot="16200000">
-            <a:off x="5950898" y="638067"/>
-            <a:ext cx="6053670" cy="5581866"/>
-          </a:xfrm>
-          <a:custGeom>
-            <a:avLst/>
-            <a:gdLst>
-              <a:gd name="connsiteX0" fmla="*/ 6053670 w 6053670"/>
-              <a:gd name="connsiteY0" fmla="*/ 1098 h 5581866"/>
-              <a:gd name="connsiteX1" fmla="*/ 6053670 w 6053670"/>
-              <a:gd name="connsiteY1" fmla="*/ 514028 h 5581866"/>
-              <a:gd name="connsiteX2" fmla="*/ 6053670 w 6053670"/>
-              <a:gd name="connsiteY2" fmla="*/ 1254558 h 5581866"/>
-              <a:gd name="connsiteX3" fmla="*/ 6053670 w 6053670"/>
-              <a:gd name="connsiteY3" fmla="*/ 5581866 h 5581866"/>
-              <a:gd name="connsiteX4" fmla="*/ 0 w 6053670"/>
-              <a:gd name="connsiteY4" fmla="*/ 5581866 h 5581866"/>
-              <a:gd name="connsiteX5" fmla="*/ 0 w 6053670"/>
-              <a:gd name="connsiteY5" fmla="*/ 1249853 h 5581866"/>
-              <a:gd name="connsiteX6" fmla="*/ 0 w 6053670"/>
-              <a:gd name="connsiteY6" fmla="*/ 514028 h 5581866"/>
-              <a:gd name="connsiteX7" fmla="*/ 0 w 6053670"/>
-              <a:gd name="connsiteY7" fmla="*/ 0 h 5581866"/>
-              <a:gd name="connsiteX8" fmla="*/ 35717 w 6053670"/>
-              <a:gd name="connsiteY8" fmla="*/ 5488 h 5581866"/>
-              <a:gd name="connsiteX9" fmla="*/ 140445 w 6053670"/>
-              <a:gd name="connsiteY9" fmla="*/ 21641 h 5581866"/>
-              <a:gd name="connsiteX10" fmla="*/ 216722 w 6053670"/>
-              <a:gd name="connsiteY10" fmla="*/ 32932 h 5581866"/>
-              <a:gd name="connsiteX11" fmla="*/ 307527 w 6053670"/>
-              <a:gd name="connsiteY11" fmla="*/ 44850 h 5581866"/>
-              <a:gd name="connsiteX12" fmla="*/ 415282 w 6053670"/>
-              <a:gd name="connsiteY12" fmla="*/ 59121 h 5581866"/>
-              <a:gd name="connsiteX13" fmla="*/ 534539 w 6053670"/>
-              <a:gd name="connsiteY13" fmla="*/ 74175 h 5581866"/>
-              <a:gd name="connsiteX14" fmla="*/ 668931 w 6053670"/>
-              <a:gd name="connsiteY14" fmla="*/ 90014 h 5581866"/>
-              <a:gd name="connsiteX15" fmla="*/ 815430 w 6053670"/>
-              <a:gd name="connsiteY15" fmla="*/ 106794 h 5581866"/>
-              <a:gd name="connsiteX16" fmla="*/ 974641 w 6053670"/>
-              <a:gd name="connsiteY16" fmla="*/ 123574 h 5581866"/>
-              <a:gd name="connsiteX17" fmla="*/ 1144144 w 6053670"/>
-              <a:gd name="connsiteY17" fmla="*/ 140667 h 5581866"/>
-              <a:gd name="connsiteX18" fmla="*/ 1326965 w 6053670"/>
-              <a:gd name="connsiteY18" fmla="*/ 156506 h 5581866"/>
-              <a:gd name="connsiteX19" fmla="*/ 1518261 w 6053670"/>
-              <a:gd name="connsiteY19" fmla="*/ 171717 h 5581866"/>
-              <a:gd name="connsiteX20" fmla="*/ 1720453 w 6053670"/>
-              <a:gd name="connsiteY20" fmla="*/ 185518 h 5581866"/>
-              <a:gd name="connsiteX21" fmla="*/ 1931121 w 6053670"/>
-              <a:gd name="connsiteY21" fmla="*/ 198690 h 5581866"/>
-              <a:gd name="connsiteX22" fmla="*/ 2150869 w 6053670"/>
-              <a:gd name="connsiteY22" fmla="*/ 211079 h 5581866"/>
-              <a:gd name="connsiteX23" fmla="*/ 2263467 w 6053670"/>
-              <a:gd name="connsiteY23" fmla="*/ 215470 h 5581866"/>
-              <a:gd name="connsiteX24" fmla="*/ 2378487 w 6053670"/>
-              <a:gd name="connsiteY24" fmla="*/ 220332 h 5581866"/>
-              <a:gd name="connsiteX25" fmla="*/ 2495323 w 6053670"/>
-              <a:gd name="connsiteY25" fmla="*/ 224879 h 5581866"/>
-              <a:gd name="connsiteX26" fmla="*/ 2612764 w 6053670"/>
-              <a:gd name="connsiteY26" fmla="*/ 227859 h 5581866"/>
-              <a:gd name="connsiteX27" fmla="*/ 2732627 w 6053670"/>
-              <a:gd name="connsiteY27" fmla="*/ 230525 h 5581866"/>
-              <a:gd name="connsiteX28" fmla="*/ 2853700 w 6053670"/>
-              <a:gd name="connsiteY28" fmla="*/ 233348 h 5581866"/>
-              <a:gd name="connsiteX29" fmla="*/ 2977195 w 6053670"/>
-              <a:gd name="connsiteY29" fmla="*/ 235229 h 5581866"/>
-              <a:gd name="connsiteX30" fmla="*/ 3101900 w 6053670"/>
-              <a:gd name="connsiteY30" fmla="*/ 235229 h 5581866"/>
-              <a:gd name="connsiteX31" fmla="*/ 3227817 w 6053670"/>
-              <a:gd name="connsiteY31" fmla="*/ 236170 h 5581866"/>
-              <a:gd name="connsiteX32" fmla="*/ 3354944 w 6053670"/>
-              <a:gd name="connsiteY32" fmla="*/ 235229 h 5581866"/>
-              <a:gd name="connsiteX33" fmla="*/ 3483887 w 6053670"/>
-              <a:gd name="connsiteY33" fmla="*/ 233348 h 5581866"/>
-              <a:gd name="connsiteX34" fmla="*/ 3612830 w 6053670"/>
-              <a:gd name="connsiteY34" fmla="*/ 231623 h 5581866"/>
-              <a:gd name="connsiteX35" fmla="*/ 3743589 w 6053670"/>
-              <a:gd name="connsiteY35" fmla="*/ 227859 h 5581866"/>
-              <a:gd name="connsiteX36" fmla="*/ 3875559 w 6053670"/>
-              <a:gd name="connsiteY36" fmla="*/ 223938 h 5581866"/>
-              <a:gd name="connsiteX37" fmla="*/ 4007529 w 6053670"/>
-              <a:gd name="connsiteY37" fmla="*/ 219391 h 5581866"/>
-              <a:gd name="connsiteX38" fmla="*/ 4140710 w 6053670"/>
-              <a:gd name="connsiteY38" fmla="*/ 212961 h 5581866"/>
-              <a:gd name="connsiteX39" fmla="*/ 4275102 w 6053670"/>
-              <a:gd name="connsiteY39" fmla="*/ 205277 h 5581866"/>
-              <a:gd name="connsiteX40" fmla="*/ 4410098 w 6053670"/>
-              <a:gd name="connsiteY40" fmla="*/ 197907 h 5581866"/>
-              <a:gd name="connsiteX41" fmla="*/ 4545096 w 6053670"/>
-              <a:gd name="connsiteY41" fmla="*/ 188498 h 5581866"/>
-              <a:gd name="connsiteX42" fmla="*/ 4681909 w 6053670"/>
-              <a:gd name="connsiteY42" fmla="*/ 177207 h 5581866"/>
-              <a:gd name="connsiteX43" fmla="*/ 4816905 w 6053670"/>
-              <a:gd name="connsiteY43" fmla="*/ 165916 h 5581866"/>
-              <a:gd name="connsiteX44" fmla="*/ 4954323 w 6053670"/>
-              <a:gd name="connsiteY44" fmla="*/ 152899 h 5581866"/>
-              <a:gd name="connsiteX45" fmla="*/ 5092347 w 6053670"/>
-              <a:gd name="connsiteY45" fmla="*/ 138629 h 5581866"/>
-              <a:gd name="connsiteX46" fmla="*/ 5228555 w 6053670"/>
-              <a:gd name="connsiteY46" fmla="*/ 123574 h 5581866"/>
-              <a:gd name="connsiteX47" fmla="*/ 5366578 w 6053670"/>
-              <a:gd name="connsiteY47" fmla="*/ 106010 h 5581866"/>
-              <a:gd name="connsiteX48" fmla="*/ 5503997 w 6053670"/>
-              <a:gd name="connsiteY48" fmla="*/ 87192 h 5581866"/>
-              <a:gd name="connsiteX49" fmla="*/ 5642020 w 6053670"/>
-              <a:gd name="connsiteY49" fmla="*/ 68530 h 5581866"/>
-              <a:gd name="connsiteX50" fmla="*/ 5779438 w 6053670"/>
-              <a:gd name="connsiteY50" fmla="*/ 46733 h 5581866"/>
-              <a:gd name="connsiteX51" fmla="*/ 5916251 w 6053670"/>
-              <a:gd name="connsiteY51" fmla="*/ 24464 h 5581866"/>
-            </a:gdLst>
-            <a:ahLst/>
-            <a:cxnLst>
-              <a:cxn ang="0">
-                <a:pos x="connsiteX0" y="connsiteY0"/>
-              </a:cxn>
-              <a:cxn ang="0">
-                <a:pos x="connsiteX1" y="connsiteY1"/>
-              </a:cxn>
-              <a:cxn ang="0">
-                <a:pos x="connsiteX2" y="connsiteY2"/>
-              </a:cxn>
-              <a:cxn ang="0">
-                <a:pos x="connsiteX3" y="connsiteY3"/>
-              </a:cxn>
-              <a:cxn ang="0">
-                <a:pos x="connsiteX4" y="connsiteY4"/>
-              </a:cxn>
-              <a:cxn ang="0">
-                <a:pos x="connsiteX5" y="connsiteY5"/>
-              </a:cxn>
-              <a:cxn ang="0">
-                <a:pos x="connsiteX6" y="connsiteY6"/>
-              </a:cxn>
-              <a:cxn ang="0">
-                <a:pos x="connsiteX7" y="connsiteY7"/>
-              </a:cxn>
-              <a:cxn ang="0">
-                <a:pos x="connsiteX8" y="connsiteY8"/>
-              </a:cxn>
-              <a:cxn ang="0">
-                <a:pos x="connsiteX9" y="connsiteY9"/>
-              </a:cxn>
-              <a:cxn ang="0">
-                <a:pos x="connsiteX10" y="connsiteY10"/>
-              </a:cxn>
-              <a:cxn ang="0">
-                <a:pos x="connsiteX11" y="connsiteY11"/>
-              </a:cxn>
-              <a:cxn ang="0">
-                <a:pos x="connsiteX12" y="connsiteY12"/>
-              </a:cxn>
-              <a:cxn ang="0">
-                <a:pos x="connsiteX13" y="connsiteY13"/>
-              </a:cxn>
-              <a:cxn ang="0">
-                <a:pos x="connsiteX14" y="connsiteY14"/>
-              </a:cxn>
-              <a:cxn ang="0">
-                <a:pos x="connsiteX15" y="connsiteY15"/>
-              </a:cxn>
-              <a:cxn ang="0">
-                <a:pos x="connsiteX16" y="connsiteY16"/>
-              </a:cxn>
-              <a:cxn ang="0">
-                <a:pos x="connsiteX17" y="connsiteY17"/>
-              </a:cxn>
-              <a:cxn ang="0">
-                <a:pos x="connsiteX18" y="connsiteY18"/>
-              </a:cxn>
-              <a:cxn ang="0">
-                <a:pos x="connsiteX19" y="connsiteY19"/>
-              </a:cxn>
-              <a:cxn ang="0">
-                <a:pos x="connsiteX20" y="connsiteY20"/>
-              </a:cxn>
-              <a:cxn ang="0">
-                <a:pos x="connsiteX21" y="connsiteY21"/>
-              </a:cxn>
-              <a:cxn ang="0">
-                <a:pos x="connsiteX22" y="connsiteY22"/>
-              </a:cxn>
-              <a:cxn ang="0">
-                <a:pos x="connsiteX23" y="connsiteY23"/>
-              </a:cxn>
-              <a:cxn ang="0">
-                <a:pos x="connsiteX24" y="connsiteY24"/>
-              </a:cxn>
-              <a:cxn ang="0">
-                <a:pos x="connsiteX25" y="connsiteY25"/>
-              </a:cxn>
-              <a:cxn ang="0">
-                <a:pos x="connsiteX26" y="connsiteY26"/>
-              </a:cxn>
-              <a:cxn ang="0">
-                <a:pos x="connsiteX27" y="connsiteY27"/>
-              </a:cxn>
-              <a:cxn ang="0">
-                <a:pos x="connsiteX28" y="connsiteY28"/>
-              </a:cxn>
-              <a:cxn ang="0">
-                <a:pos x="connsiteX29" y="connsiteY29"/>
-              </a:cxn>
-              <a:cxn ang="0">
-                <a:pos x="connsiteX30" y="connsiteY30"/>
-              </a:cxn>
-              <a:cxn ang="0">
-                <a:pos x="connsiteX31" y="connsiteY31"/>
-              </a:cxn>
-              <a:cxn ang="0">
-                <a:pos x="connsiteX32" y="connsiteY32"/>
-              </a:cxn>
-              <a:cxn ang="0">
-                <a:pos x="connsiteX33" y="connsiteY33"/>
-              </a:cxn>
-              <a:cxn ang="0">
-                <a:pos x="connsiteX34" y="connsiteY34"/>
-              </a:cxn>
-              <a:cxn ang="0">
-                <a:pos x="connsiteX35" y="connsiteY35"/>
-              </a:cxn>
-              <a:cxn ang="0">
-                <a:pos x="connsiteX36" y="connsiteY36"/>
-              </a:cxn>
-              <a:cxn ang="0">
-                <a:pos x="connsiteX37" y="connsiteY37"/>
-              </a:cxn>
-              <a:cxn ang="0">
-                <a:pos x="connsiteX38" y="connsiteY38"/>
-              </a:cxn>
-              <a:cxn ang="0">
-                <a:pos x="connsiteX39" y="connsiteY39"/>
-              </a:cxn>
-              <a:cxn ang="0">
-                <a:pos x="connsiteX40" y="connsiteY40"/>
-              </a:cxn>
-              <a:cxn ang="0">
-                <a:pos x="connsiteX41" y="connsiteY41"/>
-              </a:cxn>
-              <a:cxn ang="0">
-                <a:pos x="connsiteX42" y="connsiteY42"/>
-              </a:cxn>
-              <a:cxn ang="0">
-                <a:pos x="connsiteX43" y="connsiteY43"/>
-              </a:cxn>
-              <a:cxn ang="0">
-                <a:pos x="connsiteX44" y="connsiteY44"/>
-              </a:cxn>
-              <a:cxn ang="0">
-                <a:pos x="connsiteX45" y="connsiteY45"/>
-              </a:cxn>
-              <a:cxn ang="0">
-                <a:pos x="connsiteX46" y="connsiteY46"/>
-              </a:cxn>
-              <a:cxn ang="0">
-                <a:pos x="connsiteX47" y="connsiteY47"/>
-              </a:cxn>
-              <a:cxn ang="0">
-                <a:pos x="connsiteX48" y="connsiteY48"/>
-              </a:cxn>
-              <a:cxn ang="0">
-                <a:pos x="connsiteX49" y="connsiteY49"/>
-              </a:cxn>
-              <a:cxn ang="0">
-                <a:pos x="connsiteX50" y="connsiteY50"/>
-              </a:cxn>
-              <a:cxn ang="0">
-                <a:pos x="connsiteX51" y="connsiteY51"/>
-              </a:cxn>
-            </a:cxnLst>
-            <a:rect l="l" t="t" r="r" b="b"/>
-            <a:pathLst>
-              <a:path w="6053670" h="5581866">
-                <a:moveTo>
-                  <a:pt x="6053670" y="1098"/>
-                </a:moveTo>
-                <a:lnTo>
-                  <a:pt x="6053670" y="514028"/>
-                </a:lnTo>
-                <a:lnTo>
-                  <a:pt x="6053670" y="1254558"/>
-                </a:lnTo>
-                <a:lnTo>
-                  <a:pt x="6053670" y="5581866"/>
-                </a:lnTo>
-                <a:lnTo>
-                  <a:pt x="0" y="5581866"/>
-                </a:lnTo>
-                <a:lnTo>
-                  <a:pt x="0" y="1249853"/>
-                </a:lnTo>
-                <a:lnTo>
-                  <a:pt x="0" y="514028"/>
-                </a:lnTo>
-                <a:lnTo>
-                  <a:pt x="0" y="0"/>
-                </a:lnTo>
-                <a:lnTo>
-                  <a:pt x="35717" y="5488"/>
-                </a:lnTo>
-                <a:lnTo>
-                  <a:pt x="140445" y="21641"/>
-                </a:lnTo>
-                <a:lnTo>
-                  <a:pt x="216722" y="32932"/>
-                </a:lnTo>
-                <a:lnTo>
-                  <a:pt x="307527" y="44850"/>
-                </a:lnTo>
-                <a:lnTo>
-                  <a:pt x="415282" y="59121"/>
-                </a:lnTo>
-                <a:lnTo>
-                  <a:pt x="534539" y="74175"/>
-                </a:lnTo>
-                <a:lnTo>
-                  <a:pt x="668931" y="90014"/>
-                </a:lnTo>
-                <a:lnTo>
-                  <a:pt x="815430" y="106794"/>
-                </a:lnTo>
-                <a:lnTo>
-                  <a:pt x="974641" y="123574"/>
-                </a:lnTo>
-                <a:lnTo>
-                  <a:pt x="1144144" y="140667"/>
-                </a:lnTo>
-                <a:lnTo>
-                  <a:pt x="1326965" y="156506"/>
-                </a:lnTo>
-                <a:lnTo>
-                  <a:pt x="1518261" y="171717"/>
-                </a:lnTo>
-                <a:lnTo>
-                  <a:pt x="1720453" y="185518"/>
-                </a:lnTo>
-                <a:lnTo>
-                  <a:pt x="1931121" y="198690"/>
-                </a:lnTo>
-                <a:lnTo>
-                  <a:pt x="2150869" y="211079"/>
-                </a:lnTo>
-                <a:lnTo>
-                  <a:pt x="2263467" y="215470"/>
-                </a:lnTo>
-                <a:lnTo>
-                  <a:pt x="2378487" y="220332"/>
-                </a:lnTo>
-                <a:lnTo>
-                  <a:pt x="2495323" y="224879"/>
-                </a:lnTo>
-                <a:lnTo>
-                  <a:pt x="2612764" y="227859"/>
-                </a:lnTo>
-                <a:lnTo>
-                  <a:pt x="2732627" y="230525"/>
-                </a:lnTo>
-                <a:lnTo>
-                  <a:pt x="2853700" y="233348"/>
-                </a:lnTo>
-                <a:lnTo>
-                  <a:pt x="2977195" y="235229"/>
-                </a:lnTo>
-                <a:lnTo>
-                  <a:pt x="3101900" y="235229"/>
-                </a:lnTo>
-                <a:lnTo>
-                  <a:pt x="3227817" y="236170"/>
-                </a:lnTo>
-                <a:lnTo>
-                  <a:pt x="3354944" y="235229"/>
-                </a:lnTo>
-                <a:lnTo>
-                  <a:pt x="3483887" y="233348"/>
-                </a:lnTo>
-                <a:lnTo>
-                  <a:pt x="3612830" y="231623"/>
-                </a:lnTo>
-                <a:lnTo>
-                  <a:pt x="3743589" y="227859"/>
-                </a:lnTo>
-                <a:lnTo>
-                  <a:pt x="3875559" y="223938"/>
-                </a:lnTo>
-                <a:lnTo>
-                  <a:pt x="4007529" y="219391"/>
-                </a:lnTo>
-                <a:lnTo>
-                  <a:pt x="4140710" y="212961"/>
-                </a:lnTo>
-                <a:lnTo>
-                  <a:pt x="4275102" y="205277"/>
-                </a:lnTo>
-                <a:lnTo>
-                  <a:pt x="4410098" y="197907"/>
-                </a:lnTo>
-                <a:lnTo>
-                  <a:pt x="4545096" y="188498"/>
-                </a:lnTo>
-                <a:lnTo>
-                  <a:pt x="4681909" y="177207"/>
-                </a:lnTo>
-                <a:lnTo>
-                  <a:pt x="4816905" y="165916"/>
-                </a:lnTo>
-                <a:lnTo>
-                  <a:pt x="4954323" y="152899"/>
-                </a:lnTo>
-                <a:lnTo>
-                  <a:pt x="5092347" y="138629"/>
-                </a:lnTo>
-                <a:lnTo>
-                  <a:pt x="5228555" y="123574"/>
-                </a:lnTo>
-                <a:lnTo>
-                  <a:pt x="5366578" y="106010"/>
-                </a:lnTo>
-                <a:lnTo>
-                  <a:pt x="5503997" y="87192"/>
-                </a:lnTo>
-                <a:lnTo>
-                  <a:pt x="5642020" y="68530"/>
-                </a:lnTo>
-                <a:lnTo>
-                  <a:pt x="5779438" y="46733"/>
-                </a:lnTo>
-                <a:lnTo>
-                  <a:pt x="5916251" y="24464"/>
-                </a:lnTo>
-                <a:close/>
-              </a:path>
-            </a:pathLst>
-          </a:custGeom>
-          <a:solidFill>
-            <a:schemeClr val="tx1"/>
-          </a:solidFill>
-          <a:ln>
-            <a:noFill/>
-          </a:ln>
-        </p:spPr>
-      </p:sp>
-      <p:sp>
-        <p:nvSpPr>
-          <p:cNvPr id="16" name="Freeform 5">
-            <a:extLst>
-              <a:ext uri="{FF2B5EF4-FFF2-40B4-BE49-F238E27FC236}">
-                <a16:creationId xmlns:a16="http://schemas.microsoft.com/office/drawing/2014/main" id="{B5C860C9-D4F9-4350-80DA-0D1CD36C7741}"/>
-              </a:ext>
-              <a:ext uri="{C183D7F6-B498-43B3-948B-1728B52AA6E4}">
-                <adec:decorative xmlns:adec="http://schemas.microsoft.com/office/drawing/2017/decorative" val="1"/>
-              </a:ext>
-            </a:extLst>
-          </p:cNvPr>
-          <p:cNvSpPr>
-            <a:spLocks noGrp="1" noRot="1" noChangeAspect="1" noMove="1" noResize="1" noEditPoints="1" noAdjustHandles="1" noChangeArrowheads="1" noChangeShapeType="1" noTextEdit="1"/>
-          </p:cNvSpPr>
-          <p:nvPr>
-            <p:extLst>
-              <p:ext uri="{386F3935-93C4-4BCD-93E2-E3B085C9AB24}">
-                <p16:designElem xmlns:p16="http://schemas.microsoft.com/office/powerpoint/2015/main" val="1"/>
-              </p:ext>
-            </p:extLst>
-          </p:nvPr>
-        </p:nvSpPr>
-        <p:spPr bwMode="gray">
-          <a:xfrm>
-            <a:off x="0" y="1587"/>
-            <a:ext cx="12192000" cy="6856413"/>
-          </a:xfrm>
-          <a:custGeom>
-            <a:avLst/>
-            <a:gdLst/>
-            <a:ahLst/>
-            <a:cxnLst/>
-            <a:rect l="0" t="0" r="r" b="b"/>
-            <a:pathLst>
-              <a:path w="15356" h="8638">
-                <a:moveTo>
-                  <a:pt x="0" y="0"/>
-                </a:moveTo>
-                <a:lnTo>
-                  <a:pt x="0" y="8638"/>
-                </a:lnTo>
-                <a:lnTo>
-                  <a:pt x="15356" y="8638"/>
-                </a:lnTo>
-                <a:lnTo>
-                  <a:pt x="15356" y="0"/>
-                </a:lnTo>
-                <a:lnTo>
-                  <a:pt x="0" y="0"/>
-                </a:lnTo>
-                <a:close/>
-                <a:moveTo>
-                  <a:pt x="14748" y="8038"/>
-                </a:moveTo>
-                <a:lnTo>
-                  <a:pt x="600" y="8038"/>
-                </a:lnTo>
-                <a:lnTo>
-                  <a:pt x="600" y="592"/>
-                </a:lnTo>
-                <a:lnTo>
-                  <a:pt x="14748" y="592"/>
-                </a:lnTo>
-                <a:lnTo>
-                  <a:pt x="14748" y="8038"/>
-                </a:lnTo>
-                <a:close/>
-              </a:path>
-            </a:pathLst>
-          </a:custGeom>
-          <a:solidFill>
-            <a:schemeClr val="tx1"/>
-          </a:solidFill>
-          <a:ln>
-            <a:noFill/>
-          </a:ln>
-        </p:spPr>
-      </p:sp>
-      <p:sp>
-        <p:nvSpPr>
-          <p:cNvPr id="2" name="Title 1">
-            <a:extLst>
-              <a:ext uri="{FF2B5EF4-FFF2-40B4-BE49-F238E27FC236}">
-                <a16:creationId xmlns:a16="http://schemas.microsoft.com/office/drawing/2014/main" id="{390131CC-EFB1-F54F-BE30-1BD816CCF850}"/>
-              </a:ext>
-            </a:extLst>
-          </p:cNvPr>
-          <p:cNvSpPr>
-            <a:spLocks noGrp="1"/>
-          </p:cNvSpPr>
-          <p:nvPr>
-            <p:ph type="title"/>
-          </p:nvPr>
-        </p:nvSpPr>
-        <p:spPr>
-          <a:xfrm>
-            <a:off x="639098" y="629265"/>
-            <a:ext cx="5132438" cy="1622322"/>
+            <a:off x="1154955" y="973667"/>
+            <a:ext cx="2942210" cy="4833745"/>
           </a:xfrm>
         </p:spPr>
         <p:txBody>
@@ -36074,56 +35112,17 @@
                   <a:srgbClr val="EBEBEB"/>
                 </a:solidFill>
               </a:rPr>
-              <a:t>Introduction</a:t>
+              <a:t>The Problem</a:t>
             </a:r>
           </a:p>
         </p:txBody>
       </p:sp>
-      <p:pic>
-        <p:nvPicPr>
-          <p:cNvPr id="7" name="Graphic 6" descr="Light Bulb and Gear">
+      <p:sp>
+        <p:nvSpPr>
+          <p:cNvPr id="26" name="Rectangle 25">
             <a:extLst>
               <a:ext uri="{FF2B5EF4-FFF2-40B4-BE49-F238E27FC236}">
-                <a16:creationId xmlns:a16="http://schemas.microsoft.com/office/drawing/2014/main" id="{457B2D12-D02C-45D0-8FE3-D3C7F71FF5C3}"/>
-              </a:ext>
-            </a:extLst>
-          </p:cNvPr>
-          <p:cNvPicPr>
-            <a:picLocks noChangeAspect="1"/>
-          </p:cNvPicPr>
-          <p:nvPr/>
-        </p:nvPicPr>
-        <p:blipFill>
-          <a:blip r:embed="rId2">
-            <a:extLst>
-              <a:ext uri="{28A0092B-C50C-407E-A947-70E740481C1C}">
-                <a14:useLocalDpi xmlns:a14="http://schemas.microsoft.com/office/drawing/2010/main" val="0"/>
-              </a:ext>
-              <a:ext uri="{96DAC541-7B7A-43D3-8B79-37D633B846F1}">
-                <asvg:svgBlip xmlns:asvg="http://schemas.microsoft.com/office/drawing/2016/SVG/main" r:embed="rId3"/>
-              </a:ext>
-            </a:extLst>
-          </a:blip>
-          <a:stretch>
-            <a:fillRect/>
-          </a:stretch>
-        </p:blipFill>
-        <p:spPr>
-          <a:xfrm>
-            <a:off x="6714836" y="1023437"/>
-            <a:ext cx="4828707" cy="4828707"/>
-          </a:xfrm>
-          <a:prstGeom prst="rect">
-            <a:avLst/>
-          </a:prstGeom>
-        </p:spPr>
-      </p:pic>
-      <p:sp>
-        <p:nvSpPr>
-          <p:cNvPr id="18" name="Rectangle 17">
-            <a:extLst>
-              <a:ext uri="{FF2B5EF4-FFF2-40B4-BE49-F238E27FC236}">
-                <a16:creationId xmlns:a16="http://schemas.microsoft.com/office/drawing/2014/main" id="{538A90C8-AE0E-4EBA-9AF8-EEDB206020E0}"/>
+                <a16:creationId xmlns:a16="http://schemas.microsoft.com/office/drawing/2014/main" id="{CC28BCC9-4093-4FD5-83EB-7EC297F51396}"/>
               </a:ext>
               <a:ext uri="{C183D7F6-B498-43B3-948B-1728B52AA6E4}">
                 <adec:decorative xmlns:adec="http://schemas.microsoft.com/office/drawing/2017/decorative" val="1"/>
@@ -36171,12 +35170,106 @@
           </a:fontRef>
         </p:style>
       </p:sp>
+      <p:graphicFrame>
+        <p:nvGraphicFramePr>
+          <p:cNvPr id="12" name="Content Placeholder 9">
+            <a:extLst>
+              <a:ext uri="{FF2B5EF4-FFF2-40B4-BE49-F238E27FC236}">
+                <a16:creationId xmlns:a16="http://schemas.microsoft.com/office/drawing/2014/main" id="{B1ADEA9F-7AB4-46E2-825E-1E41AB93DAB6}"/>
+              </a:ext>
+            </a:extLst>
+          </p:cNvPr>
+          <p:cNvGraphicFramePr>
+            <a:graphicFrameLocks noGrp="1"/>
+          </p:cNvGraphicFramePr>
+          <p:nvPr>
+            <p:ph idx="1"/>
+            <p:extLst>
+              <p:ext uri="{D42A27DB-BD31-4B8C-83A1-F6EECF244321}">
+                <p14:modId xmlns:p14="http://schemas.microsoft.com/office/powerpoint/2010/main" val="873170653"/>
+              </p:ext>
+            </p:extLst>
+          </p:nvPr>
+        </p:nvGraphicFramePr>
+        <p:xfrm>
+          <a:off x="5194300" y="808038"/>
+          <a:ext cx="6391275" cy="5246687"/>
+        </p:xfrm>
+        <a:graphic>
+          <a:graphicData uri="http://schemas.openxmlformats.org/drawingml/2006/diagram">
+            <dgm:relIds xmlns:dgm="http://schemas.openxmlformats.org/drawingml/2006/diagram" xmlns:r="http://schemas.openxmlformats.org/officeDocument/2006/relationships" r:dm="rId3" r:lo="rId4" r:qs="rId5" r:cs="rId6"/>
+          </a:graphicData>
+        </a:graphic>
+      </p:graphicFrame>
+    </p:spTree>
+    <p:extLst>
+      <p:ext uri="{BB962C8B-B14F-4D97-AF65-F5344CB8AC3E}">
+        <p14:creationId xmlns:p14="http://schemas.microsoft.com/office/powerpoint/2010/main" val="2174191479"/>
+      </p:ext>
+    </p:extLst>
+  </p:cSld>
+  <p:clrMapOvr>
+    <a:masterClrMapping/>
+  </p:clrMapOvr>
+</p:sld>
+</file>
+
+<file path=ppt/slides/slide4.xml><?xml version="1.0" encoding="utf-8"?>
+<p:sld xmlns:a="http://schemas.openxmlformats.org/drawingml/2006/main" xmlns:r="http://schemas.openxmlformats.org/officeDocument/2006/relationships" xmlns:p="http://schemas.openxmlformats.org/presentationml/2006/main">
+  <p:cSld>
+    <p:spTree>
+      <p:nvGrpSpPr>
+        <p:cNvPr id="1" name=""/>
+        <p:cNvGrpSpPr/>
+        <p:nvPr/>
+      </p:nvGrpSpPr>
+      <p:grpSpPr>
+        <a:xfrm>
+          <a:off x="0" y="0"/>
+          <a:ext cx="0" cy="0"/>
+          <a:chOff x="0" y="0"/>
+          <a:chExt cx="0" cy="0"/>
+        </a:xfrm>
+      </p:grpSpPr>
+      <p:sp>
+        <p:nvSpPr>
+          <p:cNvPr id="2" name="Title 1">
+            <a:extLst>
+              <a:ext uri="{FF2B5EF4-FFF2-40B4-BE49-F238E27FC236}">
+                <a16:creationId xmlns:a16="http://schemas.microsoft.com/office/drawing/2014/main" id="{C39367FE-A749-C141-9D5D-FD01B4074E8F}"/>
+              </a:ext>
+            </a:extLst>
+          </p:cNvPr>
+          <p:cNvSpPr>
+            <a:spLocks noGrp="1"/>
+          </p:cNvSpPr>
+          <p:nvPr>
+            <p:ph type="title"/>
+          </p:nvPr>
+        </p:nvSpPr>
+        <p:spPr>
+          <a:xfrm>
+            <a:off x="1154954" y="973668"/>
+            <a:ext cx="8761413" cy="946572"/>
+          </a:xfrm>
+        </p:spPr>
+        <p:txBody>
+          <a:bodyPr/>
+          <a:lstStyle/>
+          <a:p>
+            <a:r>
+              <a:rPr lang="en-US" dirty="0"/>
+              <a:t>Solution </a:t>
+            </a:r>
+          </a:p>
+        </p:txBody>
+      </p:sp>
       <p:sp>
         <p:nvSpPr>
           <p:cNvPr id="3" name="Content Placeholder 2">
             <a:extLst>
               <a:ext uri="{FF2B5EF4-FFF2-40B4-BE49-F238E27FC236}">
-                <a16:creationId xmlns:a16="http://schemas.microsoft.com/office/drawing/2014/main" id="{CED34F49-17D8-7748-B04B-0DF16BBD3EC9}"/>
+                <a16:creationId xmlns:a16="http://schemas.microsoft.com/office/drawing/2014/main" id="{0B7283E0-EB27-8F47-8E33-9DC4D88F7E36}"/>
               </a:ext>
             </a:extLst>
           </p:cNvPr>
@@ -36187,87 +35280,79 @@
             <p:ph idx="1"/>
           </p:nvPr>
         </p:nvSpPr>
-        <p:spPr>
-          <a:xfrm>
-            <a:off x="639098" y="2091193"/>
-            <a:ext cx="5132439" cy="4139284"/>
-          </a:xfrm>
-        </p:spPr>
+        <p:spPr/>
         <p:txBody>
-          <a:bodyPr anchor="ctr">
-            <a:normAutofit/>
-          </a:bodyPr>
+          <a:bodyPr/>
           <a:lstStyle/>
           <a:p>
             <a:r>
-              <a:rPr lang="en-US" dirty="0">
-                <a:solidFill>
-                  <a:srgbClr val="FFFFFF"/>
-                </a:solidFill>
-              </a:rPr>
-              <a:t>The difficulty in training deep neural networks begins and ends with the principle on which they are founded</a:t>
+              <a:rPr lang="en-US" dirty="0" err="1"/>
+              <a:t>Sparseify</a:t>
             </a:r>
-          </a:p>
-          <a:p>
             <a:r>
-              <a:rPr lang="en-US" dirty="0">
-                <a:solidFill>
-                  <a:srgbClr val="FFFFFF"/>
-                </a:solidFill>
-              </a:rPr>
-              <a:t>FCL adds a quadratic increase in calculable parameters with increased nodes.</a:t>
-            </a:r>
-          </a:p>
-          <a:p>
-            <a:r>
-              <a:rPr lang="en-US" dirty="0">
-                <a:solidFill>
-                  <a:srgbClr val="FFFFFF"/>
-                </a:solidFill>
-              </a:rPr>
-              <a:t>Problem</a:t>
+              <a:rPr lang="en-US" dirty="0"/>
+              <a:t> the Model</a:t>
             </a:r>
           </a:p>
           <a:p>
             <a:pPr lvl="1"/>
             <a:r>
-              <a:rPr lang="en-US" dirty="0">
-                <a:solidFill>
-                  <a:srgbClr val="FFFFFF"/>
-                </a:solidFill>
-              </a:rPr>
-              <a:t>Models are too large. </a:t>
+              <a:rPr lang="en-US" dirty="0"/>
+              <a:t>Minimizes compute resources</a:t>
             </a:r>
           </a:p>
           <a:p>
             <a:pPr lvl="1"/>
             <a:r>
-              <a:rPr lang="en-US" dirty="0">
-                <a:solidFill>
-                  <a:srgbClr val="FFFFFF"/>
-                </a:solidFill>
-              </a:rPr>
-              <a:t>Pt-SNE aims to fix this while improving accuracy.</a:t>
+              <a:rPr lang="en-US" dirty="0"/>
+              <a:t>Reduced training time</a:t>
             </a:r>
           </a:p>
           <a:p>
-            <a:endParaRPr lang="en-US" dirty="0">
-              <a:solidFill>
-                <a:srgbClr val="FFFFFF"/>
-              </a:solidFill>
-            </a:endParaRPr>
+            <a:r>
+              <a:rPr lang="en-US" dirty="0"/>
+              <a:t>Regularization </a:t>
+            </a:r>
+          </a:p>
+          <a:p>
+            <a:pPr lvl="1"/>
+            <a:r>
+              <a:rPr lang="en-US" dirty="0"/>
+              <a:t>Limits trained weights within a range with Penalties</a:t>
+            </a:r>
+          </a:p>
+          <a:p>
+            <a:r>
+              <a:rPr lang="en-US" dirty="0"/>
+              <a:t>Regional Specialization</a:t>
+            </a:r>
+          </a:p>
+          <a:p>
+            <a:pPr lvl="1"/>
+            <a:r>
+              <a:rPr lang="en-US" dirty="0" err="1"/>
+              <a:t>Ensembling</a:t>
+            </a:r>
+            <a:endParaRPr lang="en-US" dirty="0"/>
+          </a:p>
+          <a:p>
+            <a:pPr lvl="1"/>
+            <a:r>
+              <a:rPr lang="en-US" dirty="0"/>
+              <a:t>Gated Mixture of Experts</a:t>
+            </a:r>
           </a:p>
         </p:txBody>
       </p:sp>
     </p:spTree>
     <p:extLst>
       <p:ext uri="{BB962C8B-B14F-4D97-AF65-F5344CB8AC3E}">
-        <p14:creationId xmlns:p14="http://schemas.microsoft.com/office/powerpoint/2010/main" val="202889118"/>
+        <p14:creationId xmlns:p14="http://schemas.microsoft.com/office/powerpoint/2010/main" val="1589107340"/>
       </p:ext>
     </p:extLst>
   </p:cSld>
   <p:clrMapOvr>
-    <a:overrideClrMapping bg1="dk1" tx1="lt1" bg2="dk2" tx2="lt2" accent1="accent1" accent2="accent2" accent3="accent3" accent4="accent4" accent5="accent5" accent6="accent6" hlink="hlink" folHlink="folHlink"/>
+    <a:masterClrMapping/>
   </p:clrMapOvr>
 </p:sld>
 </file>
@@ -37069,7 +36154,7 @@
                   <a:srgbClr val="EBEBEB"/>
                 </a:solidFill>
               </a:rPr>
-              <a:t>Related Work</a:t>
+              <a:t>Prior Work that Addresses this Problem</a:t>
             </a:r>
           </a:p>
         </p:txBody>
@@ -37143,7 +36228,7 @@
             <p:ph idx="1"/>
             <p:extLst>
               <p:ext uri="{D42A27DB-BD31-4B8C-83A1-F6EECF244321}">
-                <p14:modId xmlns:p14="http://schemas.microsoft.com/office/powerpoint/2010/main" val="3039592868"/>
+                <p14:modId xmlns:p14="http://schemas.microsoft.com/office/powerpoint/2010/main" val="2466910526"/>
               </p:ext>
             </p:extLst>
           </p:nvPr>
@@ -37193,124 +36278,6 @@
           <p:cNvPr id="2" name="Title 1">
             <a:extLst>
               <a:ext uri="{FF2B5EF4-FFF2-40B4-BE49-F238E27FC236}">
-                <a16:creationId xmlns:a16="http://schemas.microsoft.com/office/drawing/2014/main" id="{CF93F40C-C7B2-B04C-8AC4-CD8E73156B05}"/>
-              </a:ext>
-            </a:extLst>
-          </p:cNvPr>
-          <p:cNvSpPr>
-            <a:spLocks noGrp="1"/>
-          </p:cNvSpPr>
-          <p:nvPr>
-            <p:ph type="title"/>
-          </p:nvPr>
-        </p:nvSpPr>
-        <p:spPr/>
-        <p:txBody>
-          <a:bodyPr/>
-          <a:lstStyle/>
-          <a:p>
-            <a:r>
-              <a:rPr lang="en-US" dirty="0"/>
-              <a:t>Sample References</a:t>
-            </a:r>
-          </a:p>
-        </p:txBody>
-      </p:sp>
-      <p:sp>
-        <p:nvSpPr>
-          <p:cNvPr id="3" name="Content Placeholder 2">
-            <a:extLst>
-              <a:ext uri="{FF2B5EF4-FFF2-40B4-BE49-F238E27FC236}">
-                <a16:creationId xmlns:a16="http://schemas.microsoft.com/office/drawing/2014/main" id="{7A946372-505E-7841-A60E-93C2AE6EEDC7}"/>
-              </a:ext>
-            </a:extLst>
-          </p:cNvPr>
-          <p:cNvSpPr>
-            <a:spLocks noGrp="1"/>
-          </p:cNvSpPr>
-          <p:nvPr>
-            <p:ph idx="1"/>
-          </p:nvPr>
-        </p:nvSpPr>
-        <p:spPr>
-          <a:xfrm>
-            <a:off x="637954" y="2603499"/>
-            <a:ext cx="10962168" cy="3669709"/>
-          </a:xfrm>
-        </p:spPr>
-        <p:txBody>
-          <a:bodyPr>
-            <a:normAutofit/>
-          </a:bodyPr>
-          <a:lstStyle/>
-          <a:p>
-            <a:r>
-              <a:rPr lang="en-US" dirty="0"/>
-              <a:t>Brain</a:t>
-            </a:r>
-          </a:p>
-          <a:p>
-            <a:pPr lvl="1"/>
-            <a:r>
-              <a:rPr lang="en-US" dirty="0"/>
-              <a:t>”Anatomical funneling, sparse connectivity and redundancy reduction in the neural networks of the basal ganglia”</a:t>
-            </a:r>
-          </a:p>
-          <a:p>
-            <a:pPr lvl="1"/>
-            <a:r>
-              <a:rPr lang="en-US" dirty="0"/>
-              <a:t>Sparse synaptic connectivity is required for decorrelation and pattern separation in feedforward networks. </a:t>
-            </a:r>
-          </a:p>
-          <a:p>
-            <a:pPr lvl="1"/>
-            <a:r>
-              <a:rPr lang="en-US" dirty="0"/>
-              <a:t>“Scalable training of artificial neural networks with adaptive sparse connectivity inspired by network science” - Merged</a:t>
-            </a:r>
-          </a:p>
-          <a:p>
-            <a:pPr lvl="1"/>
-            <a:endParaRPr lang="en-US" dirty="0"/>
-          </a:p>
-        </p:txBody>
-      </p:sp>
-    </p:spTree>
-    <p:extLst>
-      <p:ext uri="{BB962C8B-B14F-4D97-AF65-F5344CB8AC3E}">
-        <p14:creationId xmlns:p14="http://schemas.microsoft.com/office/powerpoint/2010/main" val="2395946981"/>
-      </p:ext>
-    </p:extLst>
-  </p:cSld>
-  <p:clrMapOvr>
-    <a:masterClrMapping/>
-  </p:clrMapOvr>
-</p:sld>
-</file>
-
-<file path=ppt/slides/slide7.xml><?xml version="1.0" encoding="utf-8"?>
-<p:sld xmlns:a="http://schemas.openxmlformats.org/drawingml/2006/main" xmlns:r="http://schemas.openxmlformats.org/officeDocument/2006/relationships" xmlns:p="http://schemas.openxmlformats.org/presentationml/2006/main">
-  <p:cSld>
-    <p:spTree>
-      <p:nvGrpSpPr>
-        <p:cNvPr id="1" name=""/>
-        <p:cNvGrpSpPr/>
-        <p:nvPr/>
-      </p:nvGrpSpPr>
-      <p:grpSpPr>
-        <a:xfrm>
-          <a:off x="0" y="0"/>
-          <a:ext cx="0" cy="0"/>
-          <a:chOff x="0" y="0"/>
-          <a:chExt cx="0" cy="0"/>
-        </a:xfrm>
-      </p:grpSpPr>
-      <p:sp>
-        <p:nvSpPr>
-          <p:cNvPr id="2" name="Title 1">
-            <a:extLst>
-              <a:ext uri="{FF2B5EF4-FFF2-40B4-BE49-F238E27FC236}">
                 <a16:creationId xmlns:a16="http://schemas.microsoft.com/office/drawing/2014/main" id="{0E29F8A4-1210-3948-9FC0-F389A693FAF5}"/>
               </a:ext>
             </a:extLst>
@@ -37329,7 +36296,7 @@
           <a:p>
             <a:r>
               <a:rPr lang="en-US" dirty="0"/>
-              <a:t>Typical Fully Connected Layer</a:t>
+              <a:t>Fully Connected Layer Example</a:t>
             </a:r>
           </a:p>
         </p:txBody>
@@ -38481,6 +37448,763 @@
     <p:extLst>
       <p:ext uri="{BB962C8B-B14F-4D97-AF65-F5344CB8AC3E}">
         <p14:creationId xmlns:p14="http://schemas.microsoft.com/office/powerpoint/2010/main" val="168799850"/>
+      </p:ext>
+    </p:extLst>
+  </p:cSld>
+  <p:clrMapOvr>
+    <a:masterClrMapping/>
+  </p:clrMapOvr>
+</p:sld>
+</file>
+
+<file path=ppt/slides/slide7.xml><?xml version="1.0" encoding="utf-8"?>
+<p:sld xmlns:a="http://schemas.openxmlformats.org/drawingml/2006/main" xmlns:r="http://schemas.openxmlformats.org/officeDocument/2006/relationships" xmlns:p="http://schemas.openxmlformats.org/presentationml/2006/main">
+  <p:cSld>
+    <p:spTree>
+      <p:nvGrpSpPr>
+        <p:cNvPr id="1" name=""/>
+        <p:cNvGrpSpPr/>
+        <p:nvPr/>
+      </p:nvGrpSpPr>
+      <p:grpSpPr>
+        <a:xfrm>
+          <a:off x="0" y="0"/>
+          <a:ext cx="0" cy="0"/>
+          <a:chOff x="0" y="0"/>
+          <a:chExt cx="0" cy="0"/>
+        </a:xfrm>
+      </p:grpSpPr>
+      <p:sp>
+        <p:nvSpPr>
+          <p:cNvPr id="2" name="Title 1">
+            <a:extLst>
+              <a:ext uri="{FF2B5EF4-FFF2-40B4-BE49-F238E27FC236}">
+                <a16:creationId xmlns:a16="http://schemas.microsoft.com/office/drawing/2014/main" id="{0E29F8A4-1210-3948-9FC0-F389A693FAF5}"/>
+              </a:ext>
+            </a:extLst>
+          </p:cNvPr>
+          <p:cNvSpPr>
+            <a:spLocks noGrp="1"/>
+          </p:cNvSpPr>
+          <p:nvPr>
+            <p:ph type="title"/>
+          </p:nvPr>
+        </p:nvSpPr>
+        <p:spPr/>
+        <p:txBody>
+          <a:bodyPr/>
+          <a:lstStyle/>
+          <a:p>
+            <a:r>
+              <a:rPr lang="en-US" dirty="0"/>
+              <a:t>Sparse Layer Example</a:t>
+            </a:r>
+          </a:p>
+        </p:txBody>
+      </p:sp>
+      <p:grpSp>
+        <p:nvGrpSpPr>
+          <p:cNvPr id="14" name="Group 13">
+            <a:extLst>
+              <a:ext uri="{FF2B5EF4-FFF2-40B4-BE49-F238E27FC236}">
+                <a16:creationId xmlns:a16="http://schemas.microsoft.com/office/drawing/2014/main" id="{654487B3-C548-2348-A920-08E0F3ECB361}"/>
+              </a:ext>
+            </a:extLst>
+          </p:cNvPr>
+          <p:cNvGrpSpPr/>
+          <p:nvPr/>
+        </p:nvGrpSpPr>
+        <p:grpSpPr>
+          <a:xfrm>
+            <a:off x="2326341" y="2622176"/>
+            <a:ext cx="5073919" cy="3424768"/>
+            <a:chOff x="2326341" y="2622176"/>
+            <a:chExt cx="5073919" cy="3424768"/>
+          </a:xfrm>
+        </p:grpSpPr>
+        <p:sp>
+          <p:nvSpPr>
+            <p:cNvPr id="4" name="Oval 3">
+              <a:extLst>
+                <a:ext uri="{FF2B5EF4-FFF2-40B4-BE49-F238E27FC236}">
+                  <a16:creationId xmlns:a16="http://schemas.microsoft.com/office/drawing/2014/main" id="{304DE99B-EDF5-AF41-A0B7-B66744265D69}"/>
+                </a:ext>
+              </a:extLst>
+            </p:cNvPr>
+            <p:cNvSpPr/>
+            <p:nvPr/>
+          </p:nvSpPr>
+          <p:spPr>
+            <a:xfrm>
+              <a:off x="2330821" y="2971800"/>
+              <a:ext cx="914400" cy="914400"/>
+            </a:xfrm>
+            <a:prstGeom prst="ellipse">
+              <a:avLst/>
+            </a:prstGeom>
+          </p:spPr>
+          <p:style>
+            <a:lnRef idx="2">
+              <a:schemeClr val="accent1">
+                <a:shade val="50000"/>
+              </a:schemeClr>
+            </a:lnRef>
+            <a:fillRef idx="1">
+              <a:schemeClr val="accent1"/>
+            </a:fillRef>
+            <a:effectRef idx="0">
+              <a:schemeClr val="accent1"/>
+            </a:effectRef>
+            <a:fontRef idx="minor">
+              <a:schemeClr val="lt1"/>
+            </a:fontRef>
+          </p:style>
+          <p:txBody>
+            <a:bodyPr rtlCol="0" anchor="ctr"/>
+            <a:lstStyle/>
+            <a:p>
+              <a:pPr algn="ctr"/>
+              <a:endParaRPr lang="en-US"/>
+            </a:p>
+          </p:txBody>
+        </p:sp>
+        <p:sp>
+          <p:nvSpPr>
+            <p:cNvPr id="5" name="Oval 4">
+              <a:extLst>
+                <a:ext uri="{FF2B5EF4-FFF2-40B4-BE49-F238E27FC236}">
+                  <a16:creationId xmlns:a16="http://schemas.microsoft.com/office/drawing/2014/main" id="{563CEB4D-A9D5-F44C-A214-CA179299315E}"/>
+                </a:ext>
+              </a:extLst>
+            </p:cNvPr>
+            <p:cNvSpPr/>
+            <p:nvPr/>
+          </p:nvSpPr>
+          <p:spPr>
+            <a:xfrm>
+              <a:off x="2326341" y="5132544"/>
+              <a:ext cx="914400" cy="914400"/>
+            </a:xfrm>
+            <a:prstGeom prst="ellipse">
+              <a:avLst/>
+            </a:prstGeom>
+          </p:spPr>
+          <p:style>
+            <a:lnRef idx="2">
+              <a:schemeClr val="accent1">
+                <a:shade val="50000"/>
+              </a:schemeClr>
+            </a:lnRef>
+            <a:fillRef idx="1">
+              <a:schemeClr val="accent1"/>
+            </a:fillRef>
+            <a:effectRef idx="0">
+              <a:schemeClr val="accent1"/>
+            </a:effectRef>
+            <a:fontRef idx="minor">
+              <a:schemeClr val="lt1"/>
+            </a:fontRef>
+          </p:style>
+          <p:txBody>
+            <a:bodyPr rtlCol="0" anchor="ctr"/>
+            <a:lstStyle/>
+            <a:p>
+              <a:pPr algn="ctr"/>
+              <a:endParaRPr lang="en-US"/>
+            </a:p>
+          </p:txBody>
+        </p:sp>
+        <p:sp>
+          <p:nvSpPr>
+            <p:cNvPr id="7" name="Oval 6">
+              <a:extLst>
+                <a:ext uri="{FF2B5EF4-FFF2-40B4-BE49-F238E27FC236}">
+                  <a16:creationId xmlns:a16="http://schemas.microsoft.com/office/drawing/2014/main" id="{8C1555CF-C79D-8F4F-8437-75EDE2800F0D}"/>
+                </a:ext>
+              </a:extLst>
+            </p:cNvPr>
+            <p:cNvSpPr/>
+            <p:nvPr/>
+          </p:nvSpPr>
+          <p:spPr>
+            <a:xfrm>
+              <a:off x="5450541" y="5132544"/>
+              <a:ext cx="914400" cy="914400"/>
+            </a:xfrm>
+            <a:prstGeom prst="ellipse">
+              <a:avLst/>
+            </a:prstGeom>
+          </p:spPr>
+          <p:style>
+            <a:lnRef idx="2">
+              <a:schemeClr val="accent1">
+                <a:shade val="50000"/>
+              </a:schemeClr>
+            </a:lnRef>
+            <a:fillRef idx="1">
+              <a:schemeClr val="accent1"/>
+            </a:fillRef>
+            <a:effectRef idx="0">
+              <a:schemeClr val="accent1"/>
+            </a:effectRef>
+            <a:fontRef idx="minor">
+              <a:schemeClr val="lt1"/>
+            </a:fontRef>
+          </p:style>
+          <p:txBody>
+            <a:bodyPr rtlCol="0" anchor="ctr"/>
+            <a:lstStyle/>
+            <a:p>
+              <a:pPr algn="ctr"/>
+              <a:endParaRPr lang="en-US"/>
+            </a:p>
+          </p:txBody>
+        </p:sp>
+        <p:sp>
+          <p:nvSpPr>
+            <p:cNvPr id="8" name="Oval 7">
+              <a:extLst>
+                <a:ext uri="{FF2B5EF4-FFF2-40B4-BE49-F238E27FC236}">
+                  <a16:creationId xmlns:a16="http://schemas.microsoft.com/office/drawing/2014/main" id="{6EBB2AE9-3F17-A14B-83C5-A01DC430C03E}"/>
+                </a:ext>
+              </a:extLst>
+            </p:cNvPr>
+            <p:cNvSpPr/>
+            <p:nvPr/>
+          </p:nvSpPr>
+          <p:spPr>
+            <a:xfrm>
+              <a:off x="5450541" y="2629958"/>
+              <a:ext cx="914400" cy="914400"/>
+            </a:xfrm>
+            <a:prstGeom prst="ellipse">
+              <a:avLst/>
+            </a:prstGeom>
+          </p:spPr>
+          <p:style>
+            <a:lnRef idx="2">
+              <a:schemeClr val="accent1">
+                <a:shade val="50000"/>
+              </a:schemeClr>
+            </a:lnRef>
+            <a:fillRef idx="1">
+              <a:schemeClr val="accent1"/>
+            </a:fillRef>
+            <a:effectRef idx="0">
+              <a:schemeClr val="accent1"/>
+            </a:effectRef>
+            <a:fontRef idx="minor">
+              <a:schemeClr val="lt1"/>
+            </a:fontRef>
+          </p:style>
+          <p:txBody>
+            <a:bodyPr rtlCol="0" anchor="ctr"/>
+            <a:lstStyle/>
+            <a:p>
+              <a:pPr algn="ctr"/>
+              <a:endParaRPr lang="en-US"/>
+            </a:p>
+          </p:txBody>
+        </p:sp>
+        <p:sp>
+          <p:nvSpPr>
+            <p:cNvPr id="9" name="Oval 8">
+              <a:extLst>
+                <a:ext uri="{FF2B5EF4-FFF2-40B4-BE49-F238E27FC236}">
+                  <a16:creationId xmlns:a16="http://schemas.microsoft.com/office/drawing/2014/main" id="{22E0B236-C6FA-FB42-A5E2-226464EDB9B0}"/>
+                </a:ext>
+              </a:extLst>
+            </p:cNvPr>
+            <p:cNvSpPr/>
+            <p:nvPr/>
+          </p:nvSpPr>
+          <p:spPr>
+            <a:xfrm>
+              <a:off x="3931023" y="3859056"/>
+              <a:ext cx="914400" cy="914400"/>
+            </a:xfrm>
+            <a:prstGeom prst="ellipse">
+              <a:avLst/>
+            </a:prstGeom>
+          </p:spPr>
+          <p:style>
+            <a:lnRef idx="2">
+              <a:schemeClr val="accent1">
+                <a:shade val="50000"/>
+              </a:schemeClr>
+            </a:lnRef>
+            <a:fillRef idx="1">
+              <a:schemeClr val="accent1"/>
+            </a:fillRef>
+            <a:effectRef idx="0">
+              <a:schemeClr val="accent1"/>
+            </a:effectRef>
+            <a:fontRef idx="minor">
+              <a:schemeClr val="lt1"/>
+            </a:fontRef>
+          </p:style>
+          <p:txBody>
+            <a:bodyPr rtlCol="0" anchor="ctr"/>
+            <a:lstStyle/>
+            <a:p>
+              <a:pPr algn="ctr"/>
+              <a:endParaRPr lang="en-US"/>
+            </a:p>
+          </p:txBody>
+        </p:sp>
+        <p:sp>
+          <p:nvSpPr>
+            <p:cNvPr id="10" name="Oval 9">
+              <a:extLst>
+                <a:ext uri="{FF2B5EF4-FFF2-40B4-BE49-F238E27FC236}">
+                  <a16:creationId xmlns:a16="http://schemas.microsoft.com/office/drawing/2014/main" id="{CB3218E9-89D7-3B40-81F8-D8F03CC9B36D}"/>
+                </a:ext>
+              </a:extLst>
+            </p:cNvPr>
+            <p:cNvSpPr/>
+            <p:nvPr/>
+          </p:nvSpPr>
+          <p:spPr>
+            <a:xfrm>
+              <a:off x="3989294" y="5132544"/>
+              <a:ext cx="914400" cy="914400"/>
+            </a:xfrm>
+            <a:prstGeom prst="ellipse">
+              <a:avLst/>
+            </a:prstGeom>
+          </p:spPr>
+          <p:style>
+            <a:lnRef idx="2">
+              <a:schemeClr val="accent1">
+                <a:shade val="50000"/>
+              </a:schemeClr>
+            </a:lnRef>
+            <a:fillRef idx="1">
+              <a:schemeClr val="accent1"/>
+            </a:fillRef>
+            <a:effectRef idx="0">
+              <a:schemeClr val="accent1"/>
+            </a:effectRef>
+            <a:fontRef idx="minor">
+              <a:schemeClr val="lt1"/>
+            </a:fontRef>
+          </p:style>
+          <p:txBody>
+            <a:bodyPr rtlCol="0" anchor="ctr"/>
+            <a:lstStyle/>
+            <a:p>
+              <a:pPr algn="ctr"/>
+              <a:endParaRPr lang="en-US" dirty="0"/>
+            </a:p>
+          </p:txBody>
+        </p:sp>
+        <p:sp>
+          <p:nvSpPr>
+            <p:cNvPr id="11" name="Oval 10">
+              <a:extLst>
+                <a:ext uri="{FF2B5EF4-FFF2-40B4-BE49-F238E27FC236}">
+                  <a16:creationId xmlns:a16="http://schemas.microsoft.com/office/drawing/2014/main" id="{DA86EB4E-8F33-4749-BABA-BA57095706FD}"/>
+                </a:ext>
+              </a:extLst>
+            </p:cNvPr>
+            <p:cNvSpPr/>
+            <p:nvPr/>
+          </p:nvSpPr>
+          <p:spPr>
+            <a:xfrm>
+              <a:off x="3989294" y="2622176"/>
+              <a:ext cx="914400" cy="914400"/>
+            </a:xfrm>
+            <a:prstGeom prst="ellipse">
+              <a:avLst/>
+            </a:prstGeom>
+          </p:spPr>
+          <p:style>
+            <a:lnRef idx="2">
+              <a:schemeClr val="accent1">
+                <a:shade val="50000"/>
+              </a:schemeClr>
+            </a:lnRef>
+            <a:fillRef idx="1">
+              <a:schemeClr val="accent1"/>
+            </a:fillRef>
+            <a:effectRef idx="0">
+              <a:schemeClr val="accent1"/>
+            </a:effectRef>
+            <a:fontRef idx="minor">
+              <a:schemeClr val="lt1"/>
+            </a:fontRef>
+          </p:style>
+          <p:txBody>
+            <a:bodyPr rtlCol="0" anchor="ctr"/>
+            <a:lstStyle/>
+            <a:p>
+              <a:pPr algn="ctr"/>
+              <a:endParaRPr lang="en-US"/>
+            </a:p>
+          </p:txBody>
+        </p:sp>
+        <p:cxnSp>
+          <p:nvCxnSpPr>
+            <p:cNvPr id="13" name="Straight Connector 12">
+              <a:extLst>
+                <a:ext uri="{FF2B5EF4-FFF2-40B4-BE49-F238E27FC236}">
+                  <a16:creationId xmlns:a16="http://schemas.microsoft.com/office/drawing/2014/main" id="{8327A64B-240E-A647-9F70-A2E151E8DC48}"/>
+                </a:ext>
+              </a:extLst>
+            </p:cNvPr>
+            <p:cNvCxnSpPr>
+              <a:cxnSpLocks/>
+              <a:stCxn id="4" idx="6"/>
+              <a:endCxn id="11" idx="2"/>
+            </p:cNvCxnSpPr>
+            <p:nvPr/>
+          </p:nvCxnSpPr>
+          <p:spPr>
+            <a:xfrm flipV="1">
+              <a:off x="3245221" y="3079376"/>
+              <a:ext cx="744073" cy="349624"/>
+            </a:xfrm>
+            <a:prstGeom prst="line">
+              <a:avLst/>
+            </a:prstGeom>
+          </p:spPr>
+          <p:style>
+            <a:lnRef idx="1">
+              <a:schemeClr val="accent1"/>
+            </a:lnRef>
+            <a:fillRef idx="0">
+              <a:schemeClr val="accent1"/>
+            </a:fillRef>
+            <a:effectRef idx="0">
+              <a:schemeClr val="accent1"/>
+            </a:effectRef>
+            <a:fontRef idx="minor">
+              <a:schemeClr val="tx1"/>
+            </a:fontRef>
+          </p:style>
+        </p:cxnSp>
+        <p:cxnSp>
+          <p:nvCxnSpPr>
+            <p:cNvPr id="15" name="Straight Connector 14">
+              <a:extLst>
+                <a:ext uri="{FF2B5EF4-FFF2-40B4-BE49-F238E27FC236}">
+                  <a16:creationId xmlns:a16="http://schemas.microsoft.com/office/drawing/2014/main" id="{0971D0BB-6DD7-084A-A451-41FAE5C9AC5E}"/>
+                </a:ext>
+              </a:extLst>
+            </p:cNvPr>
+            <p:cNvCxnSpPr>
+              <a:cxnSpLocks/>
+              <a:stCxn id="11" idx="6"/>
+              <a:endCxn id="8" idx="2"/>
+            </p:cNvCxnSpPr>
+            <p:nvPr/>
+          </p:nvCxnSpPr>
+          <p:spPr>
+            <a:xfrm>
+              <a:off x="4903694" y="3079376"/>
+              <a:ext cx="546847" cy="7782"/>
+            </a:xfrm>
+            <a:prstGeom prst="line">
+              <a:avLst/>
+            </a:prstGeom>
+          </p:spPr>
+          <p:style>
+            <a:lnRef idx="1">
+              <a:schemeClr val="accent1"/>
+            </a:lnRef>
+            <a:fillRef idx="0">
+              <a:schemeClr val="accent1"/>
+            </a:fillRef>
+            <a:effectRef idx="0">
+              <a:schemeClr val="accent1"/>
+            </a:effectRef>
+            <a:fontRef idx="minor">
+              <a:schemeClr val="tx1"/>
+            </a:fontRef>
+          </p:style>
+        </p:cxnSp>
+        <p:cxnSp>
+          <p:nvCxnSpPr>
+            <p:cNvPr id="17" name="Straight Connector 16">
+              <a:extLst>
+                <a:ext uri="{FF2B5EF4-FFF2-40B4-BE49-F238E27FC236}">
+                  <a16:creationId xmlns:a16="http://schemas.microsoft.com/office/drawing/2014/main" id="{1F19D250-5D2A-984A-BDC9-D30D595314CE}"/>
+                </a:ext>
+              </a:extLst>
+            </p:cNvPr>
+            <p:cNvCxnSpPr/>
+            <p:nvPr/>
+          </p:nvCxnSpPr>
+          <p:spPr>
+            <a:xfrm>
+              <a:off x="4926105" y="5599642"/>
+              <a:ext cx="546847" cy="7782"/>
+            </a:xfrm>
+            <a:prstGeom prst="line">
+              <a:avLst/>
+            </a:prstGeom>
+          </p:spPr>
+          <p:style>
+            <a:lnRef idx="1">
+              <a:schemeClr val="accent1"/>
+            </a:lnRef>
+            <a:fillRef idx="0">
+              <a:schemeClr val="accent1"/>
+            </a:fillRef>
+            <a:effectRef idx="0">
+              <a:schemeClr val="accent1"/>
+            </a:effectRef>
+            <a:fontRef idx="minor">
+              <a:schemeClr val="tx1"/>
+            </a:fontRef>
+          </p:style>
+        </p:cxnSp>
+        <p:cxnSp>
+          <p:nvCxnSpPr>
+            <p:cNvPr id="18" name="Straight Connector 17">
+              <a:extLst>
+                <a:ext uri="{FF2B5EF4-FFF2-40B4-BE49-F238E27FC236}">
+                  <a16:creationId xmlns:a16="http://schemas.microsoft.com/office/drawing/2014/main" id="{DF56DBE8-ED78-E049-8516-6E4DDA3EABB0}"/>
+                </a:ext>
+              </a:extLst>
+            </p:cNvPr>
+            <p:cNvCxnSpPr>
+              <a:cxnSpLocks/>
+            </p:cNvCxnSpPr>
+            <p:nvPr/>
+          </p:nvCxnSpPr>
+          <p:spPr>
+            <a:xfrm>
+              <a:off x="3225053" y="3466299"/>
+              <a:ext cx="730623" cy="737391"/>
+            </a:xfrm>
+            <a:prstGeom prst="line">
+              <a:avLst/>
+            </a:prstGeom>
+          </p:spPr>
+          <p:style>
+            <a:lnRef idx="1">
+              <a:schemeClr val="accent1"/>
+            </a:lnRef>
+            <a:fillRef idx="0">
+              <a:schemeClr val="accent1"/>
+            </a:fillRef>
+            <a:effectRef idx="0">
+              <a:schemeClr val="accent1"/>
+            </a:effectRef>
+            <a:fontRef idx="minor">
+              <a:schemeClr val="tx1"/>
+            </a:fontRef>
+          </p:style>
+        </p:cxnSp>
+        <p:cxnSp>
+          <p:nvCxnSpPr>
+            <p:cNvPr id="24" name="Straight Connector 23">
+              <a:extLst>
+                <a:ext uri="{FF2B5EF4-FFF2-40B4-BE49-F238E27FC236}">
+                  <a16:creationId xmlns:a16="http://schemas.microsoft.com/office/drawing/2014/main" id="{C065BF56-F509-8E4B-A84E-225F7C34F2D0}"/>
+                </a:ext>
+              </a:extLst>
+            </p:cNvPr>
+            <p:cNvCxnSpPr>
+              <a:cxnSpLocks/>
+              <a:stCxn id="5" idx="6"/>
+              <a:endCxn id="10" idx="2"/>
+            </p:cNvCxnSpPr>
+            <p:nvPr/>
+          </p:nvCxnSpPr>
+          <p:spPr>
+            <a:xfrm>
+              <a:off x="3240741" y="5589744"/>
+              <a:ext cx="748553" cy="0"/>
+            </a:xfrm>
+            <a:prstGeom prst="line">
+              <a:avLst/>
+            </a:prstGeom>
+          </p:spPr>
+          <p:style>
+            <a:lnRef idx="1">
+              <a:schemeClr val="accent1"/>
+            </a:lnRef>
+            <a:fillRef idx="0">
+              <a:schemeClr val="accent1"/>
+            </a:fillRef>
+            <a:effectRef idx="0">
+              <a:schemeClr val="accent1"/>
+            </a:effectRef>
+            <a:fontRef idx="minor">
+              <a:schemeClr val="tx1"/>
+            </a:fontRef>
+          </p:style>
+        </p:cxnSp>
+        <p:cxnSp>
+          <p:nvCxnSpPr>
+            <p:cNvPr id="43" name="Straight Connector 42">
+              <a:extLst>
+                <a:ext uri="{FF2B5EF4-FFF2-40B4-BE49-F238E27FC236}">
+                  <a16:creationId xmlns:a16="http://schemas.microsoft.com/office/drawing/2014/main" id="{D1F66328-890A-BF4C-B439-3CFEF3849EC6}"/>
+                </a:ext>
+              </a:extLst>
+            </p:cNvPr>
+            <p:cNvCxnSpPr>
+              <a:cxnSpLocks/>
+              <a:stCxn id="11" idx="6"/>
+              <a:endCxn id="7" idx="2"/>
+            </p:cNvCxnSpPr>
+            <p:nvPr/>
+          </p:nvCxnSpPr>
+          <p:spPr>
+            <a:xfrm>
+              <a:off x="4903694" y="3079376"/>
+              <a:ext cx="546847" cy="2510368"/>
+            </a:xfrm>
+            <a:prstGeom prst="line">
+              <a:avLst/>
+            </a:prstGeom>
+          </p:spPr>
+          <p:style>
+            <a:lnRef idx="1">
+              <a:schemeClr val="accent1"/>
+            </a:lnRef>
+            <a:fillRef idx="0">
+              <a:schemeClr val="accent1"/>
+            </a:fillRef>
+            <a:effectRef idx="0">
+              <a:schemeClr val="accent1"/>
+            </a:effectRef>
+            <a:fontRef idx="minor">
+              <a:schemeClr val="tx1"/>
+            </a:fontRef>
+          </p:style>
+        </p:cxnSp>
+        <p:cxnSp>
+          <p:nvCxnSpPr>
+            <p:cNvPr id="52" name="Straight Connector 51">
+              <a:extLst>
+                <a:ext uri="{FF2B5EF4-FFF2-40B4-BE49-F238E27FC236}">
+                  <a16:creationId xmlns:a16="http://schemas.microsoft.com/office/drawing/2014/main" id="{7C5372DC-B815-F04C-B984-B159223534B6}"/>
+                </a:ext>
+              </a:extLst>
+            </p:cNvPr>
+            <p:cNvCxnSpPr>
+              <a:cxnSpLocks/>
+            </p:cNvCxnSpPr>
+            <p:nvPr/>
+          </p:nvCxnSpPr>
+          <p:spPr>
+            <a:xfrm>
+              <a:off x="6364941" y="3078192"/>
+              <a:ext cx="900954" cy="0"/>
+            </a:xfrm>
+            <a:prstGeom prst="line">
+              <a:avLst/>
+            </a:prstGeom>
+          </p:spPr>
+          <p:style>
+            <a:lnRef idx="1">
+              <a:schemeClr val="accent1"/>
+            </a:lnRef>
+            <a:fillRef idx="0">
+              <a:schemeClr val="accent1"/>
+            </a:fillRef>
+            <a:effectRef idx="0">
+              <a:schemeClr val="accent1"/>
+            </a:effectRef>
+            <a:fontRef idx="minor">
+              <a:schemeClr val="tx1"/>
+            </a:fontRef>
+          </p:style>
+        </p:cxnSp>
+        <p:cxnSp>
+          <p:nvCxnSpPr>
+            <p:cNvPr id="57" name="Straight Connector 56">
+              <a:extLst>
+                <a:ext uri="{FF2B5EF4-FFF2-40B4-BE49-F238E27FC236}">
+                  <a16:creationId xmlns:a16="http://schemas.microsoft.com/office/drawing/2014/main" id="{DC71D043-CC32-8147-BE23-05F1F9FFC5D7}"/>
+                </a:ext>
+              </a:extLst>
+            </p:cNvPr>
+            <p:cNvCxnSpPr>
+              <a:cxnSpLocks/>
+            </p:cNvCxnSpPr>
+            <p:nvPr/>
+          </p:nvCxnSpPr>
+          <p:spPr>
+            <a:xfrm>
+              <a:off x="6387352" y="5573338"/>
+              <a:ext cx="900954" cy="0"/>
+            </a:xfrm>
+            <a:prstGeom prst="line">
+              <a:avLst/>
+            </a:prstGeom>
+          </p:spPr>
+          <p:style>
+            <a:lnRef idx="1">
+              <a:schemeClr val="accent1"/>
+            </a:lnRef>
+            <a:fillRef idx="0">
+              <a:schemeClr val="accent1"/>
+            </a:fillRef>
+            <a:effectRef idx="0">
+              <a:schemeClr val="accent1"/>
+            </a:effectRef>
+            <a:fontRef idx="minor">
+              <a:schemeClr val="tx1"/>
+            </a:fontRef>
+          </p:style>
+        </p:cxnSp>
+        <p:sp>
+          <p:nvSpPr>
+            <p:cNvPr id="30" name="Rectangle 29">
+              <a:extLst>
+                <a:ext uri="{FF2B5EF4-FFF2-40B4-BE49-F238E27FC236}">
+                  <a16:creationId xmlns:a16="http://schemas.microsoft.com/office/drawing/2014/main" id="{59A7FA98-5CE7-8F43-B924-9B4A14786C8A}"/>
+                </a:ext>
+              </a:extLst>
+            </p:cNvPr>
+            <p:cNvSpPr/>
+            <p:nvPr/>
+          </p:nvSpPr>
+          <p:spPr>
+            <a:xfrm>
+              <a:off x="7265895" y="2775098"/>
+              <a:ext cx="134365" cy="3083442"/>
+            </a:xfrm>
+            <a:prstGeom prst="rect">
+              <a:avLst/>
+            </a:prstGeom>
+          </p:spPr>
+          <p:style>
+            <a:lnRef idx="2">
+              <a:schemeClr val="accent1">
+                <a:shade val="50000"/>
+              </a:schemeClr>
+            </a:lnRef>
+            <a:fillRef idx="1">
+              <a:schemeClr val="accent1"/>
+            </a:fillRef>
+            <a:effectRef idx="0">
+              <a:schemeClr val="accent1"/>
+            </a:effectRef>
+            <a:fontRef idx="minor">
+              <a:schemeClr val="lt1"/>
+            </a:fontRef>
+          </p:style>
+          <p:txBody>
+            <a:bodyPr rtlCol="0" anchor="ctr"/>
+            <a:lstStyle/>
+            <a:p>
+              <a:pPr algn="ctr"/>
+              <a:endParaRPr lang="en-US"/>
+            </a:p>
+          </p:txBody>
+        </p:sp>
+      </p:grpSp>
+    </p:spTree>
+    <p:extLst>
+      <p:ext uri="{BB962C8B-B14F-4D97-AF65-F5344CB8AC3E}">
+        <p14:creationId xmlns:p14="http://schemas.microsoft.com/office/powerpoint/2010/main" val="2637132796"/>
       </p:ext>
     </p:extLst>
   </p:cSld>
